--- a/First Semester/Study Material From Teacher/NN/Unit -1 Introduction to ANN.pptx
+++ b/First Semester/Study Material From Teacher/NN/Unit -1 Introduction to ANN.pptx
@@ -256,7 +256,7 @@
             <a:fld id="{226EBE57-06B5-493A-882E-E27946C0749C}" type="datetimeFigureOut">
               <a:rPr lang="en-US" smtClean="0"/>
               <a:pPr/>
-              <a:t>12/6/2021</a:t>
+              <a:t>7/9/2024</a:t>
             </a:fld>
             <a:endParaRPr lang="en-US"/>
           </a:p>
@@ -322,38 +322,37 @@
           <a:p>
             <a:pPr lvl="0"/>
             <a:r>
-              <a:rPr lang="en-US" smtClean="0"/>
+              <a:rPr lang="en-US"/>
               <a:t>Click to edit Master text styles</a:t>
             </a:r>
           </a:p>
           <a:p>
             <a:pPr lvl="1"/>
             <a:r>
-              <a:rPr lang="en-US" smtClean="0"/>
+              <a:rPr lang="en-US"/>
               <a:t>Second level</a:t>
             </a:r>
           </a:p>
           <a:p>
             <a:pPr lvl="2"/>
             <a:r>
-              <a:rPr lang="en-US" smtClean="0"/>
+              <a:rPr lang="en-US"/>
               <a:t>Third level</a:t>
             </a:r>
           </a:p>
           <a:p>
             <a:pPr lvl="3"/>
             <a:r>
-              <a:rPr lang="en-US" smtClean="0"/>
+              <a:rPr lang="en-US"/>
               <a:t>Fourth level</a:t>
             </a:r>
           </a:p>
           <a:p>
             <a:pPr lvl="4"/>
             <a:r>
-              <a:rPr lang="en-US" smtClean="0"/>
+              <a:rPr lang="en-US"/>
               <a:t>Fifth level</a:t>
             </a:r>
-            <a:endParaRPr lang="en-US"/>
           </a:p>
         </p:txBody>
       </p:sp>
@@ -650,10 +649,9 @@
           <a:lstStyle/>
           <a:p>
             <a:r>
-              <a:rPr lang="en-US" smtClean="0"/>
+              <a:rPr lang="en-US"/>
               <a:t>Click to edit Master title style</a:t>
             </a:r>
-            <a:endParaRPr lang="en-US"/>
           </a:p>
         </p:txBody>
       </p:sp>
@@ -769,10 +767,9 @@
           </a:lstStyle>
           <a:p>
             <a:r>
-              <a:rPr lang="en-US" smtClean="0"/>
+              <a:rPr lang="en-US"/>
               <a:t>Click to edit Master subtitle style</a:t>
             </a:r>
-            <a:endParaRPr lang="en-US"/>
           </a:p>
         </p:txBody>
       </p:sp>
@@ -793,7 +790,7 @@
           <a:p>
             <a:fld id="{60973A45-E808-4DE1-B5F5-5C474A96C3AF}" type="datetime1">
               <a:rPr lang="en-US" smtClean="0"/>
-              <a:t>12/6/2021</a:t>
+              <a:t>7/9/2024</a:t>
             </a:fld>
             <a:endParaRPr lang="en-US"/>
           </a:p>
@@ -815,10 +812,9 @@
           <a:lstStyle/>
           <a:p>
             <a:r>
-              <a:rPr lang="en-US" smtClean="0"/>
+              <a:rPr lang="en-US"/>
               <a:t>Prepared By: Arjun Saud        Neural Network:M.Sc. CSIT I</a:t>
             </a:r>
-            <a:endParaRPr lang="en-US"/>
           </a:p>
         </p:txBody>
       </p:sp>
@@ -888,10 +884,9 @@
           <a:lstStyle/>
           <a:p>
             <a:r>
-              <a:rPr lang="en-US" smtClean="0"/>
+              <a:rPr lang="en-US"/>
               <a:t>Click to edit Master title style</a:t>
             </a:r>
-            <a:endParaRPr lang="en-US"/>
           </a:p>
         </p:txBody>
       </p:sp>
@@ -912,38 +907,37 @@
           <a:p>
             <a:pPr lvl="0"/>
             <a:r>
-              <a:rPr lang="en-US" smtClean="0"/>
+              <a:rPr lang="en-US"/>
               <a:t>Click to edit Master text styles</a:t>
             </a:r>
           </a:p>
           <a:p>
             <a:pPr lvl="1"/>
             <a:r>
-              <a:rPr lang="en-US" smtClean="0"/>
+              <a:rPr lang="en-US"/>
               <a:t>Second level</a:t>
             </a:r>
           </a:p>
           <a:p>
             <a:pPr lvl="2"/>
             <a:r>
-              <a:rPr lang="en-US" smtClean="0"/>
+              <a:rPr lang="en-US"/>
               <a:t>Third level</a:t>
             </a:r>
           </a:p>
           <a:p>
             <a:pPr lvl="3"/>
             <a:r>
-              <a:rPr lang="en-US" smtClean="0"/>
+              <a:rPr lang="en-US"/>
               <a:t>Fourth level</a:t>
             </a:r>
           </a:p>
           <a:p>
             <a:pPr lvl="4"/>
             <a:r>
-              <a:rPr lang="en-US" smtClean="0"/>
+              <a:rPr lang="en-US"/>
               <a:t>Fifth level</a:t>
             </a:r>
-            <a:endParaRPr lang="en-US"/>
           </a:p>
         </p:txBody>
       </p:sp>
@@ -964,7 +958,7 @@
           <a:p>
             <a:fld id="{5E5252F6-ABD8-458E-8EA7-0DD4FE700704}" type="datetime1">
               <a:rPr lang="en-US" smtClean="0"/>
-              <a:t>12/6/2021</a:t>
+              <a:t>7/9/2024</a:t>
             </a:fld>
             <a:endParaRPr lang="en-US"/>
           </a:p>
@@ -986,10 +980,9 @@
           <a:lstStyle/>
           <a:p>
             <a:r>
-              <a:rPr lang="en-US" smtClean="0"/>
+              <a:rPr lang="en-US"/>
               <a:t>Prepared By: Arjun Saud        Neural Network:M.Sc. CSIT I</a:t>
             </a:r>
-            <a:endParaRPr lang="en-US"/>
           </a:p>
         </p:txBody>
       </p:sp>
@@ -1064,10 +1057,9 @@
           <a:lstStyle/>
           <a:p>
             <a:r>
-              <a:rPr lang="en-US" smtClean="0"/>
+              <a:rPr lang="en-US"/>
               <a:t>Click to edit Master title style</a:t>
             </a:r>
-            <a:endParaRPr lang="en-US"/>
           </a:p>
         </p:txBody>
       </p:sp>
@@ -1093,38 +1085,37 @@
           <a:p>
             <a:pPr lvl="0"/>
             <a:r>
-              <a:rPr lang="en-US" smtClean="0"/>
+              <a:rPr lang="en-US"/>
               <a:t>Click to edit Master text styles</a:t>
             </a:r>
           </a:p>
           <a:p>
             <a:pPr lvl="1"/>
             <a:r>
-              <a:rPr lang="en-US" smtClean="0"/>
+              <a:rPr lang="en-US"/>
               <a:t>Second level</a:t>
             </a:r>
           </a:p>
           <a:p>
             <a:pPr lvl="2"/>
             <a:r>
-              <a:rPr lang="en-US" smtClean="0"/>
+              <a:rPr lang="en-US"/>
               <a:t>Third level</a:t>
             </a:r>
           </a:p>
           <a:p>
             <a:pPr lvl="3"/>
             <a:r>
-              <a:rPr lang="en-US" smtClean="0"/>
+              <a:rPr lang="en-US"/>
               <a:t>Fourth level</a:t>
             </a:r>
           </a:p>
           <a:p>
             <a:pPr lvl="4"/>
             <a:r>
-              <a:rPr lang="en-US" smtClean="0"/>
+              <a:rPr lang="en-US"/>
               <a:t>Fifth level</a:t>
             </a:r>
-            <a:endParaRPr lang="en-US"/>
           </a:p>
         </p:txBody>
       </p:sp>
@@ -1145,7 +1136,7 @@
           <a:p>
             <a:fld id="{7BFBFB6F-5DD8-444A-BDEF-1B92E2203776}" type="datetime1">
               <a:rPr lang="en-US" smtClean="0"/>
-              <a:t>12/6/2021</a:t>
+              <a:t>7/9/2024</a:t>
             </a:fld>
             <a:endParaRPr lang="en-US"/>
           </a:p>
@@ -1167,10 +1158,9 @@
           <a:lstStyle/>
           <a:p>
             <a:r>
-              <a:rPr lang="en-US" smtClean="0"/>
+              <a:rPr lang="en-US"/>
               <a:t>Prepared By: Arjun Saud        Neural Network:M.Sc. CSIT I</a:t>
             </a:r>
-            <a:endParaRPr lang="en-US"/>
           </a:p>
         </p:txBody>
       </p:sp>
@@ -1240,10 +1230,9 @@
           <a:lstStyle/>
           <a:p>
             <a:r>
-              <a:rPr lang="en-US" smtClean="0"/>
+              <a:rPr lang="en-US"/>
               <a:t>Click to edit Master title style</a:t>
             </a:r>
-            <a:endParaRPr lang="en-US"/>
           </a:p>
         </p:txBody>
       </p:sp>
@@ -1264,38 +1253,37 @@
           <a:p>
             <a:pPr lvl="0"/>
             <a:r>
-              <a:rPr lang="en-US" smtClean="0"/>
+              <a:rPr lang="en-US"/>
               <a:t>Click to edit Master text styles</a:t>
             </a:r>
           </a:p>
           <a:p>
             <a:pPr lvl="1"/>
             <a:r>
-              <a:rPr lang="en-US" smtClean="0"/>
+              <a:rPr lang="en-US"/>
               <a:t>Second level</a:t>
             </a:r>
           </a:p>
           <a:p>
             <a:pPr lvl="2"/>
             <a:r>
-              <a:rPr lang="en-US" smtClean="0"/>
+              <a:rPr lang="en-US"/>
               <a:t>Third level</a:t>
             </a:r>
           </a:p>
           <a:p>
             <a:pPr lvl="3"/>
             <a:r>
-              <a:rPr lang="en-US" smtClean="0"/>
+              <a:rPr lang="en-US"/>
               <a:t>Fourth level</a:t>
             </a:r>
           </a:p>
           <a:p>
             <a:pPr lvl="4"/>
             <a:r>
-              <a:rPr lang="en-US" smtClean="0"/>
+              <a:rPr lang="en-US"/>
               <a:t>Fifth level</a:t>
             </a:r>
-            <a:endParaRPr lang="en-US"/>
           </a:p>
         </p:txBody>
       </p:sp>
@@ -1316,7 +1304,7 @@
           <a:p>
             <a:fld id="{DCED0CC9-D3BB-411A-A928-EEDC6ACC32EA}" type="datetime1">
               <a:rPr lang="en-US" smtClean="0"/>
-              <a:t>12/6/2021</a:t>
+              <a:t>7/9/2024</a:t>
             </a:fld>
             <a:endParaRPr lang="en-US"/>
           </a:p>
@@ -1338,10 +1326,9 @@
           <a:lstStyle/>
           <a:p>
             <a:r>
-              <a:rPr lang="en-US" smtClean="0"/>
+              <a:rPr lang="en-US"/>
               <a:t>Prepared By: Arjun Saud        Neural Network:M.Sc. CSIT I</a:t>
             </a:r>
-            <a:endParaRPr lang="en-US"/>
           </a:p>
         </p:txBody>
       </p:sp>
@@ -1420,10 +1407,9 @@
           </a:lstStyle>
           <a:p>
             <a:r>
-              <a:rPr lang="en-US" smtClean="0"/>
+              <a:rPr lang="en-US"/>
               <a:t>Click to edit Master title style</a:t>
             </a:r>
-            <a:endParaRPr lang="en-US"/>
           </a:p>
         </p:txBody>
       </p:sp>
@@ -1540,7 +1526,7 @@
           <a:p>
             <a:pPr lvl="0"/>
             <a:r>
-              <a:rPr lang="en-US" smtClean="0"/>
+              <a:rPr lang="en-US"/>
               <a:t>Click to edit Master text styles</a:t>
             </a:r>
           </a:p>
@@ -1563,7 +1549,7 @@
           <a:p>
             <a:fld id="{4AC85315-E6F0-43E1-8D75-22B2F33F2E50}" type="datetime1">
               <a:rPr lang="en-US" smtClean="0"/>
-              <a:t>12/6/2021</a:t>
+              <a:t>7/9/2024</a:t>
             </a:fld>
             <a:endParaRPr lang="en-US"/>
           </a:p>
@@ -1585,10 +1571,9 @@
           <a:lstStyle/>
           <a:p>
             <a:r>
-              <a:rPr lang="en-US" smtClean="0"/>
+              <a:rPr lang="en-US"/>
               <a:t>Prepared By: Arjun Saud        Neural Network:M.Sc. CSIT I</a:t>
             </a:r>
-            <a:endParaRPr lang="en-US"/>
           </a:p>
         </p:txBody>
       </p:sp>
@@ -1658,10 +1643,9 @@
           <a:lstStyle/>
           <a:p>
             <a:r>
-              <a:rPr lang="en-US" smtClean="0"/>
+              <a:rPr lang="en-US"/>
               <a:t>Click to edit Master title style</a:t>
             </a:r>
-            <a:endParaRPr lang="en-US"/>
           </a:p>
         </p:txBody>
       </p:sp>
@@ -1715,38 +1699,37 @@
           <a:p>
             <a:pPr lvl="0"/>
             <a:r>
-              <a:rPr lang="en-US" smtClean="0"/>
+              <a:rPr lang="en-US"/>
               <a:t>Click to edit Master text styles</a:t>
             </a:r>
           </a:p>
           <a:p>
             <a:pPr lvl="1"/>
             <a:r>
-              <a:rPr lang="en-US" smtClean="0"/>
+              <a:rPr lang="en-US"/>
               <a:t>Second level</a:t>
             </a:r>
           </a:p>
           <a:p>
             <a:pPr lvl="2"/>
             <a:r>
-              <a:rPr lang="en-US" smtClean="0"/>
+              <a:rPr lang="en-US"/>
               <a:t>Third level</a:t>
             </a:r>
           </a:p>
           <a:p>
             <a:pPr lvl="3"/>
             <a:r>
-              <a:rPr lang="en-US" smtClean="0"/>
+              <a:rPr lang="en-US"/>
               <a:t>Fourth level</a:t>
             </a:r>
           </a:p>
           <a:p>
             <a:pPr lvl="4"/>
             <a:r>
-              <a:rPr lang="en-US" smtClean="0"/>
+              <a:rPr lang="en-US"/>
               <a:t>Fifth level</a:t>
             </a:r>
-            <a:endParaRPr lang="en-US"/>
           </a:p>
         </p:txBody>
       </p:sp>
@@ -1800,38 +1783,37 @@
           <a:p>
             <a:pPr lvl="0"/>
             <a:r>
-              <a:rPr lang="en-US" smtClean="0"/>
+              <a:rPr lang="en-US"/>
               <a:t>Click to edit Master text styles</a:t>
             </a:r>
           </a:p>
           <a:p>
             <a:pPr lvl="1"/>
             <a:r>
-              <a:rPr lang="en-US" smtClean="0"/>
+              <a:rPr lang="en-US"/>
               <a:t>Second level</a:t>
             </a:r>
           </a:p>
           <a:p>
             <a:pPr lvl="2"/>
             <a:r>
-              <a:rPr lang="en-US" smtClean="0"/>
+              <a:rPr lang="en-US"/>
               <a:t>Third level</a:t>
             </a:r>
           </a:p>
           <a:p>
             <a:pPr lvl="3"/>
             <a:r>
-              <a:rPr lang="en-US" smtClean="0"/>
+              <a:rPr lang="en-US"/>
               <a:t>Fourth level</a:t>
             </a:r>
           </a:p>
           <a:p>
             <a:pPr lvl="4"/>
             <a:r>
-              <a:rPr lang="en-US" smtClean="0"/>
+              <a:rPr lang="en-US"/>
               <a:t>Fifth level</a:t>
             </a:r>
-            <a:endParaRPr lang="en-US"/>
           </a:p>
         </p:txBody>
       </p:sp>
@@ -1852,7 +1834,7 @@
           <a:p>
             <a:fld id="{36BEE8EF-B5D5-4C89-B4F6-E2A9E7D54FD5}" type="datetime1">
               <a:rPr lang="en-US" smtClean="0"/>
-              <a:t>12/6/2021</a:t>
+              <a:t>7/9/2024</a:t>
             </a:fld>
             <a:endParaRPr lang="en-US"/>
           </a:p>
@@ -1874,10 +1856,9 @@
           <a:lstStyle/>
           <a:p>
             <a:r>
-              <a:rPr lang="en-US" smtClean="0"/>
+              <a:rPr lang="en-US"/>
               <a:t>Prepared By: Arjun Saud        Neural Network:M.Sc. CSIT I</a:t>
             </a:r>
-            <a:endParaRPr lang="en-US"/>
           </a:p>
         </p:txBody>
       </p:sp>
@@ -1951,10 +1932,9 @@
           </a:lstStyle>
           <a:p>
             <a:r>
-              <a:rPr lang="en-US" smtClean="0"/>
+              <a:rPr lang="en-US"/>
               <a:t>Click to edit Master title style</a:t>
             </a:r>
-            <a:endParaRPr lang="en-US"/>
           </a:p>
         </p:txBody>
       </p:sp>
@@ -2017,7 +1997,7 @@
           <a:p>
             <a:pPr lvl="0"/>
             <a:r>
-              <a:rPr lang="en-US" smtClean="0"/>
+              <a:rPr lang="en-US"/>
               <a:t>Click to edit Master text styles</a:t>
             </a:r>
           </a:p>
@@ -2073,38 +2053,37 @@
           <a:p>
             <a:pPr lvl="0"/>
             <a:r>
-              <a:rPr lang="en-US" smtClean="0"/>
+              <a:rPr lang="en-US"/>
               <a:t>Click to edit Master text styles</a:t>
             </a:r>
           </a:p>
           <a:p>
             <a:pPr lvl="1"/>
             <a:r>
-              <a:rPr lang="en-US" smtClean="0"/>
+              <a:rPr lang="en-US"/>
               <a:t>Second level</a:t>
             </a:r>
           </a:p>
           <a:p>
             <a:pPr lvl="2"/>
             <a:r>
-              <a:rPr lang="en-US" smtClean="0"/>
+              <a:rPr lang="en-US"/>
               <a:t>Third level</a:t>
             </a:r>
           </a:p>
           <a:p>
             <a:pPr lvl="3"/>
             <a:r>
-              <a:rPr lang="en-US" smtClean="0"/>
+              <a:rPr lang="en-US"/>
               <a:t>Fourth level</a:t>
             </a:r>
           </a:p>
           <a:p>
             <a:pPr lvl="4"/>
             <a:r>
-              <a:rPr lang="en-US" smtClean="0"/>
+              <a:rPr lang="en-US"/>
               <a:t>Fifth level</a:t>
             </a:r>
-            <a:endParaRPr lang="en-US"/>
           </a:p>
         </p:txBody>
       </p:sp>
@@ -2167,7 +2146,7 @@
           <a:p>
             <a:pPr lvl="0"/>
             <a:r>
-              <a:rPr lang="en-US" smtClean="0"/>
+              <a:rPr lang="en-US"/>
               <a:t>Click to edit Master text styles</a:t>
             </a:r>
           </a:p>
@@ -2223,38 +2202,37 @@
           <a:p>
             <a:pPr lvl="0"/>
             <a:r>
-              <a:rPr lang="en-US" smtClean="0"/>
+              <a:rPr lang="en-US"/>
               <a:t>Click to edit Master text styles</a:t>
             </a:r>
           </a:p>
           <a:p>
             <a:pPr lvl="1"/>
             <a:r>
-              <a:rPr lang="en-US" smtClean="0"/>
+              <a:rPr lang="en-US"/>
               <a:t>Second level</a:t>
             </a:r>
           </a:p>
           <a:p>
             <a:pPr lvl="2"/>
             <a:r>
-              <a:rPr lang="en-US" smtClean="0"/>
+              <a:rPr lang="en-US"/>
               <a:t>Third level</a:t>
             </a:r>
           </a:p>
           <a:p>
             <a:pPr lvl="3"/>
             <a:r>
-              <a:rPr lang="en-US" smtClean="0"/>
+              <a:rPr lang="en-US"/>
               <a:t>Fourth level</a:t>
             </a:r>
           </a:p>
           <a:p>
             <a:pPr lvl="4"/>
             <a:r>
-              <a:rPr lang="en-US" smtClean="0"/>
+              <a:rPr lang="en-US"/>
               <a:t>Fifth level</a:t>
             </a:r>
-            <a:endParaRPr lang="en-US"/>
           </a:p>
         </p:txBody>
       </p:sp>
@@ -2275,7 +2253,7 @@
           <a:p>
             <a:fld id="{54A31B42-D524-434E-90CE-74FA6F624DA7}" type="datetime1">
               <a:rPr lang="en-US" smtClean="0"/>
-              <a:t>12/6/2021</a:t>
+              <a:t>7/9/2024</a:t>
             </a:fld>
             <a:endParaRPr lang="en-US"/>
           </a:p>
@@ -2297,10 +2275,9 @@
           <a:lstStyle/>
           <a:p>
             <a:r>
-              <a:rPr lang="en-US" smtClean="0"/>
+              <a:rPr lang="en-US"/>
               <a:t>Prepared By: Arjun Saud        Neural Network:M.Sc. CSIT I</a:t>
             </a:r>
-            <a:endParaRPr lang="en-US"/>
           </a:p>
         </p:txBody>
       </p:sp>
@@ -2370,10 +2347,9 @@
           <a:lstStyle/>
           <a:p>
             <a:r>
-              <a:rPr lang="en-US" smtClean="0"/>
+              <a:rPr lang="en-US"/>
               <a:t>Click to edit Master title style</a:t>
             </a:r>
-            <a:endParaRPr lang="en-US"/>
           </a:p>
         </p:txBody>
       </p:sp>
@@ -2394,7 +2370,7 @@
           <a:p>
             <a:fld id="{B8A12CBF-1D4B-447D-95C5-3E69D9EDDF94}" type="datetime1">
               <a:rPr lang="en-US" smtClean="0"/>
-              <a:t>12/6/2021</a:t>
+              <a:t>7/9/2024</a:t>
             </a:fld>
             <a:endParaRPr lang="en-US"/>
           </a:p>
@@ -2416,10 +2392,9 @@
           <a:lstStyle/>
           <a:p>
             <a:r>
-              <a:rPr lang="en-US" smtClean="0"/>
+              <a:rPr lang="en-US"/>
               <a:t>Prepared By: Arjun Saud        Neural Network:M.Sc. CSIT I</a:t>
             </a:r>
-            <a:endParaRPr lang="en-US"/>
           </a:p>
         </p:txBody>
       </p:sp>
@@ -2490,7 +2465,7 @@
           <a:p>
             <a:fld id="{C951663F-CFD7-4A29-9E7C-FEA62B0F3FF4}" type="datetime1">
               <a:rPr lang="en-US" smtClean="0"/>
-              <a:t>12/6/2021</a:t>
+              <a:t>7/9/2024</a:t>
             </a:fld>
             <a:endParaRPr lang="en-US"/>
           </a:p>
@@ -2512,10 +2487,9 @@
           <a:lstStyle/>
           <a:p>
             <a:r>
-              <a:rPr lang="en-US" smtClean="0"/>
+              <a:rPr lang="en-US"/>
               <a:t>Prepared By: Arjun Saud        Neural Network:M.Sc. CSIT I</a:t>
             </a:r>
-            <a:endParaRPr lang="en-US"/>
           </a:p>
         </p:txBody>
       </p:sp>
@@ -2594,10 +2568,9 @@
           </a:lstStyle>
           <a:p>
             <a:r>
-              <a:rPr lang="en-US" smtClean="0"/>
+              <a:rPr lang="en-US"/>
               <a:t>Click to edit Master title style</a:t>
             </a:r>
-            <a:endParaRPr lang="en-US"/>
           </a:p>
         </p:txBody>
       </p:sp>
@@ -2651,38 +2624,37 @@
           <a:p>
             <a:pPr lvl="0"/>
             <a:r>
-              <a:rPr lang="en-US" smtClean="0"/>
+              <a:rPr lang="en-US"/>
               <a:t>Click to edit Master text styles</a:t>
             </a:r>
           </a:p>
           <a:p>
             <a:pPr lvl="1"/>
             <a:r>
-              <a:rPr lang="en-US" smtClean="0"/>
+              <a:rPr lang="en-US"/>
               <a:t>Second level</a:t>
             </a:r>
           </a:p>
           <a:p>
             <a:pPr lvl="2"/>
             <a:r>
-              <a:rPr lang="en-US" smtClean="0"/>
+              <a:rPr lang="en-US"/>
               <a:t>Third level</a:t>
             </a:r>
           </a:p>
           <a:p>
             <a:pPr lvl="3"/>
             <a:r>
-              <a:rPr lang="en-US" smtClean="0"/>
+              <a:rPr lang="en-US"/>
               <a:t>Fourth level</a:t>
             </a:r>
           </a:p>
           <a:p>
             <a:pPr lvl="4"/>
             <a:r>
-              <a:rPr lang="en-US" smtClean="0"/>
+              <a:rPr lang="en-US"/>
               <a:t>Fifth level</a:t>
             </a:r>
-            <a:endParaRPr lang="en-US"/>
           </a:p>
         </p:txBody>
       </p:sp>
@@ -2745,7 +2717,7 @@
           <a:p>
             <a:pPr lvl="0"/>
             <a:r>
-              <a:rPr lang="en-US" smtClean="0"/>
+              <a:rPr lang="en-US"/>
               <a:t>Click to edit Master text styles</a:t>
             </a:r>
           </a:p>
@@ -2768,7 +2740,7 @@
           <a:p>
             <a:fld id="{8A4DC412-ECFC-4DE3-9D2E-55184920634B}" type="datetime1">
               <a:rPr lang="en-US" smtClean="0"/>
-              <a:t>12/6/2021</a:t>
+              <a:t>7/9/2024</a:t>
             </a:fld>
             <a:endParaRPr lang="en-US"/>
           </a:p>
@@ -2790,10 +2762,9 @@
           <a:lstStyle/>
           <a:p>
             <a:r>
-              <a:rPr lang="en-US" smtClean="0"/>
+              <a:rPr lang="en-US"/>
               <a:t>Prepared By: Arjun Saud        Neural Network:M.Sc. CSIT I</a:t>
             </a:r>
-            <a:endParaRPr lang="en-US"/>
           </a:p>
         </p:txBody>
       </p:sp>
@@ -2872,10 +2843,9 @@
           </a:lstStyle>
           <a:p>
             <a:r>
-              <a:rPr lang="en-US" smtClean="0"/>
+              <a:rPr lang="en-US"/>
               <a:t>Click to edit Master title style</a:t>
             </a:r>
-            <a:endParaRPr lang="en-US"/>
           </a:p>
         </p:txBody>
       </p:sp>
@@ -2999,7 +2969,7 @@
           <a:p>
             <a:pPr lvl="0"/>
             <a:r>
-              <a:rPr lang="en-US" smtClean="0"/>
+              <a:rPr lang="en-US"/>
               <a:t>Click to edit Master text styles</a:t>
             </a:r>
           </a:p>
@@ -3022,7 +2992,7 @@
           <a:p>
             <a:fld id="{A3C72E79-9B25-44C7-BBAB-7D259F23E352}" type="datetime1">
               <a:rPr lang="en-US" smtClean="0"/>
-              <a:t>12/6/2021</a:t>
+              <a:t>7/9/2024</a:t>
             </a:fld>
             <a:endParaRPr lang="en-US"/>
           </a:p>
@@ -3044,10 +3014,9 @@
           <a:lstStyle/>
           <a:p>
             <a:r>
-              <a:rPr lang="en-US" smtClean="0"/>
+              <a:rPr lang="en-US"/>
               <a:t>Prepared By: Arjun Saud        Neural Network:M.Sc. CSIT I</a:t>
             </a:r>
-            <a:endParaRPr lang="en-US"/>
           </a:p>
         </p:txBody>
       </p:sp>
@@ -3132,10 +3101,9 @@
           <a:lstStyle/>
           <a:p>
             <a:r>
-              <a:rPr lang="en-US" smtClean="0"/>
+              <a:rPr lang="en-US"/>
               <a:t>Click to edit Master title style</a:t>
             </a:r>
-            <a:endParaRPr lang="en-US"/>
           </a:p>
         </p:txBody>
       </p:sp>
@@ -3166,38 +3134,37 @@
           <a:p>
             <a:pPr lvl="0"/>
             <a:r>
-              <a:rPr lang="en-US" smtClean="0"/>
+              <a:rPr lang="en-US"/>
               <a:t>Click to edit Master text styles</a:t>
             </a:r>
           </a:p>
           <a:p>
             <a:pPr lvl="1"/>
             <a:r>
-              <a:rPr lang="en-US" smtClean="0"/>
+              <a:rPr lang="en-US"/>
               <a:t>Second level</a:t>
             </a:r>
           </a:p>
           <a:p>
             <a:pPr lvl="2"/>
             <a:r>
-              <a:rPr lang="en-US" smtClean="0"/>
+              <a:rPr lang="en-US"/>
               <a:t>Third level</a:t>
             </a:r>
           </a:p>
           <a:p>
             <a:pPr lvl="3"/>
             <a:r>
-              <a:rPr lang="en-US" smtClean="0"/>
+              <a:rPr lang="en-US"/>
               <a:t>Fourth level</a:t>
             </a:r>
           </a:p>
           <a:p>
             <a:pPr lvl="4"/>
             <a:r>
-              <a:rPr lang="en-US" smtClean="0"/>
+              <a:rPr lang="en-US"/>
               <a:t>Fifth level</a:t>
             </a:r>
-            <a:endParaRPr lang="en-US"/>
           </a:p>
         </p:txBody>
       </p:sp>
@@ -3236,7 +3203,7 @@
           <a:p>
             <a:fld id="{54D4AFE3-6763-450B-8B86-061CCC9B9A00}" type="datetime1">
               <a:rPr lang="en-US" smtClean="0"/>
-              <a:t>12/6/2021</a:t>
+              <a:t>7/9/2024</a:t>
             </a:fld>
             <a:endParaRPr lang="en-US"/>
           </a:p>
@@ -3276,10 +3243,9 @@
           </a:lstStyle>
           <a:p>
             <a:r>
-              <a:rPr lang="en-US" smtClean="0"/>
+              <a:rPr lang="en-US"/>
               <a:t>Prepared By: Arjun Saud        Neural Network:M.Sc. CSIT I</a:t>
             </a:r>
-            <a:endParaRPr lang="en-US"/>
           </a:p>
         </p:txBody>
       </p:sp>
@@ -3633,7 +3599,7 @@
             <a:pPr algn="ctr">
               <a:buNone/>
             </a:pPr>
-            <a:endParaRPr lang="en-US" sz="3600" b="1" dirty="0" smtClean="0">
+            <a:endParaRPr lang="en-US" sz="3600" b="1" dirty="0">
               <a:latin typeface="Book Antiqua" pitchFamily="18" charset="0"/>
             </a:endParaRPr>
           </a:p>
@@ -3642,11 +3608,57 @@
               <a:buNone/>
             </a:pPr>
             <a:r>
-              <a:rPr lang="en-US" sz="3600" b="1" dirty="0" smtClean="0">
+              <a:rPr lang="en-US" sz="3600" b="1" dirty="0">
                 <a:latin typeface="Book Antiqua" pitchFamily="18" charset="0"/>
               </a:rPr>
               <a:t>Unit-1</a:t>
             </a:r>
+          </a:p>
+          <a:p>
+            <a:pPr algn="ctr">
+              <a:buNone/>
+            </a:pPr>
+            <a:r>
+              <a:rPr lang="en-US" sz="3600" b="1" u="sng" dirty="0">
+                <a:latin typeface="Book Antiqua" pitchFamily="18" charset="0"/>
+              </a:rPr>
+              <a:t>Introduction</a:t>
+            </a:r>
+          </a:p>
+          <a:p>
+            <a:pPr algn="ctr">
+              <a:buNone/>
+            </a:pPr>
+            <a:endParaRPr lang="en-US" sz="3600" b="1" u="sng" dirty="0">
+              <a:latin typeface="Book Antiqua" pitchFamily="18" charset="0"/>
+            </a:endParaRPr>
+          </a:p>
+          <a:p>
+            <a:pPr algn="ctr">
+              <a:buNone/>
+            </a:pPr>
+            <a:r>
+              <a:rPr lang="en-US" sz="3600" b="1" dirty="0">
+                <a:latin typeface="Book Antiqua" pitchFamily="18" charset="0"/>
+              </a:rPr>
+              <a:t>Prepared By: Arjun Sing Saud</a:t>
+            </a:r>
+          </a:p>
+          <a:p>
+            <a:pPr algn="ctr">
+              <a:buNone/>
+            </a:pPr>
+            <a:r>
+              <a:rPr lang="en-US" sz="3600" b="1" dirty="0">
+                <a:latin typeface="Book Antiqua" pitchFamily="18" charset="0"/>
+              </a:rPr>
+              <a:t>Asst. Prof. CSCSIT, TU</a:t>
+            </a:r>
+          </a:p>
+          <a:p>
+            <a:pPr algn="ctr">
+              <a:buNone/>
+            </a:pPr>
             <a:endParaRPr lang="en-US" sz="3600" b="1" dirty="0">
               <a:latin typeface="Book Antiqua" pitchFamily="18" charset="0"/>
             </a:endParaRPr>
@@ -3656,69 +3668,11 @@
               <a:buNone/>
             </a:pPr>
             <a:r>
-              <a:rPr lang="en-US" sz="3600" b="1" u="sng" dirty="0" smtClean="0">
-                <a:latin typeface="Book Antiqua" pitchFamily="18" charset="0"/>
-              </a:rPr>
-              <a:t>Introduction</a:t>
-            </a:r>
-          </a:p>
-          <a:p>
-            <a:pPr algn="ctr">
-              <a:buNone/>
-            </a:pPr>
-            <a:endParaRPr lang="en-US" sz="3600" b="1" u="sng" dirty="0" smtClean="0">
-              <a:latin typeface="Book Antiqua" pitchFamily="18" charset="0"/>
-            </a:endParaRPr>
-          </a:p>
-          <a:p>
-            <a:pPr algn="ctr">
-              <a:buNone/>
-            </a:pPr>
-            <a:r>
-              <a:rPr lang="en-US" sz="3600" b="1" dirty="0" smtClean="0">
-                <a:latin typeface="Book Antiqua" pitchFamily="18" charset="0"/>
-              </a:rPr>
-              <a:t>Prepared By: Arjun Sing Saud</a:t>
-            </a:r>
-          </a:p>
-          <a:p>
-            <a:pPr algn="ctr">
-              <a:buNone/>
-            </a:pPr>
-            <a:r>
-              <a:rPr lang="en-US" sz="3600" b="1" dirty="0" smtClean="0">
-                <a:latin typeface="Book Antiqua" pitchFamily="18" charset="0"/>
-              </a:rPr>
-              <a:t>Asst. Prof. CSCSIT, TU</a:t>
-            </a:r>
-          </a:p>
-          <a:p>
-            <a:pPr algn="ctr">
-              <a:buNone/>
-            </a:pPr>
-            <a:endParaRPr lang="en-US" sz="3600" b="1" dirty="0" smtClean="0">
-              <a:latin typeface="Book Antiqua" pitchFamily="18" charset="0"/>
-            </a:endParaRPr>
-          </a:p>
-          <a:p>
-            <a:pPr algn="ctr">
-              <a:buNone/>
-            </a:pPr>
-            <a:r>
               <a:rPr lang="en-US" sz="3600" b="1" dirty="0">
                 <a:latin typeface="Book Antiqua" pitchFamily="18" charset="0"/>
               </a:rPr>
-              <a:t>	</a:t>
-            </a:r>
-            <a:r>
-              <a:rPr lang="en-US" sz="3600" b="1" dirty="0" smtClean="0">
-                <a:latin typeface="Book Antiqua" pitchFamily="18" charset="0"/>
-              </a:rPr>
-              <a:t>					   		</a:t>
-            </a:r>
-            <a:endParaRPr lang="en-US" sz="3600" b="1" dirty="0">
-              <a:latin typeface="Book Antiqua" pitchFamily="18" charset="0"/>
-            </a:endParaRPr>
+              <a:t>						   		</a:t>
+            </a:r>
           </a:p>
         </p:txBody>
       </p:sp>
@@ -3762,7 +3716,7 @@
           <a:lstStyle/>
           <a:p>
             <a:r>
-              <a:rPr lang="en-US" smtClean="0"/>
+              <a:rPr lang="en-US"/>
               <a:t>Prepared By: Arjun Saud        Neural Network:M.Sc. CSIT I</a:t>
             </a:r>
             <a:endParaRPr lang="en-US" dirty="0"/>
@@ -3775,13 +3729,6 @@
     <a:masterClrMapping/>
   </p:clrMapOvr>
   <p:transition/>
-  <p:timing>
-    <p:tnLst>
-      <p:par>
-        <p:cTn id="1" dur="indefinite" restart="never" nodeType="tmRoot"/>
-      </p:par>
-    </p:tnLst>
-  </p:timing>
 </p:sld>
 </file>
 
@@ -3820,14 +3767,11 @@
           <a:lstStyle/>
           <a:p>
             <a:r>
-              <a:rPr lang="en-US" b="1" dirty="0" smtClean="0">
+              <a:rPr lang="en-US" b="1" dirty="0">
                 <a:latin typeface="Book Antiqua" pitchFamily="18" charset="0"/>
               </a:rPr>
               <a:t>Models of Neuron</a:t>
             </a:r>
-            <a:endParaRPr lang="en-US" b="1" dirty="0">
-              <a:latin typeface="Book Antiqua" pitchFamily="18" charset="0"/>
-            </a:endParaRPr>
           </a:p>
         </p:txBody>
       </p:sp>
@@ -3860,13 +3804,7 @@
               <a:rPr lang="en-US" sz="2400" b="1" u="sng" dirty="0">
                 <a:latin typeface="Book Antiqua" pitchFamily="18" charset="0"/>
               </a:rPr>
-              <a:t>Deterministic </a:t>
-            </a:r>
-            <a:r>
-              <a:rPr lang="en-US" sz="2400" b="1" u="sng" dirty="0" smtClean="0">
-                <a:latin typeface="Book Antiqua" pitchFamily="18" charset="0"/>
-              </a:rPr>
-              <a:t>Model of Neuron</a:t>
+              <a:t>Deterministic Model of Neuron</a:t>
             </a:r>
           </a:p>
           <a:p>
@@ -3875,13 +3813,7 @@
               <a:rPr lang="en-US" sz="2800" dirty="0">
                 <a:latin typeface="Book Antiqua" panose="02040602050305030304" pitchFamily="18" charset="0"/>
               </a:rPr>
-              <a:t>The block diagram </a:t>
-            </a:r>
-            <a:r>
-              <a:rPr lang="en-US" sz="2800" dirty="0" smtClean="0">
-                <a:latin typeface="Book Antiqua" panose="02040602050305030304" pitchFamily="18" charset="0"/>
-              </a:rPr>
-              <a:t>this </a:t>
+              <a:t>The block diagram this </a:t>
             </a:r>
             <a:r>
               <a:rPr lang="en-US" sz="2800" i="1" dirty="0">
@@ -3893,85 +3825,55 @@
               <a:rPr lang="en-US" sz="2800" dirty="0">
                 <a:latin typeface="Book Antiqua" panose="02040602050305030304" pitchFamily="18" charset="0"/>
               </a:rPr>
-              <a:t>of a </a:t>
-            </a:r>
-            <a:r>
-              <a:rPr lang="en-US" sz="2800" dirty="0" smtClean="0">
+              <a:t>of a neuron is presented in previous slide. Three basic elements of this neural model are: </a:t>
+            </a:r>
+            <a:r>
+              <a:rPr lang="en-US" sz="2800" i="1" dirty="0">
                 <a:latin typeface="Book Antiqua" panose="02040602050305030304" pitchFamily="18" charset="0"/>
               </a:rPr>
-              <a:t>neuron is presented in previous slide. Three </a:t>
-            </a:r>
-            <a:r>
-              <a:rPr lang="en-US" sz="2800" dirty="0">
+              <a:t>Synapses or connecting links, Adder, and Activation Function.</a:t>
+            </a:r>
+          </a:p>
+          <a:p>
+            <a:pPr lvl="1" algn="just"/>
+            <a:r>
+              <a:rPr lang="en-US" sz="2400" b="1" dirty="0">
                 <a:latin typeface="Book Antiqua" panose="02040602050305030304" pitchFamily="18" charset="0"/>
               </a:rPr>
-              <a:t>basic elements of </a:t>
-            </a:r>
-            <a:r>
-              <a:rPr lang="en-US" sz="2800" dirty="0" smtClean="0">
+              <a:t>Synapses: </a:t>
+            </a:r>
+            <a:r>
+              <a:rPr lang="en-US" sz="2400" dirty="0">
                 <a:latin typeface="Book Antiqua" panose="02040602050305030304" pitchFamily="18" charset="0"/>
               </a:rPr>
-              <a:t>this </a:t>
-            </a:r>
-            <a:r>
-              <a:rPr lang="en-US" sz="2800" dirty="0">
+              <a:t>These are the connecting links that are used to collect input for the neuron. Each link is characterized by weight that defines strength of the link.</a:t>
+            </a:r>
+          </a:p>
+          <a:p>
+            <a:pPr lvl="1" algn="just"/>
+            <a:r>
+              <a:rPr lang="en-US" sz="2400" b="1" dirty="0">
                 <a:latin typeface="Book Antiqua" panose="02040602050305030304" pitchFamily="18" charset="0"/>
               </a:rPr>
-              <a:t>neural </a:t>
-            </a:r>
-            <a:r>
-              <a:rPr lang="en-US" sz="2800" dirty="0" smtClean="0">
+              <a:t>Adder:</a:t>
+            </a:r>
+            <a:r>
+              <a:rPr lang="en-US" sz="2400" dirty="0">
                 <a:latin typeface="Book Antiqua" panose="02040602050305030304" pitchFamily="18" charset="0"/>
               </a:rPr>
-              <a:t>model are: </a:t>
-            </a:r>
-            <a:r>
-              <a:rPr lang="en-US" sz="2800" i="1" dirty="0" smtClean="0">
+              <a:t> It is responsible for finding weighted sum of inputs to the neuron.</a:t>
+            </a:r>
+          </a:p>
+          <a:p>
+            <a:pPr lvl="1" algn="just"/>
+            <a:r>
+              <a:rPr lang="en-US" sz="2400" b="1" dirty="0">
                 <a:latin typeface="Book Antiqua" panose="02040602050305030304" pitchFamily="18" charset="0"/>
               </a:rPr>
-              <a:t>Synapses or connecting links, Adder, and Activation Function.</a:t>
-            </a:r>
-          </a:p>
-          <a:p>
-            <a:pPr lvl="1" algn="just"/>
-            <a:r>
-              <a:rPr lang="en-US" sz="2400" b="1" dirty="0" smtClean="0">
-                <a:latin typeface="Book Antiqua" panose="02040602050305030304" pitchFamily="18" charset="0"/>
-              </a:rPr>
-              <a:t>Synapses: </a:t>
-            </a:r>
-            <a:r>
-              <a:rPr lang="en-US" sz="2400" dirty="0" smtClean="0">
-                <a:latin typeface="Book Antiqua" panose="02040602050305030304" pitchFamily="18" charset="0"/>
-              </a:rPr>
-              <a:t>These are the connecting links that are used to collect input for the neuron. Each link is characterized by weight that defines strength of the link.</a:t>
-            </a:r>
-          </a:p>
-          <a:p>
-            <a:pPr lvl="1" algn="just"/>
-            <a:r>
-              <a:rPr lang="en-US" sz="2400" b="1" dirty="0" smtClean="0">
-                <a:latin typeface="Book Antiqua" panose="02040602050305030304" pitchFamily="18" charset="0"/>
-              </a:rPr>
-              <a:t>Adder:</a:t>
-            </a:r>
-            <a:r>
-              <a:rPr lang="en-US" sz="2400" dirty="0" smtClean="0">
-                <a:latin typeface="Book Antiqua" panose="02040602050305030304" pitchFamily="18" charset="0"/>
-              </a:rPr>
-              <a:t> It is responsible for finding weighted sum of inputs to the neuron.</a:t>
-            </a:r>
-          </a:p>
-          <a:p>
-            <a:pPr lvl="1" algn="just"/>
-            <a:r>
-              <a:rPr lang="en-US" sz="2400" b="1" dirty="0" smtClean="0">
-                <a:latin typeface="Book Antiqua" panose="02040602050305030304" pitchFamily="18" charset="0"/>
-              </a:rPr>
               <a:t>Activation Function: </a:t>
             </a:r>
             <a:r>
-              <a:rPr lang="en-US" sz="2400" dirty="0" smtClean="0">
+              <a:rPr lang="en-US" sz="2400" dirty="0">
                 <a:latin typeface="Book Antiqua" panose="02040602050305030304" pitchFamily="18" charset="0"/>
               </a:rPr>
               <a:t>It is responsible for finding output of the neuron. It is also referred as squashing function.</a:t>
@@ -4055,10 +3957,9 @@
           <a:lstStyle/>
           <a:p>
             <a:r>
-              <a:rPr lang="en-US" smtClean="0"/>
+              <a:rPr lang="en-US"/>
               <a:t>Prepared By: Arjun Saud        Neural Network:M.Sc. CSIT I</a:t>
             </a:r>
-            <a:endParaRPr lang="en-US"/>
           </a:p>
         </p:txBody>
       </p:sp>
@@ -4073,13 +3974,6 @@
     <a:masterClrMapping/>
   </p:clrMapOvr>
   <p:transition/>
-  <p:timing>
-    <p:tnLst>
-      <p:par>
-        <p:cTn id="1" dur="indefinite" restart="never" nodeType="tmRoot"/>
-      </p:par>
-    </p:tnLst>
-  </p:timing>
 </p:sld>
 </file>
 
@@ -4118,14 +4012,11 @@
           <a:lstStyle/>
           <a:p>
             <a:r>
-              <a:rPr lang="en-US" b="1" dirty="0" smtClean="0">
+              <a:rPr lang="en-US" b="1" dirty="0">
                 <a:latin typeface="Book Antiqua" pitchFamily="18" charset="0"/>
               </a:rPr>
               <a:t>Models of Neuron</a:t>
             </a:r>
-            <a:endParaRPr lang="en-US" b="1" dirty="0">
-              <a:latin typeface="Book Antiqua" pitchFamily="18" charset="0"/>
-            </a:endParaRPr>
           </a:p>
         </p:txBody>
       </p:sp>
@@ -4158,13 +4049,7 @@
               <a:rPr lang="en-US" sz="2400" b="1" u="sng" dirty="0">
                 <a:latin typeface="Book Antiqua" pitchFamily="18" charset="0"/>
               </a:rPr>
-              <a:t>Deterministic </a:t>
-            </a:r>
-            <a:r>
-              <a:rPr lang="en-US" sz="2400" b="1" u="sng" dirty="0" smtClean="0">
-                <a:latin typeface="Book Antiqua" pitchFamily="18" charset="0"/>
-              </a:rPr>
-              <a:t>Model of Neuron</a:t>
+              <a:t>Deterministic Model of Neuron</a:t>
             </a:r>
             <a:endParaRPr lang="en-US" sz="2400" dirty="0">
               <a:latin typeface="Book Antiqua" pitchFamily="18" charset="0"/>
@@ -4176,31 +4061,43 @@
               <a:rPr lang="en-US" sz="2400" dirty="0">
                 <a:latin typeface="Book Antiqua" pitchFamily="18" charset="0"/>
               </a:rPr>
-              <a:t>The neural model </a:t>
-            </a:r>
-            <a:r>
-              <a:rPr lang="en-US" sz="2400" dirty="0" smtClean="0">
+              <a:t>The neural model also includes an externally applied </a:t>
+            </a:r>
+            <a:r>
+              <a:rPr lang="en-US" sz="2400" i="1" dirty="0">
                 <a:latin typeface="Book Antiqua" panose="02040602050305030304" pitchFamily="18" charset="0"/>
               </a:rPr>
-              <a:t>also </a:t>
+              <a:t>bias</a:t>
             </a:r>
             <a:r>
               <a:rPr lang="en-US" sz="2400" dirty="0">
                 <a:latin typeface="Book Antiqua" panose="02040602050305030304" pitchFamily="18" charset="0"/>
               </a:rPr>
-              <a:t>includes an externally applied </a:t>
+              <a:t>, denoted by </a:t>
             </a:r>
             <a:r>
               <a:rPr lang="en-US" sz="2400" i="1" dirty="0">
                 <a:latin typeface="Book Antiqua" panose="02040602050305030304" pitchFamily="18" charset="0"/>
               </a:rPr>
-              <a:t>bias</a:t>
+              <a:t>b</a:t>
+            </a:r>
+            <a:r>
+              <a:rPr lang="en-US" sz="2400" i="1" baseline="-25000" dirty="0">
+                <a:latin typeface="Book Antiqua" panose="02040602050305030304" pitchFamily="18" charset="0"/>
+              </a:rPr>
+              <a:t>k</a:t>
+            </a:r>
+            <a:r>
+              <a:rPr lang="en-US" sz="2400" i="1" dirty="0">
+                <a:latin typeface="Book Antiqua" panose="02040602050305030304" pitchFamily="18" charset="0"/>
+              </a:rPr>
+              <a:t>. </a:t>
             </a:r>
             <a:r>
               <a:rPr lang="en-US" sz="2400" dirty="0">
                 <a:latin typeface="Book Antiqua" panose="02040602050305030304" pitchFamily="18" charset="0"/>
               </a:rPr>
-              <a:t>, denoted by </a:t>
+              <a:t>The bias </a:t>
             </a:r>
             <a:r>
               <a:rPr lang="en-US" sz="2400" i="1" dirty="0">
@@ -4218,67 +4115,13 @@
               <a:rPr lang="en-US" sz="2400" i="1" dirty="0">
                 <a:latin typeface="Book Antiqua" panose="02040602050305030304" pitchFamily="18" charset="0"/>
               </a:rPr>
-              <a:t>. </a:t>
-            </a:r>
-            <a:r>
-              <a:rPr lang="en-US" sz="2400" dirty="0" smtClean="0">
-                <a:latin typeface="Book Antiqua" panose="02040602050305030304" pitchFamily="18" charset="0"/>
-              </a:rPr>
-              <a:t>The bias </a:t>
-            </a:r>
-            <a:r>
-              <a:rPr lang="en-US" sz="2400" i="1" dirty="0" smtClean="0">
-                <a:latin typeface="Book Antiqua" panose="02040602050305030304" pitchFamily="18" charset="0"/>
-              </a:rPr>
-              <a:t>b</a:t>
-            </a:r>
-            <a:r>
-              <a:rPr lang="en-US" sz="2400" i="1" baseline="-25000" dirty="0" smtClean="0">
-                <a:latin typeface="Book Antiqua" panose="02040602050305030304" pitchFamily="18" charset="0"/>
-              </a:rPr>
-              <a:t>k</a:t>
-            </a:r>
-            <a:r>
-              <a:rPr lang="en-US" sz="2400" i="1" dirty="0" smtClean="0">
-                <a:latin typeface="Book Antiqua" panose="02040602050305030304" pitchFamily="18" charset="0"/>
-              </a:rPr>
               <a:t> </a:t>
             </a:r>
             <a:r>
               <a:rPr lang="en-US" sz="2400" dirty="0">
                 <a:latin typeface="Book Antiqua" panose="02040602050305030304" pitchFamily="18" charset="0"/>
               </a:rPr>
-              <a:t>has the effect of increasing or lowering the net </a:t>
-            </a:r>
-            <a:r>
-              <a:rPr lang="en-US" sz="2400" dirty="0" smtClean="0">
-                <a:latin typeface="Book Antiqua" panose="02040602050305030304" pitchFamily="18" charset="0"/>
-              </a:rPr>
-              <a:t>input. In </a:t>
-            </a:r>
-            <a:r>
-              <a:rPr lang="en-US" sz="2400" dirty="0">
-                <a:latin typeface="Book Antiqua" panose="02040602050305030304" pitchFamily="18" charset="0"/>
-              </a:rPr>
-              <a:t>mathematical terms, we may describe the </a:t>
-            </a:r>
-            <a:r>
-              <a:rPr lang="en-US" sz="2400" dirty="0" smtClean="0">
-                <a:latin typeface="Book Antiqua" panose="02040602050305030304" pitchFamily="18" charset="0"/>
-              </a:rPr>
-              <a:t>neural model by writing the set </a:t>
-            </a:r>
-            <a:r>
-              <a:rPr lang="en-US" sz="2400" dirty="0">
-                <a:latin typeface="Book Antiqua" panose="02040602050305030304" pitchFamily="18" charset="0"/>
-              </a:rPr>
-              <a:t>of equations</a:t>
-            </a:r>
-            <a:r>
-              <a:rPr lang="en-US" sz="2400" dirty="0" smtClean="0">
-                <a:latin typeface="Book Antiqua" panose="02040602050305030304" pitchFamily="18" charset="0"/>
-              </a:rPr>
-              <a:t>:</a:t>
+              <a:t>has the effect of increasing or lowering the net input. In mathematical terms, we may describe the neural model by writing the set of equations:</a:t>
             </a:r>
           </a:p>
           <a:p>
@@ -4289,7 +4132,7 @@
           </a:p>
           <a:p>
             <a:pPr algn="just"/>
-            <a:endParaRPr lang="en-US" sz="2400" dirty="0" smtClean="0">
+            <a:endParaRPr lang="en-US" sz="2400" dirty="0">
               <a:latin typeface="Book Antiqua" panose="02040602050305030304" pitchFamily="18" charset="0"/>
             </a:endParaRPr>
           </a:p>
@@ -4301,7 +4144,7 @@
           </a:p>
           <a:p>
             <a:pPr algn="just"/>
-            <a:endParaRPr lang="en-US" sz="2400" dirty="0" smtClean="0">
+            <a:endParaRPr lang="en-US" sz="2400" dirty="0">
               <a:latin typeface="Book Antiqua" panose="02040602050305030304" pitchFamily="18" charset="0"/>
             </a:endParaRPr>
           </a:p>
@@ -4310,151 +4153,139 @@
               <a:buNone/>
             </a:pPr>
             <a:r>
-              <a:rPr lang="en-US" sz="2400" i="1" dirty="0" smtClean="0">
-                <a:latin typeface="Book Antiqua" panose="02040602050305030304" pitchFamily="18" charset="0"/>
-              </a:rPr>
-              <a:t>Where, x</a:t>
-            </a:r>
-            <a:r>
-              <a:rPr lang="en-US" sz="2400" i="1" baseline="-25000" dirty="0" smtClean="0">
-                <a:latin typeface="Book Antiqua" panose="02040602050305030304" pitchFamily="18" charset="0"/>
-              </a:rPr>
-              <a:t>1</a:t>
-            </a:r>
-            <a:r>
-              <a:rPr lang="en-US" sz="2400" i="1" dirty="0" smtClean="0">
-                <a:latin typeface="Book Antiqua" panose="02040602050305030304" pitchFamily="18" charset="0"/>
-              </a:rPr>
-              <a:t>, x</a:t>
-            </a:r>
-            <a:r>
-              <a:rPr lang="en-US" sz="2400" i="1" baseline="-25000" dirty="0" smtClean="0">
-                <a:latin typeface="Book Antiqua" panose="02040602050305030304" pitchFamily="18" charset="0"/>
-              </a:rPr>
-              <a:t>2</a:t>
-            </a:r>
-            <a:r>
-              <a:rPr lang="en-US" sz="2400" i="1" dirty="0" smtClean="0">
-                <a:latin typeface="Book Antiqua" panose="02040602050305030304" pitchFamily="18" charset="0"/>
-              </a:rPr>
-              <a:t>,….,</a:t>
-            </a:r>
-            <a:r>
-              <a:rPr lang="en-US" sz="2400" i="1" dirty="0" err="1" smtClean="0">
-                <a:latin typeface="Book Antiqua" panose="02040602050305030304" pitchFamily="18" charset="0"/>
-              </a:rPr>
-              <a:t>x</a:t>
-            </a:r>
-            <a:r>
-              <a:rPr lang="en-US" sz="2400" i="1" baseline="-25000" dirty="0" err="1" smtClean="0">
-                <a:latin typeface="Book Antiqua" panose="02040602050305030304" pitchFamily="18" charset="0"/>
-              </a:rPr>
-              <a:t>n</a:t>
-            </a:r>
-            <a:r>
-              <a:rPr lang="en-US" sz="2400" i="1" dirty="0" smtClean="0">
-                <a:latin typeface="Book Antiqua" panose="02040602050305030304" pitchFamily="18" charset="0"/>
-              </a:rPr>
-              <a:t> are input signals, w</a:t>
-            </a:r>
-            <a:r>
-              <a:rPr lang="en-US" sz="2400" i="1" baseline="-25000" dirty="0" smtClean="0">
-                <a:latin typeface="Book Antiqua" panose="02040602050305030304" pitchFamily="18" charset="0"/>
-              </a:rPr>
-              <a:t>k1</a:t>
-            </a:r>
-            <a:r>
-              <a:rPr lang="en-US" sz="2400" i="1" dirty="0" smtClean="0">
-                <a:latin typeface="Book Antiqua" panose="02040602050305030304" pitchFamily="18" charset="0"/>
-              </a:rPr>
-              <a:t>,w</a:t>
-            </a:r>
-            <a:r>
-              <a:rPr lang="en-US" sz="2400" i="1" baseline="-25000" dirty="0" smtClean="0">
-                <a:latin typeface="Book Antiqua" panose="02040602050305030304" pitchFamily="18" charset="0"/>
-              </a:rPr>
-              <a:t>k2</a:t>
-            </a:r>
-            <a:r>
-              <a:rPr lang="en-US" sz="2400" i="1" dirty="0" smtClean="0">
-                <a:latin typeface="Book Antiqua" panose="02040602050305030304" pitchFamily="18" charset="0"/>
-              </a:rPr>
-              <a:t>,….,</a:t>
-            </a:r>
-            <a:r>
-              <a:rPr lang="en-US" sz="2400" i="1" dirty="0" err="1" smtClean="0">
-                <a:latin typeface="Book Antiqua" panose="02040602050305030304" pitchFamily="18" charset="0"/>
-              </a:rPr>
-              <a:t>w</a:t>
-            </a:r>
-            <a:r>
-              <a:rPr lang="en-US" sz="2400" i="1" baseline="-25000" dirty="0" err="1" smtClean="0">
-                <a:latin typeface="Book Antiqua" panose="02040602050305030304" pitchFamily="18" charset="0"/>
-              </a:rPr>
-              <a:t>kn</a:t>
-            </a:r>
-            <a:r>
-              <a:rPr lang="en-US" sz="2400" i="1" dirty="0" smtClean="0">
-                <a:latin typeface="Book Antiqua" panose="02040602050305030304" pitchFamily="18" charset="0"/>
-              </a:rPr>
-              <a:t> are weights, </a:t>
-            </a:r>
-            <a:r>
-              <a:rPr lang="en-US" sz="2400" i="1" dirty="0" err="1" smtClean="0">
-                <a:latin typeface="Book Antiqua" panose="02040602050305030304" pitchFamily="18" charset="0"/>
-              </a:rPr>
-              <a:t>u</a:t>
-            </a:r>
-            <a:r>
-              <a:rPr lang="en-US" sz="2400" i="1" baseline="-25000" dirty="0" err="1" smtClean="0">
-                <a:latin typeface="Book Antiqua" panose="02040602050305030304" pitchFamily="18" charset="0"/>
-              </a:rPr>
-              <a:t>k</a:t>
-            </a:r>
-            <a:r>
-              <a:rPr lang="en-US" sz="2400" i="1" dirty="0" smtClean="0">
-                <a:latin typeface="Book Antiqua" panose="02040602050305030304" pitchFamily="18" charset="0"/>
-              </a:rPr>
-              <a:t> is </a:t>
-            </a:r>
-            <a:r>
               <a:rPr lang="en-US" sz="2400" i="1" dirty="0">
                 <a:latin typeface="Book Antiqua" panose="02040602050305030304" pitchFamily="18" charset="0"/>
               </a:rPr>
+              <a:t>Where, x</a:t>
+            </a:r>
+            <a:r>
+              <a:rPr lang="en-US" sz="2400" i="1" baseline="-25000" dirty="0">
+                <a:latin typeface="Book Antiqua" panose="02040602050305030304" pitchFamily="18" charset="0"/>
+              </a:rPr>
+              <a:t>1</a:t>
+            </a:r>
+            <a:r>
+              <a:rPr lang="en-US" sz="2400" i="1" dirty="0">
+                <a:latin typeface="Book Antiqua" panose="02040602050305030304" pitchFamily="18" charset="0"/>
+              </a:rPr>
+              <a:t>, x</a:t>
+            </a:r>
+            <a:r>
+              <a:rPr lang="en-US" sz="2400" i="1" baseline="-25000" dirty="0">
+                <a:latin typeface="Book Antiqua" panose="02040602050305030304" pitchFamily="18" charset="0"/>
+              </a:rPr>
+              <a:t>2</a:t>
+            </a:r>
+            <a:r>
+              <a:rPr lang="en-US" sz="2400" i="1" dirty="0">
+                <a:latin typeface="Book Antiqua" panose="02040602050305030304" pitchFamily="18" charset="0"/>
+              </a:rPr>
+              <a:t>,….,</a:t>
+            </a:r>
+            <a:r>
+              <a:rPr lang="en-US" sz="2400" i="1" dirty="0" err="1">
+                <a:latin typeface="Book Antiqua" panose="02040602050305030304" pitchFamily="18" charset="0"/>
+              </a:rPr>
+              <a:t>x</a:t>
+            </a:r>
+            <a:r>
+              <a:rPr lang="en-US" sz="2400" i="1" baseline="-25000" dirty="0" err="1">
+                <a:latin typeface="Book Antiqua" panose="02040602050305030304" pitchFamily="18" charset="0"/>
+              </a:rPr>
+              <a:t>n</a:t>
+            </a:r>
+            <a:r>
+              <a:rPr lang="en-US" sz="2400" i="1" dirty="0">
+                <a:latin typeface="Book Antiqua" panose="02040602050305030304" pitchFamily="18" charset="0"/>
+              </a:rPr>
+              <a:t> are input signals, w</a:t>
+            </a:r>
+            <a:r>
+              <a:rPr lang="en-US" sz="2400" i="1" baseline="-25000" dirty="0">
+                <a:latin typeface="Book Antiqua" panose="02040602050305030304" pitchFamily="18" charset="0"/>
+              </a:rPr>
+              <a:t>k1</a:t>
+            </a:r>
+            <a:r>
+              <a:rPr lang="en-US" sz="2400" i="1" dirty="0">
+                <a:latin typeface="Book Antiqua" panose="02040602050305030304" pitchFamily="18" charset="0"/>
+              </a:rPr>
+              <a:t>,w</a:t>
+            </a:r>
+            <a:r>
+              <a:rPr lang="en-US" sz="2400" i="1" baseline="-25000" dirty="0">
+                <a:latin typeface="Book Antiqua" panose="02040602050305030304" pitchFamily="18" charset="0"/>
+              </a:rPr>
+              <a:t>k2</a:t>
+            </a:r>
+            <a:r>
+              <a:rPr lang="en-US" sz="2400" i="1" dirty="0">
+                <a:latin typeface="Book Antiqua" panose="02040602050305030304" pitchFamily="18" charset="0"/>
+              </a:rPr>
+              <a:t>,….,</a:t>
+            </a:r>
+            <a:r>
+              <a:rPr lang="en-US" sz="2400" i="1" dirty="0" err="1">
+                <a:latin typeface="Book Antiqua" panose="02040602050305030304" pitchFamily="18" charset="0"/>
+              </a:rPr>
               <a:t>w</a:t>
             </a:r>
             <a:r>
-              <a:rPr lang="en-US" sz="2400" i="1" dirty="0" smtClean="0">
+              <a:rPr lang="en-US" sz="2400" i="1" baseline="-25000" dirty="0" err="1">
                 <a:latin typeface="Book Antiqua" panose="02040602050305030304" pitchFamily="18" charset="0"/>
               </a:rPr>
-              <a:t>eighted sum of inputs, </a:t>
-            </a:r>
-            <a:r>
-              <a:rPr lang="el-GR" sz="2400" i="1" dirty="0" smtClean="0">
+              <a:t>kn</a:t>
+            </a:r>
+            <a:r>
+              <a:rPr lang="en-US" sz="2400" i="1" dirty="0">
                 <a:latin typeface="Book Antiqua" panose="02040602050305030304" pitchFamily="18" charset="0"/>
               </a:rPr>
+              <a:t> are weights, </a:t>
+            </a:r>
+            <a:r>
+              <a:rPr lang="en-US" sz="2400" i="1" dirty="0" err="1">
+                <a:latin typeface="Book Antiqua" panose="02040602050305030304" pitchFamily="18" charset="0"/>
+              </a:rPr>
+              <a:t>u</a:t>
+            </a:r>
+            <a:r>
+              <a:rPr lang="en-US" sz="2400" i="1" baseline="-25000" dirty="0" err="1">
+                <a:latin typeface="Book Antiqua" panose="02040602050305030304" pitchFamily="18" charset="0"/>
+              </a:rPr>
+              <a:t>k</a:t>
+            </a:r>
+            <a:r>
+              <a:rPr lang="en-US" sz="2400" i="1" dirty="0">
+                <a:latin typeface="Book Antiqua" panose="02040602050305030304" pitchFamily="18" charset="0"/>
+              </a:rPr>
+              <a:t> is weighted sum of inputs, </a:t>
+            </a:r>
+            <a:r>
+              <a:rPr lang="el-GR" sz="2400" i="1" dirty="0">
+                <a:latin typeface="Book Antiqua" panose="02040602050305030304" pitchFamily="18" charset="0"/>
+              </a:rPr>
               <a:t>φ</a:t>
             </a:r>
             <a:r>
-              <a:rPr lang="en-US" sz="2400" i="1" dirty="0" smtClean="0">
+              <a:rPr lang="en-US" sz="2400" i="1" dirty="0">
                 <a:latin typeface="Book Antiqua" panose="02040602050305030304" pitchFamily="18" charset="0"/>
               </a:rPr>
               <a:t> is activation function, and </a:t>
             </a:r>
             <a:r>
-              <a:rPr lang="en-US" sz="2400" i="1" dirty="0" err="1" smtClean="0">
+              <a:rPr lang="en-US" sz="2400" i="1" dirty="0" err="1">
                 <a:latin typeface="Book Antiqua" panose="02040602050305030304" pitchFamily="18" charset="0"/>
               </a:rPr>
               <a:t>y</a:t>
             </a:r>
             <a:r>
-              <a:rPr lang="en-US" sz="2400" i="1" baseline="-25000" dirty="0" err="1" smtClean="0">
+              <a:rPr lang="en-US" sz="2400" i="1" baseline="-25000" dirty="0" err="1">
                 <a:latin typeface="Book Antiqua" panose="02040602050305030304" pitchFamily="18" charset="0"/>
               </a:rPr>
               <a:t>k</a:t>
             </a:r>
             <a:r>
-              <a:rPr lang="en-US" sz="2400" i="1" dirty="0" smtClean="0">
+              <a:rPr lang="en-US" sz="2400" i="1" dirty="0">
                 <a:latin typeface="Book Antiqua" panose="02040602050305030304" pitchFamily="18" charset="0"/>
               </a:rPr>
               <a:t> is output signal</a:t>
@@ -4514,12 +4345,12 @@
           <a:graphicData uri="http://schemas.openxmlformats.org/presentationml/2006/ole">
             <mc:AlternateContent xmlns:mc="http://schemas.openxmlformats.org/markup-compatibility/2006">
               <mc:Choice xmlns:v="urn:schemas-microsoft-com:vml" Requires="v">
-                <p:oleObj spid="_x0000_s165153" name="Equation" r:id="rId3" imgW="952200" imgH="444240" progId="Equation.3">
+                <p:oleObj name="Equation" r:id="rId2" imgW="952200" imgH="444240" progId="Equation.3">
                   <p:embed/>
                 </p:oleObj>
               </mc:Choice>
               <mc:Fallback>
-                <p:oleObj name="Equation" r:id="rId3" imgW="952200" imgH="444240" progId="Equation.3">
+                <p:oleObj name="Equation" r:id="rId2" imgW="952200" imgH="444240" progId="Equation.3">
                   <p:embed/>
                   <p:pic>
                     <p:nvPicPr>
@@ -4530,7 +4361,7 @@
                       <p:nvPr/>
                     </p:nvPicPr>
                     <p:blipFill>
-                      <a:blip r:embed="rId4">
+                      <a:blip r:embed="rId3">
                         <a:extLst>
                           <a:ext uri="{28A0092B-C50C-407E-A947-70E740481C1C}">
                             <a14:useLocalDpi xmlns:a14="http://schemas.microsoft.com/office/drawing/2010/main" val="0"/>
@@ -4590,12 +4421,12 @@
           <a:graphicData uri="http://schemas.openxmlformats.org/presentationml/2006/ole">
             <mc:AlternateContent xmlns:mc="http://schemas.openxmlformats.org/markup-compatibility/2006">
               <mc:Choice xmlns:v="urn:schemas-microsoft-com:vml" Requires="v">
-                <p:oleObj spid="_x0000_s165154" name="Equation" r:id="rId5" imgW="723600" imgH="228600" progId="Equation.3">
+                <p:oleObj name="Equation" r:id="rId4" imgW="723600" imgH="228600" progId="Equation.3">
                   <p:embed/>
                 </p:oleObj>
               </mc:Choice>
               <mc:Fallback>
-                <p:oleObj name="Equation" r:id="rId5" imgW="723600" imgH="228600" progId="Equation.3">
+                <p:oleObj name="Equation" r:id="rId4" imgW="723600" imgH="228600" progId="Equation.3">
                   <p:embed/>
                   <p:pic>
                     <p:nvPicPr>
@@ -4606,7 +4437,7 @@
                       <p:nvPr/>
                     </p:nvPicPr>
                     <p:blipFill>
-                      <a:blip r:embed="rId6">
+                      <a:blip r:embed="rId5">
                         <a:extLst>
                           <a:ext uri="{28A0092B-C50C-407E-A947-70E740481C1C}">
                             <a14:useLocalDpi xmlns:a14="http://schemas.microsoft.com/office/drawing/2010/main" val="0"/>
@@ -4666,12 +4497,12 @@
           <a:graphicData uri="http://schemas.openxmlformats.org/presentationml/2006/ole">
             <mc:AlternateContent xmlns:mc="http://schemas.openxmlformats.org/markup-compatibility/2006">
               <mc:Choice xmlns:v="urn:schemas-microsoft-com:vml" Requires="v">
-                <p:oleObj spid="_x0000_s165155" name="Equation" r:id="rId7" imgW="1434960" imgH="228600" progId="Equation.3">
+                <p:oleObj name="Equation" r:id="rId6" imgW="1434960" imgH="228600" progId="Equation.3">
                   <p:embed/>
                 </p:oleObj>
               </mc:Choice>
               <mc:Fallback>
-                <p:oleObj name="Equation" r:id="rId7" imgW="1434960" imgH="228600" progId="Equation.3">
+                <p:oleObj name="Equation" r:id="rId6" imgW="1434960" imgH="228600" progId="Equation.3">
                   <p:embed/>
                   <p:pic>
                     <p:nvPicPr>
@@ -4682,7 +4513,7 @@
                       <p:nvPr/>
                     </p:nvPicPr>
                     <p:blipFill>
-                      <a:blip r:embed="rId8">
+                      <a:blip r:embed="rId7">
                         <a:extLst>
                           <a:ext uri="{28A0092B-C50C-407E-A947-70E740481C1C}">
                             <a14:useLocalDpi xmlns:a14="http://schemas.microsoft.com/office/drawing/2010/main" val="0"/>
@@ -4760,10 +4591,9 @@
           <a:lstStyle/>
           <a:p>
             <a:r>
-              <a:rPr lang="en-US" smtClean="0"/>
+              <a:rPr lang="en-US"/>
               <a:t>Prepared By: Arjun Saud        Neural Network:M.Sc. CSIT I</a:t>
             </a:r>
-            <a:endParaRPr lang="en-US"/>
           </a:p>
         </p:txBody>
       </p:sp>
@@ -4778,13 +4608,6 @@
     <a:masterClrMapping/>
   </p:clrMapOvr>
   <p:transition/>
-  <p:timing>
-    <p:tnLst>
-      <p:par>
-        <p:cTn id="1" dur="indefinite" restart="never" nodeType="tmRoot"/>
-      </p:par>
-    </p:tnLst>
-  </p:timing>
 </p:sld>
 </file>
 
@@ -4823,14 +4646,11 @@
           <a:lstStyle/>
           <a:p>
             <a:r>
-              <a:rPr lang="en-US" b="1" dirty="0" smtClean="0">
+              <a:rPr lang="en-US" b="1" dirty="0">
                 <a:latin typeface="Book Antiqua" pitchFamily="18" charset="0"/>
               </a:rPr>
               <a:t>Models of Neuron</a:t>
             </a:r>
-            <a:endParaRPr lang="en-US" b="1" dirty="0">
-              <a:latin typeface="Book Antiqua" pitchFamily="18" charset="0"/>
-            </a:endParaRPr>
           </a:p>
         </p:txBody>
       </p:sp>
@@ -4863,13 +4683,7 @@
               <a:rPr lang="en-US" sz="2400" b="1" u="sng" dirty="0">
                 <a:latin typeface="Book Antiqua" pitchFamily="18" charset="0"/>
               </a:rPr>
-              <a:t>Deterministic </a:t>
-            </a:r>
-            <a:r>
-              <a:rPr lang="en-US" sz="2400" b="1" u="sng" dirty="0" smtClean="0">
-                <a:latin typeface="Book Antiqua" pitchFamily="18" charset="0"/>
-              </a:rPr>
-              <a:t>Model of Neuron</a:t>
+              <a:t>Deterministic Model of Neuron</a:t>
             </a:r>
           </a:p>
           <a:p>
@@ -4890,43 +4704,25 @@
               <a:rPr lang="en-US" sz="2400" dirty="0">
                 <a:latin typeface="Book Antiqua" panose="02040602050305030304" pitchFamily="18" charset="0"/>
               </a:rPr>
-              <a:t> has the effect of applying an affine transformation to the </a:t>
-            </a:r>
-            <a:r>
-              <a:rPr lang="en-US" sz="2400" dirty="0" smtClean="0">
+              <a:t> has the effect of applying an affine transformation to the output </a:t>
+            </a:r>
+            <a:r>
+              <a:rPr lang="en-US" sz="2400" dirty="0" err="1">
                 <a:latin typeface="Book Antiqua" panose="02040602050305030304" pitchFamily="18" charset="0"/>
               </a:rPr>
-              <a:t>output </a:t>
-            </a:r>
-            <a:r>
-              <a:rPr lang="en-US" sz="2400" dirty="0" err="1" smtClean="0">
+              <a:t>u</a:t>
+            </a:r>
+            <a:r>
+              <a:rPr lang="en-US" sz="2400" baseline="-25000" dirty="0" err="1">
                 <a:latin typeface="Book Antiqua" panose="02040602050305030304" pitchFamily="18" charset="0"/>
               </a:rPr>
-              <a:t>u</a:t>
-            </a:r>
-            <a:r>
-              <a:rPr lang="en-US" sz="2400" baseline="-25000" dirty="0" err="1" smtClean="0">
-                <a:latin typeface="Book Antiqua" panose="02040602050305030304" pitchFamily="18" charset="0"/>
-              </a:rPr>
               <a:t>k</a:t>
-            </a:r>
-            <a:r>
-              <a:rPr lang="en-US" sz="2400" dirty="0" smtClean="0">
-                <a:latin typeface="Book Antiqua" panose="02040602050305030304" pitchFamily="18" charset="0"/>
-              </a:rPr>
-              <a:t> </a:t>
             </a:r>
             <a:r>
               <a:rPr lang="en-US" sz="2400" dirty="0">
                 <a:latin typeface="Book Antiqua" panose="02040602050305030304" pitchFamily="18" charset="0"/>
               </a:rPr>
-              <a:t>of the linear combiner in the </a:t>
-            </a:r>
-            <a:r>
-              <a:rPr lang="en-US" sz="2400" dirty="0" smtClean="0">
-                <a:latin typeface="Book Antiqua" panose="02040602050305030304" pitchFamily="18" charset="0"/>
-              </a:rPr>
-              <a:t>neural model.</a:t>
+              <a:t> of the linear combiner in the neural model.</a:t>
             </a:r>
           </a:p>
           <a:p>
@@ -4935,143 +4731,86 @@
               <a:rPr lang="en-US" sz="2400" dirty="0">
                 <a:latin typeface="Book Antiqua" panose="02040602050305030304" pitchFamily="18" charset="0"/>
               </a:rPr>
-              <a:t>D</a:t>
-            </a:r>
-            <a:r>
-              <a:rPr lang="en-US" sz="2400" dirty="0" smtClean="0">
+              <a:t>Depending on whether the bias b</a:t>
+            </a:r>
+            <a:r>
+              <a:rPr lang="en-US" sz="2400" baseline="-25000" dirty="0">
                 <a:latin typeface="Book Antiqua" panose="02040602050305030304" pitchFamily="18" charset="0"/>
               </a:rPr>
-              <a:t>epending </a:t>
+              <a:t>k</a:t>
+            </a:r>
+            <a:r>
+              <a:rPr lang="en-US" sz="2400" i="1" dirty="0">
+                <a:latin typeface="Book Antiqua" panose="02040602050305030304" pitchFamily="18" charset="0"/>
+              </a:rPr>
+              <a:t> </a:t>
             </a:r>
             <a:r>
               <a:rPr lang="en-US" sz="2400" dirty="0">
                 <a:latin typeface="Book Antiqua" panose="02040602050305030304" pitchFamily="18" charset="0"/>
               </a:rPr>
-              <a:t>on whether the bias b</a:t>
-            </a:r>
-            <a:r>
-              <a:rPr lang="en-US" sz="2400" baseline="-25000" dirty="0">
+              <a:t>is positive or negative, the relationship between the </a:t>
+            </a:r>
+            <a:r>
+              <a:rPr lang="en-US" sz="2400" i="1" dirty="0">
                 <a:latin typeface="Book Antiqua" panose="02040602050305030304" pitchFamily="18" charset="0"/>
               </a:rPr>
-              <a:t>k</a:t>
-            </a:r>
-            <a:r>
-              <a:rPr lang="en-US" sz="2400" i="1" dirty="0" smtClean="0">
-                <a:latin typeface="Book Antiqua" panose="02040602050305030304" pitchFamily="18" charset="0"/>
-              </a:rPr>
-              <a:t> </a:t>
+              <a:t>activation potential</a:t>
             </a:r>
             <a:r>
               <a:rPr lang="en-US" sz="2400" dirty="0">
                 <a:latin typeface="Book Antiqua" panose="02040602050305030304" pitchFamily="18" charset="0"/>
               </a:rPr>
-              <a:t>is positive or negative, the </a:t>
-            </a:r>
-            <a:r>
-              <a:rPr lang="en-US" sz="2400" dirty="0" smtClean="0">
+              <a:t> (</a:t>
+            </a:r>
+            <a:r>
+              <a:rPr lang="en-US" sz="2400" dirty="0" err="1">
                 <a:latin typeface="Book Antiqua" panose="02040602050305030304" pitchFamily="18" charset="0"/>
               </a:rPr>
-              <a:t>relationship between </a:t>
+              <a:t>v</a:t>
+            </a:r>
+            <a:r>
+              <a:rPr lang="en-US" sz="2400" baseline="-25000" dirty="0" err="1">
+                <a:latin typeface="Book Antiqua" panose="02040602050305030304" pitchFamily="18" charset="0"/>
+              </a:rPr>
+              <a:t>k</a:t>
             </a:r>
             <a:r>
               <a:rPr lang="en-US" sz="2400" dirty="0">
                 <a:latin typeface="Book Antiqua" panose="02040602050305030304" pitchFamily="18" charset="0"/>
               </a:rPr>
-              <a:t>the </a:t>
-            </a:r>
-            <a:r>
-              <a:rPr lang="en-US" sz="2400" i="1" dirty="0" smtClean="0">
+              <a:t>)</a:t>
+            </a:r>
+            <a:r>
+              <a:rPr lang="en-US" sz="2400" i="1" dirty="0">
                 <a:latin typeface="Book Antiqua" panose="02040602050305030304" pitchFamily="18" charset="0"/>
               </a:rPr>
-              <a:t>activation potential</a:t>
+              <a:t> </a:t>
             </a:r>
             <a:r>
               <a:rPr lang="en-US" sz="2400" dirty="0">
                 <a:latin typeface="Book Antiqua" panose="02040602050305030304" pitchFamily="18" charset="0"/>
               </a:rPr>
-              <a:t> </a:t>
-            </a:r>
-            <a:r>
-              <a:rPr lang="en-US" sz="2400" dirty="0" smtClean="0">
+              <a:t>and the linear combiner output (</a:t>
+            </a:r>
+            <a:r>
+              <a:rPr lang="en-US" sz="2400" dirty="0" err="1">
                 <a:latin typeface="Book Antiqua" panose="02040602050305030304" pitchFamily="18" charset="0"/>
               </a:rPr>
-              <a:t>(</a:t>
-            </a:r>
-            <a:r>
-              <a:rPr lang="en-US" sz="2400" dirty="0" err="1" smtClean="0">
+              <a:t>u</a:t>
+            </a:r>
+            <a:r>
+              <a:rPr lang="en-US" sz="2400" baseline="-25000" dirty="0" err="1">
                 <a:latin typeface="Book Antiqua" panose="02040602050305030304" pitchFamily="18" charset="0"/>
               </a:rPr>
-              <a:t>v</a:t>
-            </a:r>
-            <a:r>
-              <a:rPr lang="en-US" sz="2400" baseline="-25000" dirty="0" err="1" smtClean="0">
-                <a:latin typeface="Book Antiqua" panose="02040602050305030304" pitchFamily="18" charset="0"/>
-              </a:rPr>
               <a:t>k</a:t>
-            </a:r>
-            <a:r>
-              <a:rPr lang="en-US" sz="2400" dirty="0" smtClean="0">
-                <a:latin typeface="Book Antiqua" panose="02040602050305030304" pitchFamily="18" charset="0"/>
-              </a:rPr>
-              <a:t>)</a:t>
-            </a:r>
-            <a:r>
-              <a:rPr lang="en-US" sz="2400" i="1" dirty="0" smtClean="0">
-                <a:latin typeface="Book Antiqua" panose="02040602050305030304" pitchFamily="18" charset="0"/>
-              </a:rPr>
-              <a:t> </a:t>
-            </a:r>
-            <a:r>
-              <a:rPr lang="en-US" sz="2400" dirty="0" smtClean="0">
-                <a:latin typeface="Book Antiqua" panose="02040602050305030304" pitchFamily="18" charset="0"/>
-              </a:rPr>
-              <a:t>and </a:t>
             </a:r>
             <a:r>
               <a:rPr lang="en-US" sz="2400" dirty="0">
                 <a:latin typeface="Book Antiqua" panose="02040602050305030304" pitchFamily="18" charset="0"/>
               </a:rPr>
-              <a:t>the </a:t>
-            </a:r>
-            <a:r>
-              <a:rPr lang="en-US" sz="2400" dirty="0" smtClean="0">
-                <a:latin typeface="Book Antiqua" panose="02040602050305030304" pitchFamily="18" charset="0"/>
-              </a:rPr>
-              <a:t>linear combiner </a:t>
-            </a:r>
-            <a:r>
-              <a:rPr lang="en-US" sz="2400" dirty="0">
-                <a:latin typeface="Book Antiqua" panose="02040602050305030304" pitchFamily="18" charset="0"/>
-              </a:rPr>
-              <a:t>output </a:t>
-            </a:r>
-            <a:r>
-              <a:rPr lang="en-US" sz="2400" dirty="0" smtClean="0">
-                <a:latin typeface="Book Antiqua" panose="02040602050305030304" pitchFamily="18" charset="0"/>
-              </a:rPr>
-              <a:t>(</a:t>
-            </a:r>
-            <a:r>
-              <a:rPr lang="en-US" sz="2400" dirty="0" err="1" smtClean="0">
-                <a:latin typeface="Book Antiqua" panose="02040602050305030304" pitchFamily="18" charset="0"/>
-              </a:rPr>
-              <a:t>u</a:t>
-            </a:r>
-            <a:r>
-              <a:rPr lang="en-US" sz="2400" baseline="-25000" dirty="0" err="1" smtClean="0">
-                <a:latin typeface="Book Antiqua" panose="02040602050305030304" pitchFamily="18" charset="0"/>
-              </a:rPr>
-              <a:t>k</a:t>
-            </a:r>
-            <a:r>
-              <a:rPr lang="en-US" sz="2400" dirty="0" smtClean="0">
-                <a:latin typeface="Book Antiqua" panose="02040602050305030304" pitchFamily="18" charset="0"/>
-              </a:rPr>
               <a:t>) is modified as below.</a:t>
             </a:r>
-            <a:endParaRPr lang="en-US" sz="2400" dirty="0">
-              <a:latin typeface="Book Antiqua" pitchFamily="18" charset="0"/>
-            </a:endParaRPr>
           </a:p>
         </p:txBody>
       </p:sp>
@@ -5145,10 +4884,9 @@
           <a:lstStyle/>
           <a:p>
             <a:r>
-              <a:rPr lang="en-US" smtClean="0"/>
+              <a:rPr lang="en-US"/>
               <a:t>Prepared By: Arjun Saud        Neural Network:M.Sc. CSIT I</a:t>
             </a:r>
-            <a:endParaRPr lang="en-US"/>
           </a:p>
         </p:txBody>
       </p:sp>
@@ -5163,13 +4901,6 @@
     <a:masterClrMapping/>
   </p:clrMapOvr>
   <p:transition/>
-  <p:timing>
-    <p:tnLst>
-      <p:par>
-        <p:cTn id="1" dur="indefinite" restart="never" nodeType="tmRoot"/>
-      </p:par>
-    </p:tnLst>
-  </p:timing>
 </p:sld>
 </file>
 
@@ -5208,14 +4939,11 @@
           <a:lstStyle/>
           <a:p>
             <a:r>
-              <a:rPr lang="en-US" b="1" dirty="0" smtClean="0">
+              <a:rPr lang="en-US" b="1" dirty="0">
                 <a:latin typeface="Book Antiqua" pitchFamily="18" charset="0"/>
               </a:rPr>
               <a:t>Models of Neuron</a:t>
             </a:r>
-            <a:endParaRPr lang="en-US" b="1" dirty="0">
-              <a:latin typeface="Book Antiqua" pitchFamily="18" charset="0"/>
-            </a:endParaRPr>
           </a:p>
         </p:txBody>
       </p:sp>
@@ -5248,13 +4976,7 @@
               <a:rPr lang="en-US" sz="2400" b="1" u="sng" dirty="0">
                 <a:latin typeface="Book Antiqua" pitchFamily="18" charset="0"/>
               </a:rPr>
-              <a:t>Deterministic </a:t>
-            </a:r>
-            <a:r>
-              <a:rPr lang="en-US" sz="2400" b="1" u="sng" dirty="0" smtClean="0">
-                <a:latin typeface="Book Antiqua" pitchFamily="18" charset="0"/>
-              </a:rPr>
-              <a:t>Model of Neuron</a:t>
+              <a:t>Deterministic Model of Neuron</a:t>
             </a:r>
           </a:p>
         </p:txBody>
@@ -5377,19 +5099,19 @@
           <a:lstStyle/>
           <a:p>
             <a:r>
-              <a:rPr lang="en-US" sz="1400" dirty="0" smtClean="0">
+              <a:rPr lang="en-US" sz="1400" dirty="0">
                 <a:latin typeface="Book Antiqua" panose="02040602050305030304" pitchFamily="18" charset="0"/>
               </a:rPr>
               <a:t>Activation Potential </a:t>
             </a:r>
             <a:r>
-              <a:rPr lang="en-US" sz="1400" dirty="0" err="1" smtClean="0">
+              <a:rPr lang="en-US" sz="1400" dirty="0" err="1">
                 <a:latin typeface="Book Antiqua" panose="02040602050305030304" pitchFamily="18" charset="0"/>
               </a:rPr>
               <a:t>V</a:t>
             </a:r>
             <a:r>
-              <a:rPr lang="en-US" sz="1400" baseline="-25000" dirty="0" err="1" smtClean="0">
+              <a:rPr lang="en-US" sz="1400" baseline="-25000" dirty="0" err="1">
                 <a:latin typeface="Book Antiqua" panose="02040602050305030304" pitchFamily="18" charset="0"/>
               </a:rPr>
               <a:t>k</a:t>
@@ -5440,10 +5162,9 @@
           <a:lstStyle/>
           <a:p>
             <a:r>
-              <a:rPr lang="en-US" smtClean="0"/>
+              <a:rPr lang="en-US"/>
               <a:t>Prepared By: Arjun Saud        Neural Network:M.Sc. CSIT I</a:t>
             </a:r>
-            <a:endParaRPr lang="en-US"/>
           </a:p>
         </p:txBody>
       </p:sp>
@@ -5458,13 +5179,6 @@
     <a:masterClrMapping/>
   </p:clrMapOvr>
   <p:transition/>
-  <p:timing>
-    <p:tnLst>
-      <p:par>
-        <p:cTn id="1" dur="indefinite" restart="never" nodeType="tmRoot"/>
-      </p:par>
-    </p:tnLst>
-  </p:timing>
 </p:sld>
 </file>
 
@@ -5503,14 +5217,11 @@
           <a:lstStyle/>
           <a:p>
             <a:r>
-              <a:rPr lang="en-US" b="1" dirty="0" smtClean="0">
+              <a:rPr lang="en-US" b="1" dirty="0">
                 <a:latin typeface="Book Antiqua" pitchFamily="18" charset="0"/>
               </a:rPr>
               <a:t>Models of Neuron</a:t>
             </a:r>
-            <a:endParaRPr lang="en-US" b="1" dirty="0">
-              <a:latin typeface="Book Antiqua" pitchFamily="18" charset="0"/>
-            </a:endParaRPr>
           </a:p>
         </p:txBody>
       </p:sp>
@@ -5540,13 +5251,13 @@
               <a:buNone/>
             </a:pPr>
             <a:r>
-              <a:rPr lang="en-US" sz="2400" b="1" u="sng" dirty="0" smtClean="0">
+              <a:rPr lang="en-US" sz="2400" b="1" u="sng" dirty="0">
                 <a:latin typeface="Book Antiqua" pitchFamily="18" charset="0"/>
               </a:rPr>
               <a:t>Example: </a:t>
             </a:r>
             <a:r>
-              <a:rPr lang="en-US" sz="2000" i="1" dirty="0" smtClean="0">
+              <a:rPr lang="en-US" sz="2000" i="1" dirty="0">
                 <a:latin typeface="Book Antiqua" pitchFamily="18" charset="0"/>
               </a:rPr>
               <a:t>Consider following neuron and compute its output by assume activation function F(x)=1 if x&gt;5 and F(x)=0, otherwise</a:t>
@@ -5556,7 +5267,7 @@
             <a:pPr marL="0" indent="0" algn="just">
               <a:buNone/>
             </a:pPr>
-            <a:endParaRPr lang="en-US" sz="2400" dirty="0" smtClean="0">
+            <a:endParaRPr lang="en-US" sz="2400" dirty="0">
               <a:latin typeface="Book Antiqua" pitchFamily="18" charset="0"/>
             </a:endParaRPr>
           </a:p>
@@ -6613,78 +6324,78 @@
               </a:lnSpc>
             </a:pPr>
             <a:r>
-              <a:rPr lang="en-US" sz="2400" dirty="0" smtClean="0">
+              <a:rPr lang="en-US" sz="2400" dirty="0">
                 <a:latin typeface="Book Antiqua" panose="02040602050305030304" pitchFamily="18" charset="0"/>
               </a:rPr>
               <a:t>u=x</a:t>
             </a:r>
             <a:r>
-              <a:rPr lang="en-US" sz="2400" baseline="-25000" dirty="0" smtClean="0">
+              <a:rPr lang="en-US" sz="2400" baseline="-25000" dirty="0">
                 <a:latin typeface="Book Antiqua" panose="02040602050305030304" pitchFamily="18" charset="0"/>
               </a:rPr>
               <a:t>1</a:t>
             </a:r>
             <a:r>
-              <a:rPr lang="en-US" sz="2400" dirty="0" smtClean="0">
+              <a:rPr lang="en-US" sz="2400" dirty="0">
                 <a:latin typeface="Book Antiqua" panose="02040602050305030304" pitchFamily="18" charset="0"/>
               </a:rPr>
               <a:t>*w</a:t>
             </a:r>
             <a:r>
-              <a:rPr lang="en-US" sz="2400" baseline="-25000" dirty="0" smtClean="0">
+              <a:rPr lang="en-US" sz="2400" baseline="-25000" dirty="0">
                 <a:latin typeface="Book Antiqua" panose="02040602050305030304" pitchFamily="18" charset="0"/>
               </a:rPr>
               <a:t>1</a:t>
             </a:r>
             <a:r>
-              <a:rPr lang="en-US" sz="2400" dirty="0" smtClean="0">
+              <a:rPr lang="en-US" sz="2400" dirty="0">
                 <a:latin typeface="Book Antiqua" panose="02040602050305030304" pitchFamily="18" charset="0"/>
               </a:rPr>
               <a:t>+x</a:t>
             </a:r>
             <a:r>
-              <a:rPr lang="en-US" sz="2400" baseline="-25000" dirty="0" smtClean="0">
+              <a:rPr lang="en-US" sz="2400" baseline="-25000" dirty="0">
                 <a:latin typeface="Book Antiqua" panose="02040602050305030304" pitchFamily="18" charset="0"/>
               </a:rPr>
               <a:t>2</a:t>
             </a:r>
             <a:r>
-              <a:rPr lang="en-US" sz="2400" dirty="0" smtClean="0">
+              <a:rPr lang="en-US" sz="2400" dirty="0">
                 <a:latin typeface="Book Antiqua" panose="02040602050305030304" pitchFamily="18" charset="0"/>
               </a:rPr>
               <a:t>*w</a:t>
             </a:r>
             <a:r>
-              <a:rPr lang="en-US" sz="2400" baseline="-25000" dirty="0" smtClean="0">
+              <a:rPr lang="en-US" sz="2400" baseline="-25000" dirty="0">
                 <a:latin typeface="Book Antiqua" panose="02040602050305030304" pitchFamily="18" charset="0"/>
               </a:rPr>
               <a:t>2</a:t>
             </a:r>
             <a:r>
-              <a:rPr lang="en-US" sz="2400" dirty="0" smtClean="0">
+              <a:rPr lang="en-US" sz="2400" dirty="0">
                 <a:latin typeface="Book Antiqua" panose="02040602050305030304" pitchFamily="18" charset="0"/>
               </a:rPr>
               <a:t>+x</a:t>
             </a:r>
             <a:r>
-              <a:rPr lang="en-US" sz="2400" baseline="-25000" dirty="0" smtClean="0">
+              <a:rPr lang="en-US" sz="2400" baseline="-25000" dirty="0">
                 <a:latin typeface="Book Antiqua" panose="02040602050305030304" pitchFamily="18" charset="0"/>
               </a:rPr>
               <a:t>3</a:t>
             </a:r>
             <a:r>
-              <a:rPr lang="en-US" sz="2400" dirty="0" smtClean="0">
+              <a:rPr lang="en-US" sz="2400" dirty="0">
                 <a:latin typeface="Book Antiqua" panose="02040602050305030304" pitchFamily="18" charset="0"/>
               </a:rPr>
               <a:t>*w</a:t>
             </a:r>
             <a:r>
-              <a:rPr lang="en-US" sz="2400" baseline="-25000" dirty="0" smtClean="0">
+              <a:rPr lang="en-US" sz="2400" baseline="-25000" dirty="0">
                 <a:latin typeface="Book Antiqua" panose="02040602050305030304" pitchFamily="18" charset="0"/>
               </a:rPr>
               <a:t>3</a:t>
             </a:r>
-            <a:endParaRPr lang="en-US" sz="2400" dirty="0" smtClean="0">
+            <a:endParaRPr lang="en-US" sz="2400" dirty="0">
               <a:latin typeface="Book Antiqua" panose="02040602050305030304" pitchFamily="18" charset="0"/>
             </a:endParaRPr>
           </a:p>
@@ -6698,13 +6409,7 @@
               <a:rPr lang="en-US" sz="2400" dirty="0">
                 <a:latin typeface="Book Antiqua" panose="02040602050305030304" pitchFamily="18" charset="0"/>
               </a:rPr>
-              <a:t> </a:t>
-            </a:r>
-            <a:r>
-              <a:rPr lang="en-US" sz="2400" dirty="0" smtClean="0">
-                <a:latin typeface="Book Antiqua" panose="02040602050305030304" pitchFamily="18" charset="0"/>
-              </a:rPr>
-              <a:t>  =2*1.5+1*2+2*0.5=6</a:t>
+              <a:t>   =2*1.5+1*2+2*0.5=6</a:t>
             </a:r>
           </a:p>
           <a:p>
@@ -6714,19 +6419,19 @@
               </a:lnSpc>
             </a:pPr>
             <a:r>
-              <a:rPr lang="en-US" sz="2400" dirty="0" smtClean="0">
+              <a:rPr lang="en-US" sz="2400" dirty="0">
                 <a:latin typeface="Book Antiqua" panose="02040602050305030304" pitchFamily="18" charset="0"/>
               </a:rPr>
               <a:t>v=</a:t>
             </a:r>
             <a:r>
-              <a:rPr lang="en-US" sz="2400" dirty="0" err="1" smtClean="0">
+              <a:rPr lang="en-US" sz="2400" dirty="0" err="1">
                 <a:latin typeface="Book Antiqua" panose="02040602050305030304" pitchFamily="18" charset="0"/>
               </a:rPr>
               <a:t>u+b</a:t>
             </a:r>
             <a:r>
-              <a:rPr lang="en-US" sz="2400" dirty="0" smtClean="0">
+              <a:rPr lang="en-US" sz="2400" dirty="0">
                 <a:latin typeface="Book Antiqua" panose="02040602050305030304" pitchFamily="18" charset="0"/>
               </a:rPr>
               <a:t>=6+1=7</a:t>
@@ -6739,7 +6444,7 @@
               </a:lnSpc>
             </a:pPr>
             <a:r>
-              <a:rPr lang="en-US" sz="2400" dirty="0" smtClean="0">
+              <a:rPr lang="en-US" sz="2400" dirty="0">
                 <a:latin typeface="Book Antiqua" panose="02040602050305030304" pitchFamily="18" charset="0"/>
               </a:rPr>
               <a:t>Now,</a:t>
@@ -6752,14 +6457,11 @@
               </a:lnSpc>
             </a:pPr>
             <a:r>
-              <a:rPr lang="en-US" sz="2400" dirty="0" smtClean="0">
+              <a:rPr lang="en-US" sz="2400" dirty="0">
                 <a:latin typeface="Book Antiqua" panose="02040602050305030304" pitchFamily="18" charset="0"/>
               </a:rPr>
               <a:t>y=f(v)=1</a:t>
             </a:r>
-            <a:endParaRPr lang="en-US" sz="2400" dirty="0">
-              <a:latin typeface="Book Antiqua" panose="02040602050305030304" pitchFamily="18" charset="0"/>
-            </a:endParaRPr>
           </a:p>
           <a:p>
             <a:endParaRPr lang="en-US" dirty="0">
@@ -6808,10 +6510,9 @@
           <a:lstStyle/>
           <a:p>
             <a:r>
-              <a:rPr lang="en-US" smtClean="0"/>
+              <a:rPr lang="en-US"/>
               <a:t>Prepared By: Arjun Saud        Neural Network:M.Sc. CSIT I</a:t>
             </a:r>
-            <a:endParaRPr lang="en-US"/>
           </a:p>
         </p:txBody>
       </p:sp>
@@ -6826,13 +6527,6 @@
     <a:masterClrMapping/>
   </p:clrMapOvr>
   <p:transition/>
-  <p:timing>
-    <p:tnLst>
-      <p:par>
-        <p:cTn id="1" dur="indefinite" restart="never" nodeType="tmRoot"/>
-      </p:par>
-    </p:tnLst>
-  </p:timing>
 </p:sld>
 </file>
 
@@ -6871,14 +6565,11 @@
           <a:lstStyle/>
           <a:p>
             <a:r>
-              <a:rPr lang="en-US" b="1" dirty="0" smtClean="0">
+              <a:rPr lang="en-US" b="1" dirty="0">
                 <a:latin typeface="Book Antiqua" pitchFamily="18" charset="0"/>
               </a:rPr>
               <a:t>Models of Neuron</a:t>
             </a:r>
-            <a:endParaRPr lang="en-US" b="1" dirty="0">
-              <a:latin typeface="Book Antiqua" pitchFamily="18" charset="0"/>
-            </a:endParaRPr>
           </a:p>
         </p:txBody>
       </p:sp>
@@ -6911,13 +6602,7 @@
               <a:rPr lang="en-US" sz="2400" b="1" u="sng" dirty="0">
                 <a:latin typeface="Book Antiqua" pitchFamily="18" charset="0"/>
               </a:rPr>
-              <a:t>Deterministic </a:t>
-            </a:r>
-            <a:r>
-              <a:rPr lang="en-US" sz="2400" b="1" u="sng" dirty="0" smtClean="0">
-                <a:latin typeface="Book Antiqua" pitchFamily="18" charset="0"/>
-              </a:rPr>
-              <a:t>Model of Neuron</a:t>
+              <a:t>Deterministic Model of Neuron</a:t>
             </a:r>
           </a:p>
           <a:p>
@@ -6926,35 +6611,8 @@
               <a:rPr lang="en-US" sz="2400" dirty="0">
                 <a:latin typeface="Book Antiqua" panose="02040602050305030304" pitchFamily="18" charset="0"/>
               </a:rPr>
-              <a:t>We </a:t>
-            </a:r>
-            <a:r>
-              <a:rPr lang="en-US" sz="2400" dirty="0" smtClean="0">
-                <a:latin typeface="Book Antiqua" panose="02040602050305030304" pitchFamily="18" charset="0"/>
-              </a:rPr>
-              <a:t>can reformulate </a:t>
-            </a:r>
-            <a:r>
-              <a:rPr lang="en-US" sz="2400" dirty="0">
-                <a:latin typeface="Book Antiqua" panose="02040602050305030304" pitchFamily="18" charset="0"/>
-              </a:rPr>
-              <a:t>the model of neuron </a:t>
-            </a:r>
-            <a:r>
-              <a:rPr lang="en-US" sz="2400" dirty="0" smtClean="0">
-                <a:latin typeface="Book Antiqua" panose="02040602050305030304" pitchFamily="18" charset="0"/>
-              </a:rPr>
-              <a:t>by </a:t>
-            </a:r>
-            <a:r>
-              <a:rPr lang="en-US" sz="2400" dirty="0">
-                <a:latin typeface="Book Antiqua" panose="02040602050305030304" pitchFamily="18" charset="0"/>
-              </a:rPr>
-              <a:t>doing two things: </a:t>
-            </a:r>
-            <a:endParaRPr lang="en-US" sz="2400" dirty="0" smtClean="0">
-              <a:latin typeface="Book Antiqua" panose="02040602050305030304" pitchFamily="18" charset="0"/>
-            </a:endParaRPr>
+              <a:t>We can reformulate the model of neuron by doing two things: </a:t>
+            </a:r>
           </a:p>
           <a:p>
             <a:pPr marL="857250" lvl="1" indent="-457200" algn="just">
@@ -6962,34 +6620,10 @@
               <a:buAutoNum type="arabicPeriod"/>
             </a:pPr>
             <a:r>
-              <a:rPr lang="en-US" sz="2200" dirty="0" smtClean="0">
-                <a:latin typeface="Book Antiqua" panose="02040602050305030304" pitchFamily="18" charset="0"/>
-              </a:rPr>
-              <a:t>Adding </a:t>
-            </a:r>
-            <a:r>
               <a:rPr lang="en-US" sz="2200" dirty="0">
                 <a:latin typeface="Book Antiqua" panose="02040602050305030304" pitchFamily="18" charset="0"/>
               </a:rPr>
-              <a:t>a new input </a:t>
-            </a:r>
-            <a:r>
-              <a:rPr lang="en-US" sz="2200" dirty="0" smtClean="0">
-                <a:latin typeface="Book Antiqua" panose="02040602050305030304" pitchFamily="18" charset="0"/>
-              </a:rPr>
-              <a:t>signal fixed </a:t>
-            </a:r>
-            <a:r>
-              <a:rPr lang="en-US" sz="2200" dirty="0">
-                <a:latin typeface="Book Antiqua" panose="02040602050305030304" pitchFamily="18" charset="0"/>
-              </a:rPr>
-              <a:t>at 1, and </a:t>
-            </a:r>
-            <a:r>
-              <a:rPr lang="en-US" sz="2200" dirty="0" smtClean="0">
-                <a:latin typeface="Book Antiqua" panose="02040602050305030304" pitchFamily="18" charset="0"/>
-              </a:rPr>
-              <a:t> </a:t>
+              <a:t>Adding a new input signal fixed at 1, and  </a:t>
             </a:r>
           </a:p>
           <a:p>
@@ -6998,16 +6632,10 @@
               <a:buAutoNum type="arabicPeriod"/>
             </a:pPr>
             <a:r>
-              <a:rPr lang="en-US" sz="2200" dirty="0" smtClean="0">
-                <a:latin typeface="Book Antiqua" panose="02040602050305030304" pitchFamily="18" charset="0"/>
-              </a:rPr>
-              <a:t>Adding </a:t>
-            </a:r>
-            <a:r>
               <a:rPr lang="en-US" sz="2200" dirty="0">
                 <a:latin typeface="Book Antiqua" panose="02040602050305030304" pitchFamily="18" charset="0"/>
               </a:rPr>
-              <a:t>a new synaptic weight equal to the bias </a:t>
+              <a:t>Adding a new synaptic weight equal to the bias </a:t>
             </a:r>
             <a:r>
               <a:rPr lang="en-US" sz="2200" i="1" dirty="0">
@@ -7015,27 +6643,15 @@
               </a:rPr>
               <a:t>bk. </a:t>
             </a:r>
-            <a:endParaRPr lang="en-US" sz="2200" i="1" dirty="0" smtClean="0">
-              <a:latin typeface="Book Antiqua" panose="02040602050305030304" pitchFamily="18" charset="0"/>
-            </a:endParaRPr>
           </a:p>
           <a:p>
             <a:pPr algn="just"/>
-            <a:r>
-              <a:rPr lang="en-US" sz="2400" dirty="0" smtClean="0">
-                <a:latin typeface="Book Antiqua" panose="02040602050305030304" pitchFamily="18" charset="0"/>
-              </a:rPr>
-              <a:t>Although the two models are </a:t>
-            </a:r>
             <a:r>
               <a:rPr lang="en-US" sz="2400" dirty="0">
                 <a:latin typeface="Book Antiqua" panose="02040602050305030304" pitchFamily="18" charset="0"/>
               </a:rPr>
-              <a:t>different in appearance, they are mathematically equivalent.</a:t>
-            </a:r>
-            <a:endParaRPr lang="en-US" sz="2400" dirty="0" smtClean="0">
-              <a:latin typeface="Book Antiqua" pitchFamily="18" charset="0"/>
-            </a:endParaRPr>
+              <a:t>Although the two models are different in appearance, they are mathematically equivalent.</a:t>
+            </a:r>
           </a:p>
         </p:txBody>
       </p:sp>
@@ -7109,10 +6725,9 @@
           <a:lstStyle/>
           <a:p>
             <a:r>
-              <a:rPr lang="en-US" smtClean="0"/>
+              <a:rPr lang="en-US"/>
               <a:t>Prepared By: Arjun Saud        Neural Network:M.Sc. CSIT I</a:t>
             </a:r>
-            <a:endParaRPr lang="en-US"/>
           </a:p>
         </p:txBody>
       </p:sp>
@@ -7127,13 +6742,6 @@
     <a:masterClrMapping/>
   </p:clrMapOvr>
   <p:transition/>
-  <p:timing>
-    <p:tnLst>
-      <p:par>
-        <p:cTn id="1" dur="indefinite" restart="never" nodeType="tmRoot"/>
-      </p:par>
-    </p:tnLst>
-  </p:timing>
 </p:sld>
 </file>
 
@@ -7172,14 +6780,11 @@
           <a:lstStyle/>
           <a:p>
             <a:r>
-              <a:rPr lang="en-US" b="1" dirty="0" smtClean="0">
+              <a:rPr lang="en-US" b="1" dirty="0">
                 <a:latin typeface="Book Antiqua" pitchFamily="18" charset="0"/>
               </a:rPr>
               <a:t>Models of Neuron</a:t>
             </a:r>
-            <a:endParaRPr lang="en-US" b="1" dirty="0">
-              <a:latin typeface="Book Antiqua" pitchFamily="18" charset="0"/>
-            </a:endParaRPr>
           </a:p>
         </p:txBody>
       </p:sp>
@@ -7195,7 +6800,7 @@
         </p:nvSpPr>
         <p:spPr>
           <a:xfrm>
-            <a:off x="228600" y="1600200"/>
+            <a:off x="3748" y="1830387"/>
             <a:ext cx="8763000" cy="4525963"/>
           </a:xfrm>
         </p:spPr>
@@ -7212,13 +6817,7 @@
               <a:rPr lang="en-US" sz="2400" b="1" u="sng" dirty="0">
                 <a:latin typeface="Book Antiqua" pitchFamily="18" charset="0"/>
               </a:rPr>
-              <a:t>Deterministic </a:t>
-            </a:r>
-            <a:r>
-              <a:rPr lang="en-US" sz="2400" b="1" u="sng" dirty="0" smtClean="0">
-                <a:latin typeface="Book Antiqua" pitchFamily="18" charset="0"/>
-              </a:rPr>
-              <a:t>Model of Neuron</a:t>
+              <a:t>Deterministic Model of Neuron</a:t>
             </a:r>
           </a:p>
         </p:txBody>
@@ -7317,10 +6916,9 @@
           <a:lstStyle/>
           <a:p>
             <a:r>
-              <a:rPr lang="en-US" smtClean="0"/>
+              <a:rPr lang="en-US"/>
               <a:t>Prepared By: Arjun Saud        Neural Network:M.Sc. CSIT I</a:t>
             </a:r>
-            <a:endParaRPr lang="en-US"/>
           </a:p>
         </p:txBody>
       </p:sp>
@@ -7335,13 +6933,6 @@
     <a:masterClrMapping/>
   </p:clrMapOvr>
   <p:transition/>
-  <p:timing>
-    <p:tnLst>
-      <p:par>
-        <p:cTn id="1" dur="indefinite" restart="never" nodeType="tmRoot"/>
-      </p:par>
-    </p:tnLst>
-  </p:timing>
 </p:sld>
 </file>
 
@@ -7380,14 +6971,11 @@
           <a:lstStyle/>
           <a:p>
             <a:r>
-              <a:rPr lang="en-US" b="1" dirty="0" smtClean="0">
+              <a:rPr lang="en-US" b="1" dirty="0">
                 <a:latin typeface="Book Antiqua" pitchFamily="18" charset="0"/>
               </a:rPr>
               <a:t>Models of Neuron Contd…</a:t>
             </a:r>
-            <a:endParaRPr lang="en-US" b="1" dirty="0">
-              <a:latin typeface="Book Antiqua" pitchFamily="18" charset="0"/>
-            </a:endParaRPr>
           </a:p>
         </p:txBody>
       </p:sp>
@@ -7417,7 +7005,7 @@
               <a:buNone/>
             </a:pPr>
             <a:r>
-              <a:rPr lang="en-US" sz="2400" b="1" u="sng" dirty="0" smtClean="0">
+              <a:rPr lang="en-US" sz="2400" b="1" u="sng" dirty="0">
                 <a:latin typeface="Book Antiqua" pitchFamily="18" charset="0"/>
               </a:rPr>
               <a:t>Stochastic Model of Neuron</a:t>
@@ -7429,167 +7017,77 @@
               <a:rPr lang="en-US" sz="2400" dirty="0">
                 <a:latin typeface="Book Antiqua" panose="02040602050305030304" pitchFamily="18" charset="0"/>
               </a:rPr>
-              <a:t>The </a:t>
-            </a:r>
-            <a:r>
-              <a:rPr lang="en-US" sz="2400" dirty="0" smtClean="0">
-                <a:latin typeface="Book Antiqua" panose="02040602050305030304" pitchFamily="18" charset="0"/>
-              </a:rPr>
-              <a:t>deterministic neural </a:t>
-            </a:r>
+              <a:t>The deterministic neural model defines input–output behavior precisely for all inputs. However, stochastic model of neuron makes input-output behavior non-deterministic. </a:t>
+            </a:r>
+          </a:p>
+          <a:p>
+            <a:pPr algn="just"/>
             <a:r>
               <a:rPr lang="en-US" sz="2400" dirty="0">
                 <a:latin typeface="Book Antiqua" panose="02040602050305030304" pitchFamily="18" charset="0"/>
               </a:rPr>
-              <a:t>model </a:t>
-            </a:r>
-            <a:r>
-              <a:rPr lang="en-US" sz="2400" dirty="0" smtClean="0">
-                <a:latin typeface="Book Antiqua" panose="02040602050305030304" pitchFamily="18" charset="0"/>
-              </a:rPr>
-              <a:t>defines input–output behavior precisely for </a:t>
-            </a:r>
+              <a:t>Stochastic neural model achieves this by giving probabilistic interpretation to the activation function used in deterministic neural model.</a:t>
+            </a:r>
+          </a:p>
+          <a:p>
+            <a:pPr algn="just"/>
             <a:r>
               <a:rPr lang="en-US" sz="2400" dirty="0">
                 <a:latin typeface="Book Antiqua" panose="02040602050305030304" pitchFamily="18" charset="0"/>
               </a:rPr>
-              <a:t>all inputs</a:t>
-            </a:r>
-            <a:r>
-              <a:rPr lang="en-US" sz="2400" dirty="0" smtClean="0">
+              <a:t>Specifically, a neuron is permitted to reside in only one of two states:+1 (ON) or -1 (OFF). The decision for a neuron to </a:t>
+            </a:r>
+            <a:r>
+              <a:rPr lang="en-US" sz="2400" i="1" dirty="0">
                 <a:latin typeface="Book Antiqua" panose="02040602050305030304" pitchFamily="18" charset="0"/>
               </a:rPr>
-              <a:t>. However, stochastic model of neuron makes input-output behavior non-deterministic. </a:t>
-            </a:r>
-            <a:endParaRPr lang="en-US" sz="2400" dirty="0">
-              <a:latin typeface="Book Antiqua" panose="02040602050305030304" pitchFamily="18" charset="0"/>
-            </a:endParaRPr>
-          </a:p>
-          <a:p>
-            <a:pPr algn="just"/>
-            <a:r>
-              <a:rPr lang="en-US" sz="2400" dirty="0" smtClean="0">
-                <a:latin typeface="Book Antiqua" panose="02040602050305030304" pitchFamily="18" charset="0"/>
-              </a:rPr>
-              <a:t>Stochastic neural model achieves this by giving probabilistic interpretation to the activation function used in deterministic neural model.</a:t>
-            </a:r>
-          </a:p>
-          <a:p>
-            <a:pPr algn="just"/>
+              <a:t>fire </a:t>
+            </a:r>
             <a:r>
               <a:rPr lang="en-US" sz="2400" dirty="0">
                 <a:latin typeface="Book Antiqua" panose="02040602050305030304" pitchFamily="18" charset="0"/>
               </a:rPr>
-              <a:t>Specifically, a neuron is permitted to reside in only one of two states</a:t>
-            </a:r>
-            <a:r>
-              <a:rPr lang="en-US" sz="2400" dirty="0" smtClean="0">
+              <a:t>is probabilistic. Let </a:t>
+            </a:r>
+            <a:r>
+              <a:rPr lang="en-US" sz="2400" i="1" dirty="0">
                 <a:latin typeface="Book Antiqua" panose="02040602050305030304" pitchFamily="18" charset="0"/>
               </a:rPr>
-              <a:t>:+1 (ON) or -1 (OFF). The </a:t>
+              <a:t>x </a:t>
             </a:r>
             <a:r>
               <a:rPr lang="en-US" sz="2400" dirty="0">
                 <a:latin typeface="Book Antiqua" panose="02040602050305030304" pitchFamily="18" charset="0"/>
               </a:rPr>
-              <a:t>decision for a neuron to </a:t>
+              <a:t>denote the state of the neuron and </a:t>
             </a:r>
             <a:r>
               <a:rPr lang="en-US" sz="2400" i="1" dirty="0">
                 <a:latin typeface="Book Antiqua" panose="02040602050305030304" pitchFamily="18" charset="0"/>
               </a:rPr>
-              <a:t>fire </a:t>
-            </a:r>
-            <a:r>
-              <a:rPr lang="en-US" sz="2400" dirty="0" smtClean="0">
-                <a:latin typeface="Book Antiqua" panose="02040602050305030304" pitchFamily="18" charset="0"/>
-              </a:rPr>
-              <a:t>is</a:t>
+              <a:t>P</a:t>
             </a:r>
             <a:r>
               <a:rPr lang="en-US" sz="2400" dirty="0">
                 <a:latin typeface="Book Antiqua" panose="02040602050305030304" pitchFamily="18" charset="0"/>
               </a:rPr>
-              <a:t> </a:t>
-            </a:r>
-            <a:r>
-              <a:rPr lang="en-US" sz="2400" dirty="0" smtClean="0">
+              <a:t>(v) denote the </a:t>
+            </a:r>
+            <a:r>
+              <a:rPr lang="en-US" sz="2400" i="1" dirty="0">
                 <a:latin typeface="Book Antiqua" panose="02040602050305030304" pitchFamily="18" charset="0"/>
               </a:rPr>
-              <a:t>probabilistic</a:t>
+              <a:t>probability </a:t>
             </a:r>
             <a:r>
               <a:rPr lang="en-US" sz="2400" dirty="0">
                 <a:latin typeface="Book Antiqua" panose="02040602050305030304" pitchFamily="18" charset="0"/>
               </a:rPr>
-              <a:t>. Let </a:t>
-            </a:r>
-            <a:r>
-              <a:rPr lang="en-US" sz="2400" i="1" dirty="0" smtClean="0">
-                <a:latin typeface="Book Antiqua" panose="02040602050305030304" pitchFamily="18" charset="0"/>
-              </a:rPr>
-              <a:t>x </a:t>
-            </a:r>
-            <a:r>
-              <a:rPr lang="en-US" sz="2400" dirty="0">
-                <a:latin typeface="Book Antiqua" panose="02040602050305030304" pitchFamily="18" charset="0"/>
-              </a:rPr>
-              <a:t>denote the state of the neuron and </a:t>
-            </a:r>
-            <a:r>
-              <a:rPr lang="en-US" sz="2400" i="1" dirty="0" smtClean="0">
-                <a:latin typeface="Book Antiqua" panose="02040602050305030304" pitchFamily="18" charset="0"/>
-              </a:rPr>
-              <a:t>P</a:t>
-            </a:r>
-            <a:r>
-              <a:rPr lang="en-US" sz="2400" dirty="0" smtClean="0">
-                <a:latin typeface="Book Antiqua" panose="02040602050305030304" pitchFamily="18" charset="0"/>
-              </a:rPr>
-              <a:t>(v) </a:t>
-            </a:r>
-            <a:r>
-              <a:rPr lang="en-US" sz="2400" dirty="0">
-                <a:latin typeface="Book Antiqua" panose="02040602050305030304" pitchFamily="18" charset="0"/>
-              </a:rPr>
-              <a:t>denote the </a:t>
-            </a:r>
-            <a:r>
-              <a:rPr lang="en-US" sz="2400" i="1" dirty="0">
-                <a:latin typeface="Book Antiqua" panose="02040602050305030304" pitchFamily="18" charset="0"/>
-              </a:rPr>
-              <a:t>probability </a:t>
-            </a:r>
-            <a:r>
-              <a:rPr lang="en-US" sz="2400" dirty="0" smtClean="0">
-                <a:latin typeface="Book Antiqua" panose="02040602050305030304" pitchFamily="18" charset="0"/>
-              </a:rPr>
-              <a:t>of firing</a:t>
-            </a:r>
-            <a:r>
-              <a:rPr lang="en-US" sz="2400" dirty="0">
-                <a:latin typeface="Book Antiqua" panose="02040602050305030304" pitchFamily="18" charset="0"/>
-              </a:rPr>
-              <a:t>, where v is the </a:t>
-            </a:r>
-            <a:r>
-              <a:rPr lang="en-US" sz="2400" dirty="0" smtClean="0">
-                <a:latin typeface="Book Antiqua" panose="02040602050305030304" pitchFamily="18" charset="0"/>
-              </a:rPr>
-              <a:t>activation potential of </a:t>
-            </a:r>
-            <a:r>
-              <a:rPr lang="en-US" sz="2400" dirty="0">
-                <a:latin typeface="Book Antiqua" panose="02040602050305030304" pitchFamily="18" charset="0"/>
-              </a:rPr>
-              <a:t>the neuron.</a:t>
-            </a:r>
-            <a:endParaRPr lang="en-US" sz="2400" dirty="0" smtClean="0">
-              <a:latin typeface="Book Antiqua" panose="02040602050305030304" pitchFamily="18" charset="0"/>
-            </a:endParaRPr>
-          </a:p>
-          <a:p>
-            <a:endParaRPr lang="en-US" sz="2400" b="1" u="sng" dirty="0" smtClean="0">
+              <a:t>of firing, where v is the activation potential of the neuron.</a:t>
+            </a:r>
+          </a:p>
+          <a:p>
+            <a:endParaRPr lang="en-US" sz="2400" b="1" u="sng" dirty="0">
               <a:latin typeface="Book Antiqua" pitchFamily="18" charset="0"/>
             </a:endParaRPr>
           </a:p>
@@ -7665,10 +7163,9 @@
           <a:lstStyle/>
           <a:p>
             <a:r>
-              <a:rPr lang="en-US" smtClean="0"/>
+              <a:rPr lang="en-US"/>
               <a:t>Prepared By: Arjun Saud        Neural Network:M.Sc. CSIT I</a:t>
             </a:r>
-            <a:endParaRPr lang="en-US"/>
           </a:p>
         </p:txBody>
       </p:sp>
@@ -7683,13 +7180,6 @@
     <a:masterClrMapping/>
   </p:clrMapOvr>
   <p:transition/>
-  <p:timing>
-    <p:tnLst>
-      <p:par>
-        <p:cTn id="1" dur="indefinite" restart="never" nodeType="tmRoot"/>
-      </p:par>
-    </p:tnLst>
-  </p:timing>
 </p:sld>
 </file>
 
@@ -7728,14 +7218,11 @@
           <a:lstStyle/>
           <a:p>
             <a:r>
-              <a:rPr lang="en-US" b="1" dirty="0" smtClean="0">
+              <a:rPr lang="en-US" b="1" dirty="0">
                 <a:latin typeface="Book Antiqua" pitchFamily="18" charset="0"/>
               </a:rPr>
               <a:t>Models of Neuron Contd…</a:t>
             </a:r>
-            <a:endParaRPr lang="en-US" b="1" dirty="0">
-              <a:latin typeface="Book Antiqua" pitchFamily="18" charset="0"/>
-            </a:endParaRPr>
           </a:p>
         </p:txBody>
       </p:sp>
@@ -7765,19 +7252,11 @@
               <a:buNone/>
             </a:pPr>
             <a:r>
-              <a:rPr lang="en-US" sz="2400" b="1" u="sng" dirty="0" smtClean="0">
+              <a:rPr lang="en-US" sz="2400" b="1" u="sng" dirty="0">
                 <a:latin typeface="Book Antiqua" pitchFamily="18" charset="0"/>
               </a:rPr>
               <a:t>Stochastic Model of Neuron</a:t>
             </a:r>
-          </a:p>
-          <a:p>
-            <a:pPr marL="0" indent="0" algn="just">
-              <a:buNone/>
-            </a:pPr>
-            <a:endParaRPr lang="en-US" sz="2400" dirty="0" smtClean="0">
-              <a:latin typeface="Book Antiqua" pitchFamily="18" charset="0"/>
-            </a:endParaRPr>
           </a:p>
           <a:p>
             <a:pPr marL="0" indent="0" algn="just">
@@ -7791,7 +7270,7 @@
             <a:pPr marL="0" indent="0" algn="just">
               <a:buNone/>
             </a:pPr>
-            <a:endParaRPr lang="en-US" sz="2400" dirty="0" smtClean="0">
+            <a:endParaRPr lang="en-US" sz="2400" dirty="0">
               <a:latin typeface="Book Antiqua" pitchFamily="18" charset="0"/>
             </a:endParaRPr>
           </a:p>
@@ -7807,7 +7286,7 @@
             <a:pPr marL="0" indent="0" algn="just">
               <a:buNone/>
             </a:pPr>
-            <a:endParaRPr lang="en-US" sz="2400" dirty="0" smtClean="0">
+            <a:endParaRPr lang="en-US" sz="2400" dirty="0">
               <a:latin typeface="Book Antiqua" pitchFamily="18" charset="0"/>
             </a:endParaRPr>
           </a:p>
@@ -7815,25 +7294,33 @@
             <a:pPr marL="0" indent="0" algn="just">
               <a:buNone/>
             </a:pPr>
-            <a:endParaRPr lang="en-US" sz="2400" dirty="0" smtClean="0">
+            <a:endParaRPr lang="en-US" sz="2400" dirty="0">
               <a:latin typeface="Book Antiqua" pitchFamily="18" charset="0"/>
             </a:endParaRPr>
-          </a:p>
-          <a:p>
-            <a:pPr algn="just"/>
-            <a:r>
-              <a:rPr lang="en-US" sz="2400" dirty="0" smtClean="0">
-                <a:latin typeface="Book Antiqua" pitchFamily="18" charset="0"/>
-              </a:rPr>
-              <a:t>This adds uncertainty to firing of neuron and hence makes the input-output behavior stochastic. Rest of things in stochastic model of neuron is similar to the deterministic model.</a:t>
-            </a:r>
           </a:p>
           <a:p>
             <a:pPr marL="0" indent="0" algn="just">
               <a:buNone/>
             </a:pPr>
-            <a:r>
-              <a:rPr lang="en-US" sz="2400" dirty="0" smtClean="0">
+            <a:endParaRPr lang="en-US" sz="2400" dirty="0">
+              <a:latin typeface="Book Antiqua" pitchFamily="18" charset="0"/>
+            </a:endParaRPr>
+          </a:p>
+          <a:p>
+            <a:pPr algn="just"/>
+            <a:r>
+              <a:rPr lang="en-US" sz="2400" dirty="0">
+                <a:latin typeface="Book Antiqua" pitchFamily="18" charset="0"/>
+              </a:rPr>
+              <a:t>This adds uncertainty to firing of neuron and hence makes the input-output behavior stochastic. Rest of things in stochastic model of neuron is similar to the deterministic model.</a:t>
+            </a:r>
+          </a:p>
+          <a:p>
+            <a:pPr marL="0" indent="0" algn="just">
+              <a:buNone/>
+            </a:pPr>
+            <a:r>
+              <a:rPr lang="en-US" sz="2400" dirty="0">
                 <a:latin typeface="Book Antiqua" pitchFamily="18" charset="0"/>
               </a:rPr>
               <a:t> </a:t>
@@ -7893,12 +7380,12 @@
           <a:graphicData uri="http://schemas.openxmlformats.org/presentationml/2006/ole">
             <mc:AlternateContent xmlns:mc="http://schemas.openxmlformats.org/markup-compatibility/2006">
               <mc:Choice xmlns:v="urn:schemas-microsoft-com:vml" Requires="v">
-                <p:oleObj spid="_x0000_s175252" name="Equation" r:id="rId3" imgW="2057400" imgH="457200" progId="Equation.3">
+                <p:oleObj name="Equation" r:id="rId2" imgW="2057400" imgH="457200" progId="Equation.3">
                   <p:embed/>
                 </p:oleObj>
               </mc:Choice>
               <mc:Fallback>
-                <p:oleObj name="Equation" r:id="rId3" imgW="2057400" imgH="457200" progId="Equation.3">
+                <p:oleObj name="Equation" r:id="rId2" imgW="2057400" imgH="457200" progId="Equation.3">
                   <p:embed/>
                   <p:pic>
                     <p:nvPicPr>
@@ -7909,7 +7396,7 @@
                       <p:nvPr/>
                     </p:nvPicPr>
                     <p:blipFill>
-                      <a:blip r:embed="rId4">
+                      <a:blip r:embed="rId3">
                         <a:extLst>
                           <a:ext uri="{28A0092B-C50C-407E-A947-70E740481C1C}">
                             <a14:useLocalDpi xmlns:a14="http://schemas.microsoft.com/office/drawing/2010/main" val="0"/>
@@ -7969,12 +7456,12 @@
           <a:graphicData uri="http://schemas.openxmlformats.org/presentationml/2006/ole">
             <mc:AlternateContent xmlns:mc="http://schemas.openxmlformats.org/markup-compatibility/2006">
               <mc:Choice xmlns:v="urn:schemas-microsoft-com:vml" Requires="v">
-                <p:oleObj spid="_x0000_s175253" name="Equation" r:id="rId5" imgW="3593880" imgH="634680" progId="Equation.3">
+                <p:oleObj name="Equation" r:id="rId4" imgW="3593880" imgH="634680" progId="Equation.3">
                   <p:embed/>
                 </p:oleObj>
               </mc:Choice>
               <mc:Fallback>
-                <p:oleObj name="Equation" r:id="rId5" imgW="3593880" imgH="634680" progId="Equation.3">
+                <p:oleObj name="Equation" r:id="rId4" imgW="3593880" imgH="634680" progId="Equation.3">
                   <p:embed/>
                   <p:pic>
                     <p:nvPicPr>
@@ -7985,7 +7472,7 @@
                       <p:nvPr/>
                     </p:nvPicPr>
                     <p:blipFill>
-                      <a:blip r:embed="rId6">
+                      <a:blip r:embed="rId5">
                         <a:extLst>
                           <a:ext uri="{28A0092B-C50C-407E-A947-70E740481C1C}">
                             <a14:useLocalDpi xmlns:a14="http://schemas.microsoft.com/office/drawing/2010/main" val="0"/>
@@ -8063,10 +7550,9 @@
           <a:lstStyle/>
           <a:p>
             <a:r>
-              <a:rPr lang="en-US" smtClean="0"/>
+              <a:rPr lang="en-US"/>
               <a:t>Prepared By: Arjun Saud        Neural Network:M.Sc. CSIT I</a:t>
             </a:r>
-            <a:endParaRPr lang="en-US"/>
           </a:p>
         </p:txBody>
       </p:sp>
@@ -8081,13 +7567,6 @@
     <a:masterClrMapping/>
   </p:clrMapOvr>
   <p:transition/>
-  <p:timing>
-    <p:tnLst>
-      <p:par>
-        <p:cTn id="1" dur="indefinite" restart="never" nodeType="tmRoot"/>
-      </p:par>
-    </p:tnLst>
-  </p:timing>
 </p:sld>
 </file>
 
@@ -8126,14 +7605,11 @@
           <a:lstStyle/>
           <a:p>
             <a:r>
-              <a:rPr lang="en-US" b="1" dirty="0" smtClean="0">
+              <a:rPr lang="en-US" b="1" dirty="0">
                 <a:latin typeface="Book Antiqua" pitchFamily="18" charset="0"/>
               </a:rPr>
               <a:t>Models of Neuron Contd..</a:t>
             </a:r>
-            <a:endParaRPr lang="en-US" b="1" dirty="0">
-              <a:latin typeface="Book Antiqua" pitchFamily="18" charset="0"/>
-            </a:endParaRPr>
           </a:p>
         </p:txBody>
       </p:sp>
@@ -8163,13 +7639,13 @@
               <a:buNone/>
             </a:pPr>
             <a:r>
-              <a:rPr lang="en-US" sz="2400" b="1" u="sng" dirty="0" smtClean="0">
+              <a:rPr lang="en-US" sz="2400" b="1" u="sng" dirty="0">
                 <a:latin typeface="Book Antiqua" pitchFamily="18" charset="0"/>
               </a:rPr>
               <a:t>Example: </a:t>
             </a:r>
             <a:r>
-              <a:rPr lang="en-US" sz="2000" i="1" dirty="0" smtClean="0">
+              <a:rPr lang="en-US" sz="2000" i="1" dirty="0">
                 <a:latin typeface="Book Antiqua" pitchFamily="18" charset="0"/>
               </a:rPr>
               <a:t>Consider following stochastic neuron and compute its probability of firing by assuming T=5</a:t>
@@ -8179,7 +7655,7 @@
             <a:pPr marL="0" indent="0" algn="just">
               <a:buNone/>
             </a:pPr>
-            <a:endParaRPr lang="en-US" sz="2400" dirty="0" smtClean="0">
+            <a:endParaRPr lang="en-US" sz="2400" dirty="0">
               <a:latin typeface="Book Antiqua" pitchFamily="18" charset="0"/>
             </a:endParaRPr>
           </a:p>
@@ -9236,78 +8712,78 @@
               </a:lnSpc>
             </a:pPr>
             <a:r>
-              <a:rPr lang="en-US" sz="2400" dirty="0" smtClean="0">
+              <a:rPr lang="en-US" sz="2400" dirty="0">
                 <a:latin typeface="Book Antiqua" panose="02040602050305030304" pitchFamily="18" charset="0"/>
               </a:rPr>
               <a:t>u=x</a:t>
             </a:r>
             <a:r>
-              <a:rPr lang="en-US" sz="2400" baseline="-25000" dirty="0" smtClean="0">
+              <a:rPr lang="en-US" sz="2400" baseline="-25000" dirty="0">
                 <a:latin typeface="Book Antiqua" panose="02040602050305030304" pitchFamily="18" charset="0"/>
               </a:rPr>
               <a:t>1</a:t>
             </a:r>
             <a:r>
-              <a:rPr lang="en-US" sz="2400" dirty="0" smtClean="0">
+              <a:rPr lang="en-US" sz="2400" dirty="0">
                 <a:latin typeface="Book Antiqua" panose="02040602050305030304" pitchFamily="18" charset="0"/>
               </a:rPr>
               <a:t>*w</a:t>
             </a:r>
             <a:r>
-              <a:rPr lang="en-US" sz="2400" baseline="-25000" dirty="0" smtClean="0">
+              <a:rPr lang="en-US" sz="2400" baseline="-25000" dirty="0">
                 <a:latin typeface="Book Antiqua" panose="02040602050305030304" pitchFamily="18" charset="0"/>
               </a:rPr>
               <a:t>1</a:t>
             </a:r>
             <a:r>
-              <a:rPr lang="en-US" sz="2400" dirty="0" smtClean="0">
+              <a:rPr lang="en-US" sz="2400" dirty="0">
                 <a:latin typeface="Book Antiqua" panose="02040602050305030304" pitchFamily="18" charset="0"/>
               </a:rPr>
               <a:t>+x</a:t>
             </a:r>
             <a:r>
-              <a:rPr lang="en-US" sz="2400" baseline="-25000" dirty="0" smtClean="0">
+              <a:rPr lang="en-US" sz="2400" baseline="-25000" dirty="0">
                 <a:latin typeface="Book Antiqua" panose="02040602050305030304" pitchFamily="18" charset="0"/>
               </a:rPr>
               <a:t>2</a:t>
             </a:r>
             <a:r>
-              <a:rPr lang="en-US" sz="2400" dirty="0" smtClean="0">
+              <a:rPr lang="en-US" sz="2400" dirty="0">
                 <a:latin typeface="Book Antiqua" panose="02040602050305030304" pitchFamily="18" charset="0"/>
               </a:rPr>
               <a:t>*w</a:t>
             </a:r>
             <a:r>
-              <a:rPr lang="en-US" sz="2400" baseline="-25000" dirty="0" smtClean="0">
+              <a:rPr lang="en-US" sz="2400" baseline="-25000" dirty="0">
                 <a:latin typeface="Book Antiqua" panose="02040602050305030304" pitchFamily="18" charset="0"/>
               </a:rPr>
               <a:t>2</a:t>
             </a:r>
             <a:r>
-              <a:rPr lang="en-US" sz="2400" dirty="0" smtClean="0">
+              <a:rPr lang="en-US" sz="2400" dirty="0">
                 <a:latin typeface="Book Antiqua" panose="02040602050305030304" pitchFamily="18" charset="0"/>
               </a:rPr>
               <a:t>+x</a:t>
             </a:r>
             <a:r>
-              <a:rPr lang="en-US" sz="2400" baseline="-25000" dirty="0" smtClean="0">
+              <a:rPr lang="en-US" sz="2400" baseline="-25000" dirty="0">
                 <a:latin typeface="Book Antiqua" panose="02040602050305030304" pitchFamily="18" charset="0"/>
               </a:rPr>
               <a:t>3</a:t>
             </a:r>
             <a:r>
-              <a:rPr lang="en-US" sz="2400" dirty="0" smtClean="0">
+              <a:rPr lang="en-US" sz="2400" dirty="0">
                 <a:latin typeface="Book Antiqua" panose="02040602050305030304" pitchFamily="18" charset="0"/>
               </a:rPr>
               <a:t>*w</a:t>
             </a:r>
             <a:r>
-              <a:rPr lang="en-US" sz="2400" baseline="-25000" dirty="0" smtClean="0">
+              <a:rPr lang="en-US" sz="2400" baseline="-25000" dirty="0">
                 <a:latin typeface="Book Antiqua" panose="02040602050305030304" pitchFamily="18" charset="0"/>
               </a:rPr>
               <a:t>3</a:t>
             </a:r>
-            <a:endParaRPr lang="en-US" sz="2400" dirty="0" smtClean="0">
+            <a:endParaRPr lang="en-US" sz="2400" dirty="0">
               <a:latin typeface="Book Antiqua" panose="02040602050305030304" pitchFamily="18" charset="0"/>
             </a:endParaRPr>
           </a:p>
@@ -9321,13 +8797,7 @@
               <a:rPr lang="en-US" sz="2400" dirty="0">
                 <a:latin typeface="Book Antiqua" panose="02040602050305030304" pitchFamily="18" charset="0"/>
               </a:rPr>
-              <a:t> </a:t>
-            </a:r>
-            <a:r>
-              <a:rPr lang="en-US" sz="2400" dirty="0" smtClean="0">
-                <a:latin typeface="Book Antiqua" panose="02040602050305030304" pitchFamily="18" charset="0"/>
-              </a:rPr>
-              <a:t>  =2*1.5+1*2+2*0.5=6</a:t>
+              <a:t>   =2*1.5+1*2+2*0.5=6</a:t>
             </a:r>
           </a:p>
           <a:p>
@@ -9337,19 +8807,19 @@
               </a:lnSpc>
             </a:pPr>
             <a:r>
-              <a:rPr lang="en-US" sz="2400" dirty="0" smtClean="0">
+              <a:rPr lang="en-US" sz="2400" dirty="0">
                 <a:latin typeface="Book Antiqua" panose="02040602050305030304" pitchFamily="18" charset="0"/>
               </a:rPr>
               <a:t>v=</a:t>
             </a:r>
             <a:r>
-              <a:rPr lang="en-US" sz="2400" dirty="0" err="1" smtClean="0">
+              <a:rPr lang="en-US" sz="2400" dirty="0" err="1">
                 <a:latin typeface="Book Antiqua" panose="02040602050305030304" pitchFamily="18" charset="0"/>
               </a:rPr>
               <a:t>u+b</a:t>
             </a:r>
             <a:r>
-              <a:rPr lang="en-US" sz="2400" dirty="0" smtClean="0">
+              <a:rPr lang="en-US" sz="2400" dirty="0">
                 <a:latin typeface="Book Antiqua" panose="02040602050305030304" pitchFamily="18" charset="0"/>
               </a:rPr>
               <a:t>=6+1=7</a:t>
@@ -9362,7 +8832,7 @@
               </a:lnSpc>
             </a:pPr>
             <a:r>
-              <a:rPr lang="en-US" sz="2400" dirty="0" smtClean="0">
+              <a:rPr lang="en-US" sz="2400" dirty="0">
                 <a:latin typeface="Book Antiqua" panose="02040602050305030304" pitchFamily="18" charset="0"/>
               </a:rPr>
               <a:t>Now,</a:t>
@@ -9375,19 +8845,19 @@
               </a:lnSpc>
             </a:pPr>
             <a:r>
-              <a:rPr lang="en-US" sz="2400" dirty="0" smtClean="0">
+              <a:rPr lang="en-US" sz="2400" dirty="0">
                 <a:latin typeface="Book Antiqua" panose="02040602050305030304" pitchFamily="18" charset="0"/>
               </a:rPr>
               <a:t>P(v)=1/(1+e</a:t>
             </a:r>
             <a:r>
-              <a:rPr lang="en-US" sz="2400" baseline="30000" dirty="0" smtClean="0">
+              <a:rPr lang="en-US" sz="2400" baseline="30000" dirty="0">
                 <a:latin typeface="Book Antiqua" panose="02040602050305030304" pitchFamily="18" charset="0"/>
               </a:rPr>
               <a:t>-v/T</a:t>
             </a:r>
             <a:r>
-              <a:rPr lang="en-US" sz="2400" dirty="0" smtClean="0">
+              <a:rPr lang="en-US" sz="2400" dirty="0">
                 <a:latin typeface="Book Antiqua" panose="02040602050305030304" pitchFamily="18" charset="0"/>
               </a:rPr>
               <a:t>)</a:t>
@@ -9403,34 +8873,16 @@
               <a:rPr lang="en-US" sz="2400" dirty="0">
                 <a:latin typeface="Book Antiqua" panose="02040602050305030304" pitchFamily="18" charset="0"/>
               </a:rPr>
-              <a:t> </a:t>
-            </a:r>
-            <a:r>
-              <a:rPr lang="en-US" sz="2400" dirty="0" smtClean="0">
+              <a:t>       =1/(1+e</a:t>
+            </a:r>
+            <a:r>
+              <a:rPr lang="en-US" sz="2400" baseline="30000" dirty="0">
                 <a:latin typeface="Book Antiqua" panose="02040602050305030304" pitchFamily="18" charset="0"/>
               </a:rPr>
-              <a:t>      =1/</a:t>
+              <a:t>-7/5</a:t>
             </a:r>
             <a:r>
               <a:rPr lang="en-US" sz="2400" dirty="0">
-                <a:latin typeface="Book Antiqua" panose="02040602050305030304" pitchFamily="18" charset="0"/>
-              </a:rPr>
-              <a:t>(</a:t>
-            </a:r>
-            <a:r>
-              <a:rPr lang="en-US" sz="2400" dirty="0" smtClean="0">
-                <a:latin typeface="Book Antiqua" panose="02040602050305030304" pitchFamily="18" charset="0"/>
-              </a:rPr>
-              <a:t>1+e</a:t>
-            </a:r>
-            <a:r>
-              <a:rPr lang="en-US" sz="2400" baseline="30000" dirty="0" smtClean="0">
-                <a:latin typeface="Book Antiqua" panose="02040602050305030304" pitchFamily="18" charset="0"/>
-              </a:rPr>
-              <a:t>-7/5</a:t>
-            </a:r>
-            <a:r>
-              <a:rPr lang="en-US" sz="2400" dirty="0" smtClean="0">
                 <a:latin typeface="Book Antiqua" panose="02040602050305030304" pitchFamily="18" charset="0"/>
               </a:rPr>
               <a:t>)=0.802</a:t>
@@ -9443,14 +8895,11 @@
               </a:lnSpc>
             </a:pPr>
             <a:r>
-              <a:rPr lang="en-US" sz="2400" dirty="0" smtClean="0">
+              <a:rPr lang="en-US" sz="2400" dirty="0">
                 <a:latin typeface="Book Antiqua" panose="02040602050305030304" pitchFamily="18" charset="0"/>
               </a:rPr>
               <a:t>Thus, the probability of firing the neuron is 0.802</a:t>
             </a:r>
-            <a:endParaRPr lang="en-US" sz="2400" dirty="0">
-              <a:latin typeface="Book Antiqua" panose="02040602050305030304" pitchFamily="18" charset="0"/>
-            </a:endParaRPr>
           </a:p>
           <a:p>
             <a:endParaRPr lang="en-US" dirty="0">
@@ -9499,10 +8948,9 @@
           <a:lstStyle/>
           <a:p>
             <a:r>
-              <a:rPr lang="en-US" smtClean="0"/>
+              <a:rPr lang="en-US"/>
               <a:t>Prepared By: Arjun Saud        Neural Network:M.Sc. CSIT I</a:t>
             </a:r>
-            <a:endParaRPr lang="en-US"/>
           </a:p>
         </p:txBody>
       </p:sp>
@@ -9517,13 +8965,6 @@
     <a:masterClrMapping/>
   </p:clrMapOvr>
   <p:transition/>
-  <p:timing>
-    <p:tnLst>
-      <p:par>
-        <p:cTn id="1" dur="indefinite" restart="never" nodeType="tmRoot"/>
-      </p:par>
-    </p:tnLst>
-  </p:timing>
 </p:sld>
 </file>
 
@@ -9560,14 +9001,11 @@
           <a:lstStyle/>
           <a:p>
             <a:r>
-              <a:rPr lang="en-US" b="1" dirty="0" smtClean="0">
+              <a:rPr lang="en-US" b="1" dirty="0">
                 <a:latin typeface="Book Antiqua" pitchFamily="18" charset="0"/>
               </a:rPr>
               <a:t>What is ANN?</a:t>
             </a:r>
-            <a:endParaRPr lang="en-US" b="1" dirty="0">
-              <a:latin typeface="Book Antiqua" pitchFamily="18" charset="0"/>
-            </a:endParaRPr>
           </a:p>
         </p:txBody>
       </p:sp>
@@ -9595,35 +9033,20 @@
           <a:p>
             <a:pPr algn="just"/>
             <a:r>
-              <a:rPr lang="en-US" sz="2400" dirty="0" smtClean="0">
-                <a:latin typeface="Book Antiqua" pitchFamily="18" charset="0"/>
-              </a:rPr>
-              <a:t>Artificial Neural Network (ANN) is commonly referred as Neural Network (NN). It is the computational paradigm that is motivated from the way the computation is performed by human brain or nervous system.</a:t>
-            </a:r>
-          </a:p>
-          <a:p>
-            <a:pPr algn="just"/>
-            <a:r>
-              <a:rPr lang="en-US" sz="2400" dirty="0" smtClean="0">
-                <a:latin typeface="Book Antiqua" pitchFamily="18" charset="0"/>
-              </a:rPr>
-              <a:t>Brain is a highly complex, non-linear, and parallel computation system</a:t>
-            </a:r>
-            <a:r>
               <a:rPr lang="en-US" sz="2400" dirty="0">
                 <a:latin typeface="Book Antiqua" pitchFamily="18" charset="0"/>
               </a:rPr>
-              <a:t> </a:t>
-            </a:r>
-            <a:r>
-              <a:rPr lang="en-US" sz="2400" dirty="0" smtClean="0">
+              <a:t>Artificial Neural Network (ANN) is commonly referred as Neural Network (NN). It is the computational paradigm that is motivated from the way the computation is performed by human brain or nervous system.</a:t>
+            </a:r>
+          </a:p>
+          <a:p>
+            <a:pPr algn="just"/>
+            <a:r>
+              <a:rPr lang="en-US" sz="2400" dirty="0">
                 <a:latin typeface="Book Antiqua" pitchFamily="18" charset="0"/>
               </a:rPr>
-              <a:t>that can perform computations like perception, pattern recognition, motor control etc. Neuron or nerve cell is the basic structural unit of brain.</a:t>
-            </a:r>
-            <a:endParaRPr lang="en-US" sz="2400" dirty="0">
-              <a:latin typeface="Book Antiqua" pitchFamily="18" charset="0"/>
-            </a:endParaRPr>
+              <a:t>Brain is a highly complex, non-linear, and parallel computation system that can perform computations like perception, pattern recognition, motor control etc. Neuron or nerve cell is the basic structural unit of brain.</a:t>
+            </a:r>
           </a:p>
         </p:txBody>
       </p:sp>
@@ -9667,10 +9090,9 @@
           <a:lstStyle/>
           <a:p>
             <a:r>
-              <a:rPr lang="en-US" smtClean="0"/>
+              <a:rPr lang="en-US"/>
               <a:t>Prepared By: Arjun Saud        Neural Network:M.Sc. CSIT I</a:t>
             </a:r>
-            <a:endParaRPr lang="en-US"/>
           </a:p>
         </p:txBody>
       </p:sp>
@@ -9680,13 +9102,6 @@
     <a:masterClrMapping/>
   </p:clrMapOvr>
   <p:transition/>
-  <p:timing>
-    <p:tnLst>
-      <p:par>
-        <p:cTn id="1" dur="indefinite" restart="never" nodeType="tmRoot"/>
-      </p:par>
-    </p:tnLst>
-  </p:timing>
 </p:sld>
 </file>
 
@@ -9723,14 +9138,11 @@
           <a:lstStyle/>
           <a:p>
             <a:r>
-              <a:rPr lang="en-US" b="1" dirty="0" smtClean="0">
+              <a:rPr lang="en-US" b="1" dirty="0">
                 <a:latin typeface="Book Antiqua" pitchFamily="18" charset="0"/>
               </a:rPr>
               <a:t>Activation Functions</a:t>
             </a:r>
-            <a:endParaRPr lang="en-US" b="1" dirty="0">
-              <a:latin typeface="Book Antiqua" pitchFamily="18" charset="0"/>
-            </a:endParaRPr>
           </a:p>
         </p:txBody>
       </p:sp>
@@ -9758,7 +9170,7 @@
           <a:p>
             <a:pPr algn="just"/>
             <a:r>
-              <a:rPr lang="en-US" sz="2800" dirty="0" smtClean="0">
+              <a:rPr lang="en-US" sz="2800" dirty="0">
                 <a:latin typeface="Book Antiqua" pitchFamily="18" charset="0"/>
               </a:rPr>
               <a:t>Activation functions are the functions responsible to convert a input signal of a node in a ANN to an output signal. </a:t>
@@ -9767,7 +9179,7 @@
           <a:p>
             <a:pPr algn="just"/>
             <a:r>
-              <a:rPr lang="en-US" sz="2800" dirty="0" smtClean="0">
+              <a:rPr lang="en-US" sz="2800" dirty="0">
                 <a:latin typeface="Book Antiqua" pitchFamily="18" charset="0"/>
               </a:rPr>
               <a:t>The activation function is the non linear transformation that we do over the input signal. This transformed output is then sent to the next layer of neurons as input.</a:t>
@@ -9776,38 +9188,35 @@
           <a:p>
             <a:pPr algn="just"/>
             <a:r>
-              <a:rPr lang="en-US" sz="2800" dirty="0" smtClean="0">
+              <a:rPr lang="en-US" sz="2800" dirty="0">
                 <a:latin typeface="Book Antiqua" pitchFamily="18" charset="0"/>
               </a:rPr>
               <a:t>Some widely used activation functions are: </a:t>
             </a:r>
             <a:r>
-              <a:rPr lang="en-US" sz="2800" i="1" dirty="0" smtClean="0">
+              <a:rPr lang="en-US" sz="2800" i="1" dirty="0">
                 <a:latin typeface="Book Antiqua" pitchFamily="18" charset="0"/>
               </a:rPr>
               <a:t>Threshold, linear, sigmoid, </a:t>
             </a:r>
             <a:r>
-              <a:rPr lang="en-US" sz="2800" i="1" dirty="0" err="1" smtClean="0">
+              <a:rPr lang="en-US" sz="2800" i="1" dirty="0" err="1">
                 <a:latin typeface="Book Antiqua" pitchFamily="18" charset="0"/>
               </a:rPr>
               <a:t>tanh</a:t>
             </a:r>
             <a:r>
-              <a:rPr lang="en-US" sz="2800" i="1" dirty="0" smtClean="0">
+              <a:rPr lang="en-US" sz="2800" i="1" dirty="0">
                 <a:latin typeface="Book Antiqua" pitchFamily="18" charset="0"/>
               </a:rPr>
               <a:t>, </a:t>
             </a:r>
             <a:r>
-              <a:rPr lang="en-US" sz="2800" dirty="0" smtClean="0">
+              <a:rPr lang="en-US" sz="2800" dirty="0">
                 <a:latin typeface="Book Antiqua" pitchFamily="18" charset="0"/>
               </a:rPr>
               <a:t>etc.</a:t>
             </a:r>
-            <a:endParaRPr lang="en-US" sz="2800" dirty="0">
-              <a:latin typeface="Book Antiqua" pitchFamily="18" charset="0"/>
-            </a:endParaRPr>
           </a:p>
         </p:txBody>
       </p:sp>
@@ -9851,10 +9260,9 @@
           <a:lstStyle/>
           <a:p>
             <a:r>
-              <a:rPr lang="en-US" smtClean="0"/>
+              <a:rPr lang="en-US"/>
               <a:t>Prepared By: Arjun Saud        Neural Network:M.Sc. CSIT I</a:t>
             </a:r>
-            <a:endParaRPr lang="en-US"/>
           </a:p>
         </p:txBody>
       </p:sp>
@@ -9869,13 +9277,6 @@
     <a:masterClrMapping/>
   </p:clrMapOvr>
   <p:transition/>
-  <p:timing>
-    <p:tnLst>
-      <p:par>
-        <p:cTn id="1" dur="indefinite" restart="never" nodeType="tmRoot"/>
-      </p:par>
-    </p:tnLst>
-  </p:timing>
 </p:sld>
 </file>
 
@@ -9914,7 +9315,7 @@
           <a:lstStyle/>
           <a:p>
             <a:r>
-              <a:rPr lang="en-US" altLang="en-US" sz="3600" b="1" dirty="0" smtClean="0">
+              <a:rPr lang="en-US" altLang="en-US" sz="3600" b="1" dirty="0">
                 <a:latin typeface="Book Antiqua" pitchFamily="18" charset="0"/>
               </a:rPr>
               <a:t>Activation Functions </a:t>
@@ -9948,7 +9349,7 @@
               <a:buNone/>
             </a:pPr>
             <a:r>
-              <a:rPr lang="en-US" sz="2400" b="1" u="sng" dirty="0" smtClean="0">
+              <a:rPr lang="en-US" sz="2400" b="1" u="sng" dirty="0">
                 <a:latin typeface="Book Antiqua" pitchFamily="18" charset="0"/>
               </a:rPr>
               <a:t>Threshold Function</a:t>
@@ -9958,7 +9359,7 @@
             <a:pPr marL="284163" indent="-284163" algn="just">
               <a:buNone/>
             </a:pPr>
-            <a:endParaRPr lang="en-US" sz="2400" dirty="0" smtClean="0">
+            <a:endParaRPr lang="en-US" sz="2400" dirty="0">
               <a:latin typeface="Book Antiqua" pitchFamily="18" charset="0"/>
             </a:endParaRPr>
           </a:p>
@@ -9966,7 +9367,7 @@
             <a:pPr marL="284163" indent="-284163" algn="just">
               <a:buNone/>
             </a:pPr>
-            <a:endParaRPr lang="en-US" sz="2400" dirty="0" smtClean="0">
+            <a:endParaRPr lang="en-US" sz="2400" dirty="0">
               <a:latin typeface="Book Antiqua" pitchFamily="18" charset="0"/>
             </a:endParaRPr>
           </a:p>
@@ -9974,7 +9375,7 @@
             <a:pPr marL="284163" indent="-284163" algn="just">
               <a:buNone/>
             </a:pPr>
-            <a:endParaRPr lang="en-US" sz="2400" dirty="0" smtClean="0">
+            <a:endParaRPr lang="en-US" sz="2400" dirty="0">
               <a:latin typeface="Book Antiqua" pitchFamily="18" charset="0"/>
             </a:endParaRPr>
           </a:p>
@@ -9982,7 +9383,7 @@
             <a:pPr marL="284163" indent="-284163" algn="just">
               <a:buNone/>
             </a:pPr>
-            <a:endParaRPr lang="en-US" sz="2400" dirty="0" smtClean="0">
+            <a:endParaRPr lang="en-US" sz="2400" dirty="0">
               <a:latin typeface="Book Antiqua" pitchFamily="18" charset="0"/>
             </a:endParaRPr>
           </a:p>
@@ -9990,37 +9391,25 @@
             <a:pPr marL="284163" indent="-284163" algn="just">
               <a:buNone/>
             </a:pPr>
-            <a:endParaRPr lang="en-US" sz="2400" dirty="0" smtClean="0">
+            <a:endParaRPr lang="en-US" sz="2400" dirty="0">
               <a:latin typeface="Book Antiqua" pitchFamily="18" charset="0"/>
             </a:endParaRPr>
           </a:p>
           <a:p>
             <a:pPr marL="284163" indent="-284163" algn="just"/>
             <a:r>
-              <a:rPr lang="en-US" sz="2400" dirty="0" smtClean="0">
+              <a:rPr lang="en-US" sz="2400" dirty="0">
                 <a:latin typeface="Book Antiqua" pitchFamily="18" charset="0"/>
               </a:rPr>
-              <a:t>It is also referred as Healviside function. The non-linear neural model that use threshold function as activation function is referred as </a:t>
-            </a:r>
-            <a:r>
-              <a:rPr lang="en-US" sz="2400" dirty="0">
-                <a:latin typeface="Book Antiqua" panose="02040602050305030304" pitchFamily="18" charset="0"/>
-              </a:rPr>
-              <a:t>the </a:t>
+              <a:t>It is also referred as Healviside function. The non-linear neural model that use threshold function as activation function is referred as the </a:t>
             </a:r>
             <a:r>
               <a:rPr lang="en-US" sz="2400" i="1" dirty="0">
                 <a:latin typeface="Book Antiqua" panose="02040602050305030304" pitchFamily="18" charset="0"/>
               </a:rPr>
-              <a:t>McCulloch–Pitts </a:t>
-            </a:r>
-            <a:r>
-              <a:rPr lang="en-US" sz="2400" i="1" dirty="0" smtClean="0">
-                <a:latin typeface="Book Antiqua" panose="02040602050305030304" pitchFamily="18" charset="0"/>
-              </a:rPr>
-              <a:t>model.</a:t>
-            </a:r>
-            <a:endParaRPr lang="en-US" sz="2400" dirty="0" smtClean="0">
+              <a:t>McCulloch–Pitts model.</a:t>
+            </a:r>
+            <a:endParaRPr lang="en-US" sz="2400" dirty="0">
               <a:latin typeface="Book Antiqua" pitchFamily="18" charset="0"/>
             </a:endParaRPr>
           </a:p>
@@ -10028,7 +9417,7 @@
             <a:pPr marL="284163" indent="-284163" algn="just">
               <a:buNone/>
             </a:pPr>
-            <a:endParaRPr lang="en-US" sz="2400" dirty="0" smtClean="0">
+            <a:endParaRPr lang="en-US" sz="2400" dirty="0">
               <a:latin typeface="Book Antiqua" pitchFamily="18" charset="0"/>
             </a:endParaRPr>
           </a:p>
@@ -10531,7 +9920,7 @@
           <a:lstStyle/>
           <a:p>
             <a:r>
-              <a:rPr lang="en-US" smtClean="0"/>
+              <a:rPr lang="en-US"/>
               <a:t>Prepared By: Arjun Saud        Neural Network:M.Sc. CSIT I</a:t>
             </a:r>
             <a:endParaRPr lang="en-US" dirty="0"/>
@@ -10582,9 +9971,7 @@
           <p:cNvGraphicFramePr>
             <a:graphicFrameLocks noChangeAspect="1"/>
           </p:cNvGraphicFramePr>
-          <p:nvPr>
-            <p:extLst/>
-          </p:nvPr>
+          <p:nvPr/>
         </p:nvGraphicFramePr>
         <p:xfrm>
           <a:off x="722313" y="2438400"/>
@@ -10594,12 +9981,12 @@
           <a:graphicData uri="http://schemas.openxmlformats.org/presentationml/2006/ole">
             <mc:AlternateContent xmlns:mc="http://schemas.openxmlformats.org/markup-compatibility/2006">
               <mc:Choice xmlns:v="urn:schemas-microsoft-com:vml" Requires="v">
-                <p:oleObj spid="_x0000_s183309" name="Equation" r:id="rId3" imgW="1257120" imgH="457200" progId="Equation.3">
+                <p:oleObj name="Equation" r:id="rId2" imgW="1257120" imgH="457200" progId="Equation.3">
                   <p:embed/>
                 </p:oleObj>
               </mc:Choice>
               <mc:Fallback>
-                <p:oleObj name="Equation" r:id="rId3" imgW="1257120" imgH="457200" progId="Equation.3">
+                <p:oleObj name="Equation" r:id="rId2" imgW="1257120" imgH="457200" progId="Equation.3">
                   <p:embed/>
                   <p:pic>
                     <p:nvPicPr>
@@ -10610,7 +9997,7 @@
                       <p:nvPr/>
                     </p:nvPicPr>
                     <p:blipFill>
-                      <a:blip r:embed="rId4">
+                      <a:blip r:embed="rId3">
                         <a:extLst>
                           <a:ext uri="{28A0092B-C50C-407E-A947-70E740481C1C}">
                             <a14:useLocalDpi xmlns:a14="http://schemas.microsoft.com/office/drawing/2010/main" val="0"/>
@@ -10717,7 +10104,7 @@
           <p:nvPr/>
         </p:nvPicPr>
         <p:blipFill>
-          <a:blip r:embed="rId5"/>
+          <a:blip r:embed="rId4"/>
           <a:stretch>
             <a:fillRect/>
           </a:stretch>
@@ -10796,20 +10183,17 @@
           <a:lstStyle/>
           <a:p>
             <a:r>
-              <a:rPr lang="el-GR" dirty="0" smtClean="0">
+              <a:rPr lang="el-GR" dirty="0">
                 <a:latin typeface="Book Antiqua" panose="02040602050305030304" pitchFamily="18" charset="0"/>
               </a:rPr>
               <a:t>φ</a:t>
             </a:r>
             <a:r>
-              <a:rPr lang="en-US" dirty="0" smtClean="0">
+              <a:rPr lang="en-US" dirty="0">
                 <a:latin typeface="Book Antiqua" panose="02040602050305030304" pitchFamily="18" charset="0"/>
               </a:rPr>
               <a:t>(x)</a:t>
             </a:r>
-            <a:endParaRPr lang="en-US" dirty="0">
-              <a:latin typeface="Book Antiqua" panose="02040602050305030304" pitchFamily="18" charset="0"/>
-            </a:endParaRPr>
           </a:p>
         </p:txBody>
       </p:sp>
@@ -10824,13 +10208,6 @@
     <a:masterClrMapping/>
   </p:clrMapOvr>
   <p:transition/>
-  <p:timing>
-    <p:tnLst>
-      <p:par>
-        <p:cTn id="1" dur="indefinite" restart="never" nodeType="tmRoot"/>
-      </p:par>
-    </p:tnLst>
-  </p:timing>
 </p:sld>
 </file>
 
@@ -10869,7 +10246,7 @@
           <a:lstStyle/>
           <a:p>
             <a:r>
-              <a:rPr lang="en-US" altLang="en-US" sz="3600" b="1" dirty="0" smtClean="0">
+              <a:rPr lang="en-US" altLang="en-US" sz="3600" b="1" dirty="0">
                 <a:latin typeface="Book Antiqua" pitchFamily="18" charset="0"/>
               </a:rPr>
               <a:t>Activation Functions </a:t>
@@ -10903,7 +10280,7 @@
               <a:buNone/>
             </a:pPr>
             <a:r>
-              <a:rPr lang="en-US" sz="2600" b="1" u="sng" dirty="0" smtClean="0">
+              <a:rPr lang="en-US" sz="2600" b="1" u="sng" dirty="0">
                 <a:latin typeface="Book Antiqua" pitchFamily="18" charset="0"/>
               </a:rPr>
               <a:t>Linear Function</a:t>
@@ -10913,7 +10290,7 @@
             <a:pPr marL="284163" indent="-284163" algn="just">
               <a:buNone/>
             </a:pPr>
-            <a:endParaRPr lang="en-US" sz="2600" dirty="0" smtClean="0">
+            <a:endParaRPr lang="en-US" sz="2600" dirty="0">
               <a:latin typeface="Book Antiqua" pitchFamily="18" charset="0"/>
             </a:endParaRPr>
           </a:p>
@@ -10921,7 +10298,7 @@
             <a:pPr marL="284163" indent="-284163" algn="just">
               <a:buNone/>
             </a:pPr>
-            <a:endParaRPr lang="en-US" sz="2600" dirty="0" smtClean="0">
+            <a:endParaRPr lang="en-US" sz="2600" dirty="0">
               <a:latin typeface="Book Antiqua" pitchFamily="18" charset="0"/>
             </a:endParaRPr>
           </a:p>
@@ -10929,7 +10306,7 @@
             <a:pPr marL="284163" indent="-284163" algn="just">
               <a:buNone/>
             </a:pPr>
-            <a:endParaRPr lang="en-US" sz="2600" dirty="0" smtClean="0">
+            <a:endParaRPr lang="en-US" sz="2600" dirty="0">
               <a:latin typeface="Book Antiqua" pitchFamily="18" charset="0"/>
             </a:endParaRPr>
           </a:p>
@@ -10937,7 +10314,7 @@
             <a:pPr marL="284163" indent="-284163" algn="just">
               <a:buNone/>
             </a:pPr>
-            <a:endParaRPr lang="en-US" sz="2600" dirty="0" smtClean="0">
+            <a:endParaRPr lang="en-US" sz="2600" dirty="0">
               <a:latin typeface="Book Antiqua" pitchFamily="18" charset="0"/>
             </a:endParaRPr>
           </a:p>
@@ -10945,7 +10322,7 @@
             <a:pPr marL="284163" indent="-284163" algn="just">
               <a:buNone/>
             </a:pPr>
-            <a:endParaRPr lang="en-US" sz="2600" dirty="0" smtClean="0">
+            <a:endParaRPr lang="en-US" sz="2600" dirty="0">
               <a:latin typeface="Book Antiqua" pitchFamily="18" charset="0"/>
             </a:endParaRPr>
           </a:p>
@@ -10953,7 +10330,7 @@
             <a:pPr marL="0" indent="0" algn="just">
               <a:buNone/>
             </a:pPr>
-            <a:endParaRPr lang="en-US" sz="2600" dirty="0" smtClean="0">
+            <a:endParaRPr lang="en-US" sz="2600" dirty="0">
               <a:latin typeface="Book Antiqua" pitchFamily="18" charset="0"/>
             </a:endParaRPr>
           </a:p>
@@ -11456,7 +10833,7 @@
           <a:lstStyle/>
           <a:p>
             <a:r>
-              <a:rPr lang="en-US" smtClean="0"/>
+              <a:rPr lang="en-US"/>
               <a:t>Prepared By: Arjun Saud        Neural Network:M.Sc. CSIT I</a:t>
             </a:r>
             <a:endParaRPr lang="en-US" dirty="0"/>
@@ -11577,12 +10954,12 @@
           <a:graphicData uri="http://schemas.openxmlformats.org/presentationml/2006/ole">
             <mc:AlternateContent xmlns:mc="http://schemas.openxmlformats.org/markup-compatibility/2006">
               <mc:Choice xmlns:v="urn:schemas-microsoft-com:vml" Requires="v">
-                <p:oleObj spid="_x0000_s184342" name="Equation" r:id="rId3" imgW="863225" imgH="203112" progId="Equation.3">
+                <p:oleObj name="Equation" r:id="rId2" imgW="863225" imgH="203112" progId="Equation.3">
                   <p:embed/>
                 </p:oleObj>
               </mc:Choice>
               <mc:Fallback>
-                <p:oleObj name="Equation" r:id="rId3" imgW="863225" imgH="203112" progId="Equation.3">
+                <p:oleObj name="Equation" r:id="rId2" imgW="863225" imgH="203112" progId="Equation.3">
                   <p:embed/>
                   <p:pic>
                     <p:nvPicPr>
@@ -11593,7 +10970,7 @@
                       <p:nvPr/>
                     </p:nvPicPr>
                     <p:blipFill>
-                      <a:blip r:embed="rId4">
+                      <a:blip r:embed="rId3">
                         <a:extLst>
                           <a:ext uri="{28A0092B-C50C-407E-A947-70E740481C1C}">
                             <a14:useLocalDpi xmlns:a14="http://schemas.microsoft.com/office/drawing/2010/main" val="0"/>
@@ -11640,7 +11017,7 @@
           <p:nvPr/>
         </p:nvPicPr>
         <p:blipFill>
-          <a:blip r:embed="rId5"/>
+          <a:blip r:embed="rId4"/>
           <a:srcRect/>
           <a:stretch>
             <a:fillRect/>
@@ -11670,9 +11047,7 @@
           <p:cNvGraphicFramePr>
             <a:graphicFrameLocks noChangeAspect="1"/>
           </p:cNvGraphicFramePr>
-          <p:nvPr>
-            <p:extLst/>
-          </p:nvPr>
+          <p:nvPr/>
         </p:nvGraphicFramePr>
         <p:xfrm>
           <a:off x="5727700" y="2947988"/>
@@ -11682,12 +11057,12 @@
           <a:graphicData uri="http://schemas.openxmlformats.org/presentationml/2006/ole">
             <mc:AlternateContent xmlns:mc="http://schemas.openxmlformats.org/markup-compatibility/2006">
               <mc:Choice xmlns:v="urn:schemas-microsoft-com:vml" Requires="v">
-                <p:oleObj spid="_x0000_s184343" name="Equation" r:id="rId6" imgW="634680" imgH="203040" progId="Equation.3">
+                <p:oleObj name="Equation" r:id="rId5" imgW="634680" imgH="203040" progId="Equation.3">
                   <p:embed/>
                 </p:oleObj>
               </mc:Choice>
               <mc:Fallback>
-                <p:oleObj name="Equation" r:id="rId6" imgW="634680" imgH="203040" progId="Equation.3">
+                <p:oleObj name="Equation" r:id="rId5" imgW="634680" imgH="203040" progId="Equation.3">
                   <p:embed/>
                   <p:pic>
                     <p:nvPicPr>
@@ -11698,7 +11073,7 @@
                       <p:nvPr/>
                     </p:nvPicPr>
                     <p:blipFill>
-                      <a:blip r:embed="rId7">
+                      <a:blip r:embed="rId6">
                         <a:extLst>
                           <a:ext uri="{28A0092B-C50C-407E-A947-70E740481C1C}">
                             <a14:useLocalDpi xmlns:a14="http://schemas.microsoft.com/office/drawing/2010/main" val="0"/>
@@ -11747,13 +11122,6 @@
     <a:masterClrMapping/>
   </p:clrMapOvr>
   <p:transition/>
-  <p:timing>
-    <p:tnLst>
-      <p:par>
-        <p:cTn id="1" dur="indefinite" restart="never" nodeType="tmRoot"/>
-      </p:par>
-    </p:tnLst>
-  </p:timing>
 </p:sld>
 </file>
 
@@ -11792,7 +11160,7 @@
           <a:lstStyle/>
           <a:p>
             <a:r>
-              <a:rPr lang="en-US" altLang="en-US" sz="3600" b="1" dirty="0" smtClean="0">
+              <a:rPr lang="en-US" altLang="en-US" sz="3600" b="1" dirty="0">
                 <a:latin typeface="Book Antiqua" pitchFamily="18" charset="0"/>
               </a:rPr>
               <a:t>Activation Functions </a:t>
@@ -11826,7 +11194,7 @@
               <a:buNone/>
             </a:pPr>
             <a:r>
-              <a:rPr lang="en-US" sz="2600" b="1" u="sng" dirty="0" smtClean="0">
+              <a:rPr lang="en-US" sz="2600" b="1" u="sng" dirty="0">
                 <a:latin typeface="Book Antiqua" pitchFamily="18" charset="0"/>
               </a:rPr>
               <a:t>Sigmoid Function</a:t>
@@ -11836,7 +11204,7 @@
             <a:pPr marL="284163" indent="-284163" algn="just">
               <a:buNone/>
             </a:pPr>
-            <a:endParaRPr lang="en-US" sz="2600" dirty="0" smtClean="0">
+            <a:endParaRPr lang="en-US" sz="2600" dirty="0">
               <a:latin typeface="Book Antiqua" pitchFamily="18" charset="0"/>
             </a:endParaRPr>
           </a:p>
@@ -11844,7 +11212,7 @@
             <a:pPr marL="284163" indent="-284163" algn="just">
               <a:buNone/>
             </a:pPr>
-            <a:endParaRPr lang="en-US" sz="2600" dirty="0" smtClean="0">
+            <a:endParaRPr lang="en-US" sz="2600" dirty="0">
               <a:latin typeface="Book Antiqua" pitchFamily="18" charset="0"/>
             </a:endParaRPr>
           </a:p>
@@ -11852,7 +11220,7 @@
             <a:pPr marL="284163" indent="-284163" algn="just">
               <a:buNone/>
             </a:pPr>
-            <a:endParaRPr lang="en-US" sz="2600" dirty="0" smtClean="0">
+            <a:endParaRPr lang="en-US" sz="2600" dirty="0">
               <a:latin typeface="Book Antiqua" pitchFamily="18" charset="0"/>
             </a:endParaRPr>
           </a:p>
@@ -11860,136 +11228,64 @@
             <a:pPr marL="284163" indent="-284163" algn="just">
               <a:buNone/>
             </a:pPr>
-            <a:endParaRPr lang="en-US" sz="2600" dirty="0" smtClean="0">
+            <a:endParaRPr lang="en-US" sz="2600" dirty="0">
               <a:latin typeface="Book Antiqua" pitchFamily="18" charset="0"/>
             </a:endParaRPr>
           </a:p>
           <a:p>
             <a:pPr algn="just"/>
             <a:r>
-              <a:rPr lang="en-US" sz="2400" dirty="0" smtClean="0">
-                <a:latin typeface="Book Antiqua" panose="02040602050305030304" pitchFamily="18" charset="0"/>
-              </a:rPr>
-              <a:t>By </a:t>
-            </a:r>
-            <a:r>
               <a:rPr lang="en-US" sz="2400" dirty="0">
                 <a:latin typeface="Book Antiqua" panose="02040602050305030304" pitchFamily="18" charset="0"/>
               </a:rPr>
-              <a:t>varying the parameter </a:t>
-            </a:r>
-            <a:r>
-              <a:rPr lang="en-US" sz="2400" i="1" dirty="0" smtClean="0">
+              <a:t>By varying the parameter </a:t>
+            </a:r>
+            <a:r>
+              <a:rPr lang="en-US" sz="2400" i="1" dirty="0">
                 <a:latin typeface="Book Antiqua" panose="02040602050305030304" pitchFamily="18" charset="0"/>
               </a:rPr>
               <a:t>a (slope)</a:t>
-            </a:r>
-            <a:r>
-              <a:rPr lang="en-US" sz="2400" dirty="0" smtClean="0">
-                <a:latin typeface="Book Antiqua" panose="02040602050305030304" pitchFamily="18" charset="0"/>
-              </a:rPr>
-              <a:t>, we obtain </a:t>
             </a:r>
             <a:r>
               <a:rPr lang="en-US" sz="2400" dirty="0">
                 <a:latin typeface="Book Antiqua" panose="02040602050305030304" pitchFamily="18" charset="0"/>
               </a:rPr>
-              <a:t>sigmoid functions of different </a:t>
-            </a:r>
-            <a:r>
-              <a:rPr lang="en-US" sz="2400" dirty="0" smtClean="0">
+              <a:t>, we obtain sigmoid functions of different slopes. The sigmoid function is the class of functions whose graph is S-shaped curve. It is the most common form of activation function used in the construction of neural networks. An example of the sigmoid function is the </a:t>
+            </a:r>
+            <a:r>
+              <a:rPr lang="en-US" sz="2400" i="1" dirty="0">
                 <a:latin typeface="Book Antiqua" panose="02040602050305030304" pitchFamily="18" charset="0"/>
               </a:rPr>
-              <a:t>slopes. The </a:t>
+              <a:t>logistic function</a:t>
             </a:r>
             <a:r>
               <a:rPr lang="en-US" sz="2400" dirty="0">
                 <a:latin typeface="Book Antiqua" panose="02040602050305030304" pitchFamily="18" charset="0"/>
               </a:rPr>
-              <a:t>sigmoid </a:t>
-            </a:r>
-            <a:r>
-              <a:rPr lang="en-US" sz="2400" dirty="0" smtClean="0">
+              <a:t>, </a:t>
+            </a:r>
+            <a:r>
+              <a:rPr lang="en-US" sz="2400" i="1" dirty="0">
                 <a:latin typeface="Book Antiqua" panose="02040602050305030304" pitchFamily="18" charset="0"/>
               </a:rPr>
-              <a:t>function is the class of functions whose </a:t>
+              <a:t>where a=1</a:t>
             </a:r>
             <a:r>
               <a:rPr lang="en-US" sz="2400" dirty="0">
                 <a:latin typeface="Book Antiqua" panose="02040602050305030304" pitchFamily="18" charset="0"/>
               </a:rPr>
-              <a:t>graph </a:t>
-            </a:r>
-            <a:r>
-              <a:rPr lang="en-US" sz="2400" dirty="0" smtClean="0">
-                <a:latin typeface="Book Antiqua" panose="02040602050305030304" pitchFamily="18" charset="0"/>
-              </a:rPr>
-              <a:t>is S-shaped </a:t>
-            </a:r>
-            <a:r>
-              <a:rPr lang="en-US" sz="2400" dirty="0">
-                <a:latin typeface="Book Antiqua" panose="02040602050305030304" pitchFamily="18" charset="0"/>
-              </a:rPr>
-              <a:t>c</a:t>
-            </a:r>
-            <a:r>
-              <a:rPr lang="en-US" sz="2400" dirty="0" smtClean="0">
-                <a:latin typeface="Book Antiqua" panose="02040602050305030304" pitchFamily="18" charset="0"/>
-              </a:rPr>
-              <a:t>urve. It is the </a:t>
-            </a:r>
-            <a:r>
-              <a:rPr lang="en-US" sz="2400" dirty="0">
-                <a:latin typeface="Book Antiqua" panose="02040602050305030304" pitchFamily="18" charset="0"/>
-              </a:rPr>
-              <a:t>most common form of activation function used in the construction of neural </a:t>
-            </a:r>
-            <a:r>
-              <a:rPr lang="en-US" sz="2400" dirty="0" smtClean="0">
-                <a:latin typeface="Book Antiqua" panose="02040602050305030304" pitchFamily="18" charset="0"/>
-              </a:rPr>
-              <a:t>networks. An </a:t>
-            </a:r>
-            <a:r>
-              <a:rPr lang="en-US" sz="2400" dirty="0">
-                <a:latin typeface="Book Antiqua" panose="02040602050305030304" pitchFamily="18" charset="0"/>
-              </a:rPr>
-              <a:t>example of the sigmoid function is the </a:t>
-            </a:r>
-            <a:r>
-              <a:rPr lang="en-US" sz="2400" i="1" dirty="0" smtClean="0">
-                <a:latin typeface="Book Antiqua" panose="02040602050305030304" pitchFamily="18" charset="0"/>
-              </a:rPr>
-              <a:t>logistic function</a:t>
-            </a:r>
-            <a:r>
-              <a:rPr lang="en-US" sz="2400" dirty="0" smtClean="0">
-                <a:latin typeface="Book Antiqua" panose="02040602050305030304" pitchFamily="18" charset="0"/>
-              </a:rPr>
-              <a:t>, </a:t>
-            </a:r>
-            <a:r>
-              <a:rPr lang="en-US" sz="2400" i="1" dirty="0" smtClean="0">
-                <a:latin typeface="Book Antiqua" panose="02040602050305030304" pitchFamily="18" charset="0"/>
-              </a:rPr>
-              <a:t>where a=1</a:t>
-            </a:r>
-            <a:r>
-              <a:rPr lang="en-US" sz="2400" dirty="0" smtClean="0">
-                <a:latin typeface="Book Antiqua" panose="02040602050305030304" pitchFamily="18" charset="0"/>
-              </a:rPr>
               <a:t>. It squashes the output in the range(0,1).</a:t>
             </a:r>
           </a:p>
           <a:p>
             <a:pPr marL="284163" indent="-284163" algn="just"/>
-            <a:endParaRPr lang="en-US" sz="2800" dirty="0" smtClean="0">
+            <a:endParaRPr lang="en-US" sz="2800" dirty="0">
               <a:latin typeface="Book Antiqua" pitchFamily="18" charset="0"/>
             </a:endParaRPr>
           </a:p>
           <a:p>
             <a:pPr marL="284163" indent="-284163" algn="just"/>
-            <a:endParaRPr lang="en-US" sz="2600" dirty="0" smtClean="0">
+            <a:endParaRPr lang="en-US" sz="2600" dirty="0">
               <a:latin typeface="Book Antiqua" pitchFamily="18" charset="0"/>
             </a:endParaRPr>
           </a:p>
@@ -12492,7 +11788,7 @@
           <a:lstStyle/>
           <a:p>
             <a:r>
-              <a:rPr lang="en-US" smtClean="0"/>
+              <a:rPr lang="en-US"/>
               <a:t>Prepared By: Arjun Saud        Neural Network:M.Sc. CSIT I</a:t>
             </a:r>
             <a:endParaRPr lang="en-US" dirty="0"/>
@@ -12603,9 +11899,7 @@
           <p:cNvGraphicFramePr>
             <a:graphicFrameLocks noChangeAspect="1"/>
           </p:cNvGraphicFramePr>
-          <p:nvPr>
-            <p:extLst/>
-          </p:nvPr>
+          <p:nvPr/>
         </p:nvGraphicFramePr>
         <p:xfrm>
           <a:off x="596900" y="1752600"/>
@@ -12615,12 +11909,12 @@
           <a:graphicData uri="http://schemas.openxmlformats.org/presentationml/2006/ole">
             <mc:AlternateContent xmlns:mc="http://schemas.openxmlformats.org/markup-compatibility/2006">
               <mc:Choice xmlns:v="urn:schemas-microsoft-com:vml" Requires="v">
-                <p:oleObj spid="_x0000_s185356" name="Equation" r:id="rId3" imgW="914400" imgH="393480" progId="Equation.3">
+                <p:oleObj name="Equation" r:id="rId2" imgW="914400" imgH="393480" progId="Equation.3">
                   <p:embed/>
                 </p:oleObj>
               </mc:Choice>
               <mc:Fallback>
-                <p:oleObj name="Equation" r:id="rId3" imgW="914400" imgH="393480" progId="Equation.3">
+                <p:oleObj name="Equation" r:id="rId2" imgW="914400" imgH="393480" progId="Equation.3">
                   <p:embed/>
                   <p:pic>
                     <p:nvPicPr>
@@ -12631,7 +11925,7 @@
                       <p:nvPr/>
                     </p:nvPicPr>
                     <p:blipFill>
-                      <a:blip r:embed="rId4">
+                      <a:blip r:embed="rId3">
                         <a:extLst>
                           <a:ext uri="{28A0092B-C50C-407E-A947-70E740481C1C}">
                             <a14:useLocalDpi xmlns:a14="http://schemas.microsoft.com/office/drawing/2010/main" val="0"/>
@@ -12678,7 +11972,7 @@
           <p:nvPr/>
         </p:nvPicPr>
         <p:blipFill>
-          <a:blip r:embed="rId5"/>
+          <a:blip r:embed="rId4"/>
           <a:stretch>
             <a:fillRect/>
           </a:stretch>
@@ -12757,20 +12051,17 @@
           <a:lstStyle/>
           <a:p>
             <a:r>
-              <a:rPr lang="el-GR" dirty="0" smtClean="0">
+              <a:rPr lang="el-GR" dirty="0">
                 <a:latin typeface="Book Antiqua" panose="02040602050305030304" pitchFamily="18" charset="0"/>
               </a:rPr>
               <a:t>φ</a:t>
             </a:r>
             <a:r>
-              <a:rPr lang="en-US" dirty="0" smtClean="0">
+              <a:rPr lang="en-US" dirty="0">
                 <a:latin typeface="Book Antiqua" panose="02040602050305030304" pitchFamily="18" charset="0"/>
               </a:rPr>
               <a:t>(x)</a:t>
             </a:r>
-            <a:endParaRPr lang="en-US" dirty="0">
-              <a:latin typeface="Book Antiqua" panose="02040602050305030304" pitchFamily="18" charset="0"/>
-            </a:endParaRPr>
           </a:p>
         </p:txBody>
       </p:sp>
@@ -12785,13 +12076,6 @@
     <a:masterClrMapping/>
   </p:clrMapOvr>
   <p:transition/>
-  <p:timing>
-    <p:tnLst>
-      <p:par>
-        <p:cTn id="1" dur="indefinite" restart="never" nodeType="tmRoot"/>
-      </p:par>
-    </p:tnLst>
-  </p:timing>
 </p:sld>
 </file>
 
@@ -12830,7 +12114,7 @@
           <a:lstStyle/>
           <a:p>
             <a:r>
-              <a:rPr lang="en-US" altLang="en-US" sz="3600" b="1" dirty="0" smtClean="0">
+              <a:rPr lang="en-US" altLang="en-US" sz="3600" b="1" dirty="0">
                 <a:latin typeface="Book Antiqua" pitchFamily="18" charset="0"/>
               </a:rPr>
               <a:t>Activation Functions</a:t>
@@ -12864,7 +12148,7 @@
               <a:buNone/>
             </a:pPr>
             <a:r>
-              <a:rPr lang="en-US" sz="2600" b="1" u="sng" dirty="0" smtClean="0">
+              <a:rPr lang="en-US" sz="2600" b="1" u="sng" dirty="0">
                 <a:latin typeface="Book Antiqua" pitchFamily="18" charset="0"/>
               </a:rPr>
               <a:t>Tanh Function</a:t>
@@ -12874,7 +12158,7 @@
             <a:pPr marL="284163" indent="-284163" algn="just">
               <a:buNone/>
             </a:pPr>
-            <a:endParaRPr lang="en-US" sz="2600" dirty="0" smtClean="0">
+            <a:endParaRPr lang="en-US" sz="2600" dirty="0">
               <a:latin typeface="Book Antiqua" pitchFamily="18" charset="0"/>
             </a:endParaRPr>
           </a:p>
@@ -12882,7 +12166,7 @@
             <a:pPr marL="284163" indent="-284163" algn="just">
               <a:buNone/>
             </a:pPr>
-            <a:endParaRPr lang="en-US" sz="2600" dirty="0" smtClean="0">
+            <a:endParaRPr lang="en-US" sz="2600" dirty="0">
               <a:latin typeface="Book Antiqua" pitchFamily="18" charset="0"/>
             </a:endParaRPr>
           </a:p>
@@ -12890,7 +12174,7 @@
             <a:pPr marL="284163" indent="-284163" algn="just">
               <a:buNone/>
             </a:pPr>
-            <a:endParaRPr lang="en-US" sz="2600" dirty="0" smtClean="0">
+            <a:endParaRPr lang="en-US" sz="2600" dirty="0">
               <a:latin typeface="Book Antiqua" pitchFamily="18" charset="0"/>
             </a:endParaRPr>
           </a:p>
@@ -12898,7 +12182,7 @@
             <a:pPr marL="284163" indent="-284163" algn="just">
               <a:buNone/>
             </a:pPr>
-            <a:endParaRPr lang="en-US" sz="2600" dirty="0" smtClean="0">
+            <a:endParaRPr lang="en-US" sz="2600" dirty="0">
               <a:latin typeface="Book Antiqua" pitchFamily="18" charset="0"/>
             </a:endParaRPr>
           </a:p>
@@ -12906,46 +12190,22 @@
             <a:pPr marL="284163" indent="-284163" algn="just">
               <a:buNone/>
             </a:pPr>
-            <a:endParaRPr lang="en-US" sz="2600" dirty="0" smtClean="0">
+            <a:endParaRPr lang="en-US" sz="2600" dirty="0">
               <a:latin typeface="Book Antiqua" pitchFamily="18" charset="0"/>
             </a:endParaRPr>
           </a:p>
           <a:p>
             <a:pPr marL="284163" indent="-284163" algn="just"/>
             <a:r>
-              <a:rPr lang="en-US" sz="2400" dirty="0" smtClean="0">
-                <a:latin typeface="Book Antiqua" panose="02040602050305030304" pitchFamily="18" charset="0"/>
-              </a:rPr>
-              <a:t>It </a:t>
-            </a:r>
-            <a:r>
               <a:rPr lang="en-US" sz="2400" dirty="0">
                 <a:latin typeface="Book Antiqua" panose="02040602050305030304" pitchFamily="18" charset="0"/>
               </a:rPr>
-              <a:t>has characteristics similar to sigmoid that we discussed </a:t>
-            </a:r>
-            <a:r>
-              <a:rPr lang="en-US" sz="2400" dirty="0" smtClean="0">
-                <a:latin typeface="Book Antiqua" panose="02040602050305030304" pitchFamily="18" charset="0"/>
-              </a:rPr>
-              <a:t>above. But, it squashes the output between (-1,1). </a:t>
-            </a:r>
-            <a:r>
-              <a:rPr lang="en-US" sz="2400" dirty="0">
-                <a:latin typeface="Book Antiqua" panose="02040602050305030304" pitchFamily="18" charset="0"/>
-              </a:rPr>
-              <a:t>Tanh is also a very popular and widely used activation function</a:t>
-            </a:r>
-            <a:r>
-              <a:rPr lang="en-US" sz="2400" dirty="0" smtClean="0">
-                <a:latin typeface="Book Antiqua" panose="02040602050305030304" pitchFamily="18" charset="0"/>
-              </a:rPr>
-              <a:t>. It is special case of sigmoid function.</a:t>
+              <a:t>It has characteristics similar to sigmoid that we discussed above. But, it squashes the output between (-1,1). Tanh is also a very popular and widely used activation function. It is special case of sigmoid function.</a:t>
             </a:r>
           </a:p>
           <a:p>
             <a:pPr marL="284163" indent="-284163" algn="just"/>
-            <a:endParaRPr lang="en-US" sz="2600" dirty="0" smtClean="0">
+            <a:endParaRPr lang="en-US" sz="2600" dirty="0">
               <a:latin typeface="Book Antiqua" pitchFamily="18" charset="0"/>
             </a:endParaRPr>
           </a:p>
@@ -13448,7 +12708,7 @@
           <a:lstStyle/>
           <a:p>
             <a:r>
-              <a:rPr lang="en-US" smtClean="0"/>
+              <a:rPr lang="en-US"/>
               <a:t>Prepared By: Arjun Saud        Neural Network:M.Sc. CSIT I</a:t>
             </a:r>
             <a:endParaRPr lang="en-US" dirty="0"/>
@@ -13559,9 +12819,7 @@
           <p:cNvGraphicFramePr>
             <a:graphicFrameLocks noChangeAspect="1"/>
           </p:cNvGraphicFramePr>
-          <p:nvPr>
-            <p:extLst/>
-          </p:nvPr>
+          <p:nvPr/>
         </p:nvGraphicFramePr>
         <p:xfrm>
           <a:off x="592138" y="1800225"/>
@@ -13571,12 +12829,12 @@
           <a:graphicData uri="http://schemas.openxmlformats.org/presentationml/2006/ole">
             <mc:AlternateContent xmlns:mc="http://schemas.openxmlformats.org/markup-compatibility/2006">
               <mc:Choice xmlns:v="urn:schemas-microsoft-com:vml" Requires="v">
-                <p:oleObj spid="_x0000_s186380" name="Equation" r:id="rId3" imgW="2387520" imgH="419040" progId="Equation.3">
+                <p:oleObj name="Equation" r:id="rId2" imgW="2387520" imgH="419040" progId="Equation.3">
                   <p:embed/>
                 </p:oleObj>
               </mc:Choice>
               <mc:Fallback>
-                <p:oleObj name="Equation" r:id="rId3" imgW="2387520" imgH="419040" progId="Equation.3">
+                <p:oleObj name="Equation" r:id="rId2" imgW="2387520" imgH="419040" progId="Equation.3">
                   <p:embed/>
                   <p:pic>
                     <p:nvPicPr>
@@ -13587,7 +12845,7 @@
                       <p:nvPr/>
                     </p:nvPicPr>
                     <p:blipFill>
-                      <a:blip r:embed="rId4">
+                      <a:blip r:embed="rId3">
                         <a:extLst>
                           <a:ext uri="{28A0092B-C50C-407E-A947-70E740481C1C}">
                             <a14:useLocalDpi xmlns:a14="http://schemas.microsoft.com/office/drawing/2010/main" val="0"/>
@@ -13634,7 +12892,7 @@
           <p:nvPr/>
         </p:nvPicPr>
         <p:blipFill>
-          <a:blip r:embed="rId5">
+          <a:blip r:embed="rId4">
             <a:extLst>
               <a:ext uri="{28A0092B-C50C-407E-A947-70E740481C1C}">
                 <a14:useLocalDpi xmlns:a14="http://schemas.microsoft.com/office/drawing/2010/main" val="0"/>
@@ -13689,20 +12947,17 @@
           <a:lstStyle/>
           <a:p>
             <a:r>
-              <a:rPr lang="el-GR" dirty="0" smtClean="0">
+              <a:rPr lang="el-GR" dirty="0">
                 <a:latin typeface="Book Antiqua" panose="02040602050305030304" pitchFamily="18" charset="0"/>
               </a:rPr>
               <a:t>φ</a:t>
             </a:r>
             <a:r>
-              <a:rPr lang="en-US" dirty="0" smtClean="0">
+              <a:rPr lang="en-US" dirty="0">
                 <a:latin typeface="Book Antiqua" panose="02040602050305030304" pitchFamily="18" charset="0"/>
               </a:rPr>
               <a:t>(x)</a:t>
             </a:r>
-            <a:endParaRPr lang="en-US" dirty="0">
-              <a:latin typeface="Book Antiqua" panose="02040602050305030304" pitchFamily="18" charset="0"/>
-            </a:endParaRPr>
           </a:p>
         </p:txBody>
       </p:sp>
@@ -13717,13 +12972,6 @@
     <a:masterClrMapping/>
   </p:clrMapOvr>
   <p:transition/>
-  <p:timing>
-    <p:tnLst>
-      <p:par>
-        <p:cTn id="1" dur="indefinite" restart="never" nodeType="tmRoot"/>
-      </p:par>
-    </p:tnLst>
-  </p:timing>
 </p:sld>
 </file>
 
@@ -13762,7 +13010,7 @@
           <a:lstStyle/>
           <a:p>
             <a:r>
-              <a:rPr lang="en-US" altLang="en-US" sz="3600" b="1" dirty="0" smtClean="0">
+              <a:rPr lang="en-US" altLang="en-US" sz="3600" b="1" dirty="0">
                 <a:latin typeface="Book Antiqua" pitchFamily="18" charset="0"/>
               </a:rPr>
               <a:t>Activation Functions</a:t>
@@ -13796,7 +13044,7 @@
               <a:buNone/>
             </a:pPr>
             <a:r>
-              <a:rPr lang="en-US" sz="2600" b="1" u="sng" dirty="0" smtClean="0">
+              <a:rPr lang="en-US" sz="2600" b="1" u="sng" dirty="0">
                 <a:latin typeface="Book Antiqua" pitchFamily="18" charset="0"/>
               </a:rPr>
               <a:t>ReLU Activation Function</a:t>
@@ -13806,7 +13054,7 @@
             <a:pPr marL="284163" indent="-284163" algn="just">
               <a:buNone/>
             </a:pPr>
-            <a:endParaRPr lang="en-US" sz="2600" dirty="0" smtClean="0">
+            <a:endParaRPr lang="en-US" sz="2600" dirty="0">
               <a:latin typeface="Book Antiqua" pitchFamily="18" charset="0"/>
             </a:endParaRPr>
           </a:p>
@@ -13814,7 +13062,7 @@
             <a:pPr marL="284163" indent="-284163" algn="just">
               <a:buNone/>
             </a:pPr>
-            <a:endParaRPr lang="en-US" sz="2600" dirty="0" smtClean="0">
+            <a:endParaRPr lang="en-US" sz="2600" dirty="0">
               <a:latin typeface="Book Antiqua" pitchFamily="18" charset="0"/>
             </a:endParaRPr>
           </a:p>
@@ -13822,7 +13070,7 @@
             <a:pPr marL="284163" indent="-284163" algn="just">
               <a:buNone/>
             </a:pPr>
-            <a:endParaRPr lang="en-US" sz="2600" dirty="0" smtClean="0">
+            <a:endParaRPr lang="en-US" sz="2600" dirty="0">
               <a:latin typeface="Book Antiqua" pitchFamily="18" charset="0"/>
             </a:endParaRPr>
           </a:p>
@@ -13830,7 +13078,7 @@
             <a:pPr marL="284163" indent="-284163" algn="just">
               <a:buNone/>
             </a:pPr>
-            <a:endParaRPr lang="en-US" sz="2600" dirty="0" smtClean="0">
+            <a:endParaRPr lang="en-US" sz="2600" dirty="0">
               <a:latin typeface="Book Antiqua" pitchFamily="18" charset="0"/>
             </a:endParaRPr>
           </a:p>
@@ -13838,7 +13086,7 @@
             <a:pPr marL="284163" indent="-284163" algn="just">
               <a:buNone/>
             </a:pPr>
-            <a:endParaRPr lang="en-US" sz="2600" dirty="0" smtClean="0">
+            <a:endParaRPr lang="en-US" sz="2600" dirty="0">
               <a:latin typeface="Book Antiqua" pitchFamily="18" charset="0"/>
             </a:endParaRPr>
           </a:p>
@@ -13860,18 +13108,12 @@
               <a:rPr lang="en-US" sz="2400" dirty="0">
                 <a:latin typeface="Book Antiqua" pitchFamily="18" charset="0"/>
               </a:rPr>
-              <a:t> and sigmoid because it involves simpler mathematical operations. This function is also </a:t>
-            </a:r>
-            <a:r>
-              <a:rPr lang="en-US" sz="2400" dirty="0" smtClean="0">
-                <a:latin typeface="Book Antiqua" pitchFamily="18" charset="0"/>
-              </a:rPr>
-              <a:t>non-linear.</a:t>
+              <a:t> and sigmoid because it involves simpler mathematical operations. This function is also non-linear.</a:t>
             </a:r>
           </a:p>
           <a:p>
             <a:pPr marL="284163" indent="-284163" algn="just"/>
-            <a:endParaRPr lang="en-US" sz="2600" dirty="0" smtClean="0">
+            <a:endParaRPr lang="en-US" sz="2600" dirty="0">
               <a:latin typeface="Book Antiqua" pitchFamily="18" charset="0"/>
             </a:endParaRPr>
           </a:p>
@@ -14374,7 +13616,7 @@
           <a:lstStyle/>
           <a:p>
             <a:r>
-              <a:rPr lang="en-US" smtClean="0"/>
+              <a:rPr lang="en-US"/>
               <a:t>Prepared By: Arjun Saud        Neural Network:M.Sc. CSIT I</a:t>
             </a:r>
             <a:endParaRPr lang="en-US" dirty="0"/>
@@ -14501,12 +13743,12 @@
           <a:graphicData uri="http://schemas.openxmlformats.org/presentationml/2006/ole">
             <mc:AlternateContent xmlns:mc="http://schemas.openxmlformats.org/markup-compatibility/2006">
               <mc:Choice xmlns:v="urn:schemas-microsoft-com:vml" Requires="v">
-                <p:oleObj spid="_x0000_s187405" name="Equation" r:id="rId3" imgW="1104840" imgH="203040" progId="Equation.3">
+                <p:oleObj name="Equation" r:id="rId2" imgW="1104840" imgH="203040" progId="Equation.3">
                   <p:embed/>
                 </p:oleObj>
               </mc:Choice>
               <mc:Fallback>
-                <p:oleObj name="Equation" r:id="rId3" imgW="1104840" imgH="203040" progId="Equation.3">
+                <p:oleObj name="Equation" r:id="rId2" imgW="1104840" imgH="203040" progId="Equation.3">
                   <p:embed/>
                   <p:pic>
                     <p:nvPicPr>
@@ -14517,7 +13759,7 @@
                       <p:nvPr/>
                     </p:nvPicPr>
                     <p:blipFill>
-                      <a:blip r:embed="rId4">
+                      <a:blip r:embed="rId3">
                         <a:extLst>
                           <a:ext uri="{28A0092B-C50C-407E-A947-70E740481C1C}">
                             <a14:useLocalDpi xmlns:a14="http://schemas.microsoft.com/office/drawing/2010/main" val="0"/>
@@ -14564,7 +13806,7 @@
           <p:nvPr/>
         </p:nvPicPr>
         <p:blipFill>
-          <a:blip r:embed="rId5"/>
+          <a:blip r:embed="rId4"/>
           <a:stretch>
             <a:fillRect/>
           </a:stretch>
@@ -14590,13 +13832,6 @@
     <a:masterClrMapping/>
   </p:clrMapOvr>
   <p:transition/>
-  <p:timing>
-    <p:tnLst>
-      <p:par>
-        <p:cTn id="1" dur="indefinite" restart="never" nodeType="tmRoot"/>
-      </p:par>
-    </p:tnLst>
-  </p:timing>
 </p:sld>
 </file>
 
@@ -14635,7 +13870,7 @@
           <a:lstStyle/>
           <a:p>
             <a:r>
-              <a:rPr lang="en-US" altLang="en-US" sz="3600" b="1" dirty="0" smtClean="0">
+              <a:rPr lang="en-US" altLang="en-US" sz="3600" b="1" dirty="0">
                 <a:latin typeface="Book Antiqua" pitchFamily="18" charset="0"/>
               </a:rPr>
               <a:t>Activation Functions</a:t>
@@ -14669,7 +13904,7 @@
               <a:buNone/>
             </a:pPr>
             <a:r>
-              <a:rPr lang="en-US" sz="2600" b="1" u="sng" dirty="0" smtClean="0">
+              <a:rPr lang="en-US" sz="2600" b="1" u="sng" dirty="0">
                 <a:latin typeface="Book Antiqua" pitchFamily="18" charset="0"/>
               </a:rPr>
               <a:t>Leaky ReLU Activation Function</a:t>
@@ -14679,7 +13914,7 @@
             <a:pPr marL="284163" indent="-284163" algn="just">
               <a:buNone/>
             </a:pPr>
-            <a:endParaRPr lang="en-US" sz="2600" dirty="0" smtClean="0">
+            <a:endParaRPr lang="en-US" sz="2600" dirty="0">
               <a:latin typeface="Book Antiqua" pitchFamily="18" charset="0"/>
             </a:endParaRPr>
           </a:p>
@@ -14687,7 +13922,7 @@
             <a:pPr marL="284163" indent="-284163" algn="just">
               <a:buNone/>
             </a:pPr>
-            <a:endParaRPr lang="en-US" sz="2600" dirty="0" smtClean="0">
+            <a:endParaRPr lang="en-US" sz="2600" dirty="0">
               <a:latin typeface="Book Antiqua" pitchFamily="18" charset="0"/>
             </a:endParaRPr>
           </a:p>
@@ -14695,7 +13930,7 @@
             <a:pPr marL="284163" indent="-284163" algn="just">
               <a:buNone/>
             </a:pPr>
-            <a:endParaRPr lang="en-US" sz="2600" dirty="0" smtClean="0">
+            <a:endParaRPr lang="en-US" sz="2600" dirty="0">
               <a:latin typeface="Book Antiqua" pitchFamily="18" charset="0"/>
             </a:endParaRPr>
           </a:p>
@@ -14703,7 +13938,7 @@
             <a:pPr marL="284163" indent="-284163" algn="just">
               <a:buNone/>
             </a:pPr>
-            <a:endParaRPr lang="en-US" sz="2600" dirty="0" smtClean="0">
+            <a:endParaRPr lang="en-US" sz="2600" dirty="0">
               <a:latin typeface="Book Antiqua" pitchFamily="18" charset="0"/>
             </a:endParaRPr>
           </a:p>
@@ -14711,33 +13946,24 @@
             <a:pPr marL="284163" indent="-284163" algn="just">
               <a:buNone/>
             </a:pPr>
-            <a:endParaRPr lang="en-US" sz="2600" dirty="0" smtClean="0">
+            <a:endParaRPr lang="en-US" sz="2600" dirty="0">
               <a:latin typeface="Book Antiqua" pitchFamily="18" charset="0"/>
             </a:endParaRPr>
           </a:p>
           <a:p>
             <a:pPr marL="284163" indent="-284163" algn="just"/>
-            <a:endParaRPr lang="en-US" sz="2600" dirty="0" smtClean="0">
+            <a:endParaRPr lang="en-US" sz="2600" dirty="0">
               <a:latin typeface="Book Antiqua" pitchFamily="18" charset="0"/>
             </a:endParaRPr>
           </a:p>
           <a:p>
             <a:pPr marL="284163" indent="-284163" algn="just"/>
             <a:r>
-              <a:rPr lang="en-US" sz="2600" dirty="0" smtClean="0">
-                <a:latin typeface="Book Antiqua" pitchFamily="18" charset="0"/>
-              </a:rPr>
-              <a:t>Leaky </a:t>
-            </a:r>
-            <a:r>
               <a:rPr lang="en-US" sz="2600" dirty="0">
                 <a:latin typeface="Book Antiqua" pitchFamily="18" charset="0"/>
               </a:rPr>
-              <a:t>ReLU, is a type of activation function based on a ReLU, but it has a small slope for negative values instead of a flat slope.</a:t>
-            </a:r>
-            <a:endParaRPr lang="en-US" sz="2600" dirty="0" smtClean="0">
-              <a:latin typeface="Book Antiqua" pitchFamily="18" charset="0"/>
-            </a:endParaRPr>
+              <a:t>Leaky ReLU, is a type of activation function based on a ReLU, but it has a small slope for negative values instead of a flat slope.</a:t>
+            </a:r>
           </a:p>
         </p:txBody>
       </p:sp>
@@ -15238,7 +14464,7 @@
           <a:lstStyle/>
           <a:p>
             <a:r>
-              <a:rPr lang="en-US" smtClean="0"/>
+              <a:rPr lang="en-US"/>
               <a:t>Prepared By: Arjun Saud        Neural Network:M.Sc. CSIT I</a:t>
             </a:r>
             <a:endParaRPr lang="en-US" dirty="0"/>
@@ -15365,12 +14591,12 @@
           <a:graphicData uri="http://schemas.openxmlformats.org/presentationml/2006/ole">
             <mc:AlternateContent xmlns:mc="http://schemas.openxmlformats.org/markup-compatibility/2006">
               <mc:Choice xmlns:v="urn:schemas-microsoft-com:vml" Requires="v">
-                <p:oleObj spid="_x0000_s188429" name="Equation" r:id="rId3" imgW="1447560" imgH="406080" progId="Equation.3">
+                <p:oleObj name="Equation" r:id="rId2" imgW="1447560" imgH="406080" progId="Equation.3">
                   <p:embed/>
                 </p:oleObj>
               </mc:Choice>
               <mc:Fallback>
-                <p:oleObj name="Equation" r:id="rId3" imgW="1447560" imgH="406080" progId="Equation.3">
+                <p:oleObj name="Equation" r:id="rId2" imgW="1447560" imgH="406080" progId="Equation.3">
                   <p:embed/>
                   <p:pic>
                     <p:nvPicPr>
@@ -15381,7 +14607,7 @@
                       <p:nvPr/>
                     </p:nvPicPr>
                     <p:blipFill>
-                      <a:blip r:embed="rId4"/>
+                      <a:blip r:embed="rId3"/>
                       <a:srcRect/>
                       <a:stretch>
                         <a:fillRect/>
@@ -15413,7 +14639,7 @@
           <p:nvPr/>
         </p:nvPicPr>
         <p:blipFill>
-          <a:blip r:embed="rId5"/>
+          <a:blip r:embed="rId4"/>
           <a:srcRect/>
           <a:stretch>
             <a:fillRect/>
@@ -15441,13 +14667,6 @@
     <a:masterClrMapping/>
   </p:clrMapOvr>
   <p:transition/>
-  <p:timing>
-    <p:tnLst>
-      <p:par>
-        <p:cTn id="1" dur="indefinite" restart="never" nodeType="tmRoot"/>
-      </p:par>
-    </p:tnLst>
-  </p:timing>
 </p:sld>
 </file>
 
@@ -15486,7 +14705,7 @@
           <a:lstStyle/>
           <a:p>
             <a:r>
-              <a:rPr lang="en-US" altLang="en-US" sz="3600" b="1" dirty="0" smtClean="0">
+              <a:rPr lang="en-US" altLang="en-US" sz="3600" b="1" dirty="0">
                 <a:latin typeface="Book Antiqua" pitchFamily="18" charset="0"/>
               </a:rPr>
               <a:t>Activation Functions</a:t>
@@ -15520,7 +14739,7 @@
               <a:buNone/>
             </a:pPr>
             <a:r>
-              <a:rPr lang="en-US" sz="2600" b="1" u="sng" dirty="0" smtClean="0">
+              <a:rPr lang="en-US" sz="2600" b="1" u="sng" dirty="0">
                 <a:latin typeface="Book Antiqua" pitchFamily="18" charset="0"/>
               </a:rPr>
               <a:t>Softmax Activation Function</a:t>
@@ -15530,7 +14749,7 @@
             <a:pPr marL="284163" indent="-284163" algn="just">
               <a:buNone/>
             </a:pPr>
-            <a:endParaRPr lang="en-US" sz="2600" dirty="0" smtClean="0">
+            <a:endParaRPr lang="en-US" sz="2600" dirty="0">
               <a:latin typeface="Book Antiqua" pitchFamily="18" charset="0"/>
             </a:endParaRPr>
           </a:p>
@@ -15538,7 +14757,7 @@
             <a:pPr marL="284163" indent="-284163" algn="just">
               <a:buNone/>
             </a:pPr>
-            <a:endParaRPr lang="en-US" sz="2600" dirty="0" smtClean="0">
+            <a:endParaRPr lang="en-US" sz="2600" dirty="0">
               <a:latin typeface="Book Antiqua" pitchFamily="18" charset="0"/>
             </a:endParaRPr>
           </a:p>
@@ -15546,7 +14765,7 @@
             <a:pPr marL="284163" indent="-284163" algn="just">
               <a:buNone/>
             </a:pPr>
-            <a:endParaRPr lang="en-US" sz="2600" dirty="0" smtClean="0">
+            <a:endParaRPr lang="en-US" sz="2600" dirty="0">
               <a:latin typeface="Book Antiqua" pitchFamily="18" charset="0"/>
             </a:endParaRPr>
           </a:p>
@@ -15556,25 +14775,7 @@
               <a:rPr lang="en-US" sz="2600" dirty="0">
                 <a:latin typeface="Book Antiqua" pitchFamily="18" charset="0"/>
               </a:rPr>
-              <a:t>Softmax is fundamentally a vector function. It takes a vector </a:t>
-            </a:r>
-            <a:r>
-              <a:rPr lang="en-US" sz="2600" dirty="0" smtClean="0">
-                <a:latin typeface="Book Antiqua" pitchFamily="18" charset="0"/>
-              </a:rPr>
-              <a:t>as </a:t>
-            </a:r>
-            <a:r>
-              <a:rPr lang="en-US" sz="2600" dirty="0">
-                <a:latin typeface="Book Antiqua" pitchFamily="18" charset="0"/>
-              </a:rPr>
-              <a:t>input and produces a vector as output</a:t>
-            </a:r>
-            <a:r>
-              <a:rPr lang="en-US" sz="2600" dirty="0" smtClean="0">
-                <a:latin typeface="Book Antiqua" pitchFamily="18" charset="0"/>
-              </a:rPr>
-              <a:t>.</a:t>
+              <a:t>Softmax is fundamentally a vector function. It takes a vector as input and produces a vector as output.</a:t>
             </a:r>
           </a:p>
           <a:p>
@@ -15583,19 +14784,7 @@
               <a:rPr lang="en-US" sz="2400" dirty="0">
                 <a:latin typeface="Book Antiqua" pitchFamily="18" charset="0"/>
               </a:rPr>
-              <a:t>The Softmax function also squashes the outputs of each unit to be between 0 and 1. But it also divides each output such that the total sum of the outputs is equal to 1</a:t>
-            </a:r>
-            <a:r>
-              <a:rPr lang="en-US" sz="2400" dirty="0" smtClean="0">
-                <a:latin typeface="Book Antiqua" pitchFamily="18" charset="0"/>
-              </a:rPr>
-              <a:t>. The </a:t>
-            </a:r>
-            <a:r>
-              <a:rPr lang="en-US" sz="2400" dirty="0">
-                <a:latin typeface="Book Antiqua" pitchFamily="18" charset="0"/>
-              </a:rPr>
-              <a:t>output of the Softmax function tells you the probability that any of the classes are true</a:t>
+              <a:t>The Softmax function also squashes the outputs of each unit to be between 0 and 1. But it also divides each output such that the total sum of the outputs is equal to 1. The output of the Softmax function tells you the probability that any of the classes are true</a:t>
             </a:r>
             <a:r>
               <a:rPr lang="en-US" sz="2400" dirty="0"/>
@@ -16110,7 +15299,7 @@
           <a:lstStyle/>
           <a:p>
             <a:r>
-              <a:rPr lang="en-US" smtClean="0"/>
+              <a:rPr lang="en-US"/>
               <a:t>Prepared By: Arjun Saud        Neural Network:M.Sc. CSIT I</a:t>
             </a:r>
             <a:endParaRPr lang="en-US" dirty="0"/>
@@ -16231,12 +15420,12 @@
           <a:graphicData uri="http://schemas.openxmlformats.org/presentationml/2006/ole">
             <mc:AlternateContent xmlns:mc="http://schemas.openxmlformats.org/markup-compatibility/2006">
               <mc:Choice xmlns:v="urn:schemas-microsoft-com:vml" Requires="v">
-                <p:oleObj spid="_x0000_s189450" name="Equation" r:id="rId3" imgW="2006280" imgH="647640" progId="Equation.3">
+                <p:oleObj name="Equation" r:id="rId2" imgW="2006280" imgH="647640" progId="Equation.3">
                   <p:embed/>
                 </p:oleObj>
               </mc:Choice>
               <mc:Fallback>
-                <p:oleObj name="Equation" r:id="rId3" imgW="2006280" imgH="647640" progId="Equation.3">
+                <p:oleObj name="Equation" r:id="rId2" imgW="2006280" imgH="647640" progId="Equation.3">
                   <p:embed/>
                   <p:pic>
                     <p:nvPicPr>
@@ -16247,7 +15436,7 @@
                       <p:nvPr/>
                     </p:nvPicPr>
                     <p:blipFill>
-                      <a:blip r:embed="rId4">
+                      <a:blip r:embed="rId3">
                         <a:extLst>
                           <a:ext uri="{28A0092B-C50C-407E-A947-70E740481C1C}">
                             <a14:useLocalDpi xmlns:a14="http://schemas.microsoft.com/office/drawing/2010/main" val="0"/>
@@ -16294,7 +15483,7 @@
           <p:nvPr/>
         </p:nvPicPr>
         <p:blipFill>
-          <a:blip r:embed="rId5"/>
+          <a:blip r:embed="rId4"/>
           <a:srcRect/>
           <a:stretch>
             <a:fillRect/>
@@ -16322,13 +15511,6 @@
     <a:masterClrMapping/>
   </p:clrMapOvr>
   <p:transition/>
-  <p:timing>
-    <p:tnLst>
-      <p:par>
-        <p:cTn id="1" dur="indefinite" restart="never" nodeType="tmRoot"/>
-      </p:par>
-    </p:tnLst>
-  </p:timing>
 </p:sld>
 </file>
 
@@ -16367,14 +15549,11 @@
           <a:lstStyle/>
           <a:p>
             <a:r>
-              <a:rPr lang="en-US" b="1" dirty="0" smtClean="0">
+              <a:rPr lang="en-US" b="1" dirty="0">
                 <a:latin typeface="Book Antiqua" pitchFamily="18" charset="0"/>
               </a:rPr>
               <a:t>Structures of Neural Network</a:t>
             </a:r>
-            <a:endParaRPr lang="en-US" b="1" dirty="0">
-              <a:latin typeface="Book Antiqua" pitchFamily="18" charset="0"/>
-            </a:endParaRPr>
           </a:p>
         </p:txBody>
       </p:sp>
@@ -16402,19 +15581,10 @@
           <a:p>
             <a:pPr algn="just"/>
             <a:r>
-              <a:rPr lang="en-US" sz="2400" dirty="0" smtClean="0">
+              <a:rPr lang="en-US" sz="2400" dirty="0">
                 <a:latin typeface="Book Antiqua" pitchFamily="18" charset="0"/>
               </a:rPr>
               <a:t>The manner in which neurons of a neural network are structured is called neural network architecture. Broadly, we can divide neural network architectures or structures into three categories. </a:t>
-            </a:r>
-          </a:p>
-          <a:p>
-            <a:pPr lvl="1" algn="just"/>
-            <a:r>
-              <a:rPr lang="en-US" sz="2200" dirty="0" smtClean="0">
-                <a:latin typeface="Book Antiqua" pitchFamily="18" charset="0"/>
-              </a:rPr>
-              <a:t>Single-Layer Feedforward Networks</a:t>
             </a:r>
           </a:p>
           <a:p>
@@ -16423,26 +15593,26 @@
               <a:rPr lang="en-US" sz="2200" dirty="0">
                 <a:latin typeface="Book Antiqua" pitchFamily="18" charset="0"/>
               </a:rPr>
-              <a:t>Multi-Layer </a:t>
-            </a:r>
-            <a:r>
-              <a:rPr lang="en-US" sz="2200" dirty="0" smtClean="0">
+              <a:t>Single-Layer Feedforward Networks</a:t>
+            </a:r>
+          </a:p>
+          <a:p>
+            <a:pPr lvl="1" algn="just"/>
+            <a:r>
+              <a:rPr lang="en-US" sz="2200" dirty="0">
                 <a:latin typeface="Book Antiqua" pitchFamily="18" charset="0"/>
               </a:rPr>
-              <a:t>Feedforward Networks</a:t>
+              <a:t>Multi-Layer Feedforward Networks</a:t>
             </a:r>
           </a:p>
           <a:p>
             <a:pPr lvl="1" algn="just"/>
             <a:r>
-              <a:rPr lang="en-US" sz="2200" dirty="0" smtClean="0">
+              <a:rPr lang="en-US" sz="2200" dirty="0">
                 <a:latin typeface="Book Antiqua" pitchFamily="18" charset="0"/>
               </a:rPr>
               <a:t>Recurrent Networks</a:t>
             </a:r>
-            <a:endParaRPr lang="en-US" sz="2200" dirty="0">
-              <a:latin typeface="Book Antiqua" pitchFamily="18" charset="0"/>
-            </a:endParaRPr>
           </a:p>
         </p:txBody>
       </p:sp>
@@ -16486,10 +15656,9 @@
           <a:lstStyle/>
           <a:p>
             <a:r>
-              <a:rPr lang="en-US" smtClean="0"/>
+              <a:rPr lang="en-US"/>
               <a:t>Prepared By: Arjun Saud        Neural Network:M.Sc. CSIT I</a:t>
             </a:r>
-            <a:endParaRPr lang="en-US"/>
           </a:p>
         </p:txBody>
       </p:sp>
@@ -16499,13 +15668,6 @@
     <a:masterClrMapping/>
   </p:clrMapOvr>
   <p:transition/>
-  <p:timing>
-    <p:tnLst>
-      <p:par>
-        <p:cTn id="1" dur="indefinite" restart="never" nodeType="tmRoot"/>
-      </p:par>
-    </p:tnLst>
-  </p:timing>
 </p:sld>
 </file>
 
@@ -16600,7 +15762,7 @@
               <a:buNone/>
             </a:pPr>
             <a:r>
-              <a:rPr lang="en-US" sz="2600" b="1" u="sng" dirty="0" smtClean="0">
+              <a:rPr lang="en-US" sz="2600" b="1" u="sng" dirty="0">
                 <a:latin typeface="Book Antiqua" pitchFamily="18" charset="0"/>
               </a:rPr>
               <a:t>Single-Layer Feedforward Networks</a:t>
@@ -16608,93 +15770,36 @@
           </a:p>
           <a:p>
             <a:pPr algn="just"/>
-            <a:r>
-              <a:rPr lang="en-US" sz="2400" dirty="0" smtClean="0">
-                <a:latin typeface="Book Antiqua" panose="02040602050305030304" pitchFamily="18" charset="0"/>
-              </a:rPr>
-              <a:t>It is </a:t>
-            </a:r>
             <a:r>
               <a:rPr lang="en-US" sz="2400" dirty="0">
                 <a:latin typeface="Book Antiqua" panose="02040602050305030304" pitchFamily="18" charset="0"/>
               </a:rPr>
-              <a:t>the </a:t>
-            </a:r>
-            <a:r>
-              <a:rPr lang="en-US" sz="2400" dirty="0" smtClean="0">
+              <a:t>It is the simplest form of a network architecture. In this architecture we have an </a:t>
+            </a:r>
+            <a:r>
+              <a:rPr lang="en-US" sz="2400" i="1" dirty="0">
                 <a:latin typeface="Book Antiqua" panose="02040602050305030304" pitchFamily="18" charset="0"/>
               </a:rPr>
-              <a:t>simplest form </a:t>
+              <a:t>input layer </a:t>
             </a:r>
             <a:r>
               <a:rPr lang="en-US" sz="2400" dirty="0">
                 <a:latin typeface="Book Antiqua" panose="02040602050305030304" pitchFamily="18" charset="0"/>
               </a:rPr>
-              <a:t>of a </a:t>
-            </a:r>
-            <a:r>
-              <a:rPr lang="en-US" sz="2400" dirty="0" smtClean="0">
+              <a:t>of source nodes that are connected directly with an </a:t>
+            </a:r>
+            <a:r>
+              <a:rPr lang="en-US" sz="2400" i="1" dirty="0">
                 <a:latin typeface="Book Antiqua" panose="02040602050305030304" pitchFamily="18" charset="0"/>
               </a:rPr>
-              <a:t>network architecture. In this architecture we </a:t>
+              <a:t>output layer </a:t>
             </a:r>
             <a:r>
               <a:rPr lang="en-US" sz="2400" dirty="0">
                 <a:latin typeface="Book Antiqua" panose="02040602050305030304" pitchFamily="18" charset="0"/>
               </a:rPr>
-              <a:t>have an </a:t>
-            </a:r>
-            <a:r>
-              <a:rPr lang="en-US" sz="2400" i="1" dirty="0">
-                <a:latin typeface="Book Antiqua" panose="02040602050305030304" pitchFamily="18" charset="0"/>
-              </a:rPr>
-              <a:t>input layer </a:t>
-            </a:r>
-            <a:r>
-              <a:rPr lang="en-US" sz="2400" dirty="0">
-                <a:latin typeface="Book Antiqua" panose="02040602050305030304" pitchFamily="18" charset="0"/>
-              </a:rPr>
-              <a:t>of source nodes that </a:t>
-            </a:r>
-            <a:r>
-              <a:rPr lang="en-US" sz="2400" dirty="0" smtClean="0">
-                <a:latin typeface="Book Antiqua" panose="02040602050305030304" pitchFamily="18" charset="0"/>
-              </a:rPr>
-              <a:t>are connected directly with </a:t>
-            </a:r>
-            <a:r>
-              <a:rPr lang="en-US" sz="2400" dirty="0">
-                <a:latin typeface="Book Antiqua" panose="02040602050305030304" pitchFamily="18" charset="0"/>
-              </a:rPr>
-              <a:t>an </a:t>
-            </a:r>
-            <a:r>
-              <a:rPr lang="en-US" sz="2400" i="1" dirty="0">
-                <a:latin typeface="Book Antiqua" panose="02040602050305030304" pitchFamily="18" charset="0"/>
-              </a:rPr>
-              <a:t>output layer </a:t>
-            </a:r>
-            <a:r>
-              <a:rPr lang="en-US" sz="2400" dirty="0">
-                <a:latin typeface="Book Antiqua" panose="02040602050305030304" pitchFamily="18" charset="0"/>
-              </a:rPr>
-              <a:t>of </a:t>
-            </a:r>
-            <a:r>
-              <a:rPr lang="en-US" sz="2400" dirty="0" smtClean="0">
-                <a:latin typeface="Book Antiqua" panose="02040602050305030304" pitchFamily="18" charset="0"/>
-              </a:rPr>
-              <a:t>neurons (</a:t>
-            </a:r>
-            <a:r>
-              <a:rPr lang="en-US" sz="2400" dirty="0">
-                <a:latin typeface="Book Antiqua" panose="02040602050305030304" pitchFamily="18" charset="0"/>
-              </a:rPr>
-              <a:t>computation nodes), but not vice versa.</a:t>
-            </a:r>
-            <a:endParaRPr lang="en-US" sz="2400" dirty="0" smtClean="0">
-              <a:latin typeface="Book Antiqua" pitchFamily="18" charset="0"/>
-            </a:endParaRPr>
+              <a:t>of neurons (computation nodes), but not vice versa.</a:t>
+            </a:r>
           </a:p>
         </p:txBody>
       </p:sp>
@@ -16738,10 +15843,9 @@
           <a:lstStyle/>
           <a:p>
             <a:r>
-              <a:rPr lang="en-US" dirty="0" smtClean="0"/>
+              <a:rPr lang="en-US" dirty="0"/>
               <a:t>Prepared By: Arjun Saud        Neural Network: M.Sc. CSIT I</a:t>
             </a:r>
-            <a:endParaRPr lang="en-US" dirty="0"/>
           </a:p>
         </p:txBody>
       </p:sp>
@@ -16756,13 +15860,6 @@
     <a:masterClrMapping/>
   </p:clrMapOvr>
   <p:transition/>
-  <p:timing>
-    <p:tnLst>
-      <p:par>
-        <p:cTn id="1" dur="indefinite" restart="never" nodeType="tmRoot"/>
-      </p:par>
-    </p:tnLst>
-  </p:timing>
 </p:sld>
 </file>
 
@@ -16799,14 +15896,11 @@
           <a:lstStyle/>
           <a:p>
             <a:r>
-              <a:rPr lang="en-US" b="1" dirty="0" smtClean="0">
+              <a:rPr lang="en-US" b="1" dirty="0">
                 <a:latin typeface="Book Antiqua" pitchFamily="18" charset="0"/>
               </a:rPr>
               <a:t>What is ANN?</a:t>
             </a:r>
-            <a:endParaRPr lang="en-US" b="1" dirty="0">
-              <a:latin typeface="Book Antiqua" pitchFamily="18" charset="0"/>
-            </a:endParaRPr>
           </a:p>
         </p:txBody>
       </p:sp>
@@ -16834,7 +15928,7 @@
           <a:p>
             <a:pPr algn="just"/>
             <a:r>
-              <a:rPr lang="en-US" sz="2400" dirty="0" smtClean="0">
+              <a:rPr lang="en-US" sz="2400" dirty="0">
                 <a:latin typeface="Book Antiqua" pitchFamily="18" charset="0"/>
               </a:rPr>
               <a:t>Human can perform the task much faster than the fastest digital computers that exists todays. This is possible due to parallel computation of neurons interconnected with each other.</a:t>
@@ -16843,89 +15937,26 @@
           <a:p>
             <a:pPr algn="just"/>
             <a:r>
-              <a:rPr lang="en-US" sz="2400" dirty="0" smtClean="0">
+              <a:rPr lang="en-US" sz="2400" dirty="0">
                 <a:latin typeface="Book Antiqua" pitchFamily="18" charset="0"/>
               </a:rPr>
               <a:t>Thus we can define ANN as </a:t>
             </a:r>
             <a:r>
-              <a:rPr lang="en-US" sz="2400" i="1" dirty="0" smtClean="0">
+              <a:rPr lang="en-US" sz="2400" i="1" dirty="0">
                 <a:latin typeface="Book Antiqua" pitchFamily="18" charset="0"/>
               </a:rPr>
-              <a:t>“It is </a:t>
-            </a:r>
-            <a:r>
-              <a:rPr lang="en-US" sz="2400" i="1" dirty="0">
-                <a:latin typeface="Book Antiqua" panose="02040602050305030304" pitchFamily="18" charset="0"/>
-              </a:rPr>
-              <a:t>a massively parallel distributed </a:t>
-            </a:r>
-            <a:r>
-              <a:rPr lang="en-US" sz="2400" i="1" dirty="0" smtClean="0">
-                <a:latin typeface="Book Antiqua" panose="02040602050305030304" pitchFamily="18" charset="0"/>
-              </a:rPr>
-              <a:t>processing system </a:t>
-            </a:r>
-            <a:r>
-              <a:rPr lang="en-US" sz="2400" i="1" dirty="0">
-                <a:latin typeface="Book Antiqua" panose="02040602050305030304" pitchFamily="18" charset="0"/>
-              </a:rPr>
-              <a:t>made up of simple </a:t>
-            </a:r>
-            <a:r>
-              <a:rPr lang="en-US" sz="2400" i="1" dirty="0" smtClean="0">
-                <a:latin typeface="Book Antiqua" panose="02040602050305030304" pitchFamily="18" charset="0"/>
-              </a:rPr>
-              <a:t>processing units </a:t>
-            </a:r>
-            <a:r>
-              <a:rPr lang="en-US" sz="2400" i="1" dirty="0">
-                <a:latin typeface="Book Antiqua" panose="02040602050305030304" pitchFamily="18" charset="0"/>
-              </a:rPr>
-              <a:t>that has </a:t>
-            </a:r>
-            <a:r>
-              <a:rPr lang="en-US" sz="2400" i="1" dirty="0" smtClean="0">
-                <a:latin typeface="Book Antiqua" panose="02040602050305030304" pitchFamily="18" charset="0"/>
-              </a:rPr>
-              <a:t>capability of storing </a:t>
-            </a:r>
-            <a:r>
-              <a:rPr lang="en-US" sz="2400" i="1" dirty="0">
-                <a:latin typeface="Book Antiqua" panose="02040602050305030304" pitchFamily="18" charset="0"/>
-              </a:rPr>
-              <a:t>experiential knowledge and making it </a:t>
-            </a:r>
-            <a:r>
-              <a:rPr lang="en-US" sz="2400" i="1" dirty="0" smtClean="0">
-                <a:latin typeface="Book Antiqua" panose="02040602050305030304" pitchFamily="18" charset="0"/>
-              </a:rPr>
-              <a:t>available for </a:t>
-            </a:r>
-            <a:r>
-              <a:rPr lang="en-US" sz="2400" i="1" dirty="0">
-                <a:latin typeface="Book Antiqua" panose="02040602050305030304" pitchFamily="18" charset="0"/>
-              </a:rPr>
-              <a:t>use</a:t>
-            </a:r>
-            <a:r>
-              <a:rPr lang="en-US" sz="2400" i="1" dirty="0" smtClean="0">
-                <a:latin typeface="Book Antiqua" panose="02040602050305030304" pitchFamily="18" charset="0"/>
-              </a:rPr>
-              <a:t>.” </a:t>
+              <a:t>“It is a massively parallel distributed processing system made up of simple processing units that has capability of storing experiential knowledge and making it available for use.” </a:t>
             </a:r>
           </a:p>
           <a:p>
             <a:pPr algn="just"/>
             <a:r>
-              <a:rPr lang="en-US" sz="2400" dirty="0" smtClean="0">
+              <a:rPr lang="en-US" sz="2400" dirty="0">
                 <a:latin typeface="Book Antiqua" pitchFamily="18" charset="0"/>
               </a:rPr>
               <a:t>ANNs perform useful computations through the process of learning by using some algorithm.</a:t>
             </a:r>
-            <a:endParaRPr lang="en-US" sz="2400" dirty="0">
-              <a:latin typeface="Book Antiqua" pitchFamily="18" charset="0"/>
-            </a:endParaRPr>
           </a:p>
         </p:txBody>
       </p:sp>
@@ -16969,10 +16000,9 @@
           <a:lstStyle/>
           <a:p>
             <a:r>
-              <a:rPr lang="en-US" smtClean="0"/>
+              <a:rPr lang="en-US"/>
               <a:t>Prepared By: Arjun Saud        Neural Network:M.Sc. CSIT I</a:t>
             </a:r>
-            <a:endParaRPr lang="en-US"/>
           </a:p>
         </p:txBody>
       </p:sp>
@@ -16982,13 +16012,6 @@
     <a:masterClrMapping/>
   </p:clrMapOvr>
   <p:transition/>
-  <p:timing>
-    <p:tnLst>
-      <p:par>
-        <p:cTn id="1" dur="indefinite" restart="never" nodeType="tmRoot"/>
-      </p:par>
-    </p:tnLst>
-  </p:timing>
 </p:sld>
 </file>
 
@@ -17049,14 +16072,11 @@
           <a:lstStyle/>
           <a:p>
             <a:r>
-              <a:rPr lang="en-US" b="1" dirty="0" smtClean="0">
+              <a:rPr lang="en-US" b="1" dirty="0">
                 <a:latin typeface="Book Antiqua" pitchFamily="18" charset="0"/>
               </a:rPr>
               <a:t>Neural Network Architectures</a:t>
             </a:r>
-            <a:endParaRPr lang="en-US" b="1" dirty="0">
-              <a:latin typeface="Book Antiqua" pitchFamily="18" charset="0"/>
-            </a:endParaRPr>
           </a:p>
         </p:txBody>
       </p:sp>
@@ -17086,7 +16106,7 @@
               <a:buNone/>
             </a:pPr>
             <a:r>
-              <a:rPr lang="en-US" sz="2600" b="1" u="sng" dirty="0" smtClean="0">
+              <a:rPr lang="en-US" sz="2600" b="1" u="sng" dirty="0">
                 <a:latin typeface="Book Antiqua" pitchFamily="18" charset="0"/>
               </a:rPr>
               <a:t>Multi-Layer Feedforward Networks</a:t>
@@ -17095,7 +16115,7 @@
           <a:p>
             <a:pPr algn="just"/>
             <a:r>
-              <a:rPr lang="en-US" sz="2200" dirty="0" smtClean="0">
+              <a:rPr lang="en-US" sz="2200" dirty="0">
                 <a:latin typeface="Book Antiqua" pitchFamily="18" charset="0"/>
               </a:rPr>
               <a:t>In this type of network architecture, one or more hidden layers are present between input and output layers. These layers are not directly visible and information only flows in the direction of input to output layer. This type of network is designed to extract higher order statistics from input.</a:t>
@@ -17103,7 +16123,7 @@
           </a:p>
           <a:p>
             <a:pPr algn="just"/>
-            <a:endParaRPr lang="en-US" sz="2400" dirty="0" smtClean="0">
+            <a:endParaRPr lang="en-US" sz="2400" dirty="0">
               <a:latin typeface="Book Antiqua" pitchFamily="18" charset="0"/>
             </a:endParaRPr>
           </a:p>
@@ -17149,10 +16169,9 @@
           <a:lstStyle/>
           <a:p>
             <a:r>
-              <a:rPr lang="en-US" smtClean="0"/>
+              <a:rPr lang="en-US"/>
               <a:t>Prepared By: Arjun Saud        Neural Network:M.Sc. CSIT I</a:t>
             </a:r>
-            <a:endParaRPr lang="en-US"/>
           </a:p>
         </p:txBody>
       </p:sp>
@@ -17167,13 +16186,6 @@
     <a:masterClrMapping/>
   </p:clrMapOvr>
   <p:transition/>
-  <p:timing>
-    <p:tnLst>
-      <p:par>
-        <p:cTn id="1" dur="indefinite" restart="never" nodeType="tmRoot"/>
-      </p:par>
-    </p:tnLst>
-  </p:timing>
 </p:sld>
 </file>
 
@@ -17234,14 +16246,11 @@
           <a:lstStyle/>
           <a:p>
             <a:r>
-              <a:rPr lang="en-US" b="1" dirty="0" smtClean="0">
+              <a:rPr lang="en-US" b="1" dirty="0">
                 <a:latin typeface="Book Antiqua" pitchFamily="18" charset="0"/>
               </a:rPr>
               <a:t>Neural Network Architectures</a:t>
             </a:r>
-            <a:endParaRPr lang="en-US" b="1" dirty="0">
-              <a:latin typeface="Book Antiqua" pitchFamily="18" charset="0"/>
-            </a:endParaRPr>
           </a:p>
         </p:txBody>
       </p:sp>
@@ -17271,7 +16280,7 @@
               <a:buNone/>
             </a:pPr>
             <a:r>
-              <a:rPr lang="en-US" sz="2600" b="1" u="sng" dirty="0" smtClean="0">
+              <a:rPr lang="en-US" sz="2600" b="1" u="sng" dirty="0">
                 <a:latin typeface="Book Antiqua" pitchFamily="18" charset="0"/>
               </a:rPr>
               <a:t>Recurrent Networks</a:t>
@@ -17280,7 +16289,7 @@
           <a:p>
             <a:pPr algn="just"/>
             <a:r>
-              <a:rPr lang="en-US" sz="2200" dirty="0" smtClean="0">
+              <a:rPr lang="en-US" sz="2200" dirty="0">
                 <a:latin typeface="Book Antiqua" pitchFamily="18" charset="0"/>
               </a:rPr>
               <a:t>This class of networks are also referred ad feedback neural networks. This type of network architecture may contain feedback loop that can feed output of neuron as input to neurons of previous layers.</a:t>
@@ -17288,13 +16297,13 @@
           </a:p>
           <a:p>
             <a:pPr algn="just"/>
-            <a:endParaRPr lang="en-US" sz="2200" dirty="0" smtClean="0">
+            <a:endParaRPr lang="en-US" sz="2200" dirty="0">
               <a:latin typeface="Book Antiqua" pitchFamily="18" charset="0"/>
             </a:endParaRPr>
           </a:p>
           <a:p>
             <a:pPr algn="just"/>
-            <a:endParaRPr lang="en-US" sz="2400" dirty="0" smtClean="0">
+            <a:endParaRPr lang="en-US" sz="2400" dirty="0">
               <a:latin typeface="Book Antiqua" pitchFamily="18" charset="0"/>
             </a:endParaRPr>
           </a:p>
@@ -17340,10 +16349,9 @@
           <a:lstStyle/>
           <a:p>
             <a:r>
-              <a:rPr lang="en-US" smtClean="0"/>
+              <a:rPr lang="en-US"/>
               <a:t>Prepared By: Arjun Saud        Neural Network:M.Sc. CSIT I</a:t>
             </a:r>
-            <a:endParaRPr lang="en-US"/>
           </a:p>
         </p:txBody>
       </p:sp>
@@ -17358,13 +16366,6 @@
     <a:masterClrMapping/>
   </p:clrMapOvr>
   <p:transition/>
-  <p:timing>
-    <p:tnLst>
-      <p:par>
-        <p:cTn id="1" dur="indefinite" restart="never" nodeType="tmRoot"/>
-      </p:par>
-    </p:tnLst>
-  </p:timing>
 </p:sld>
 </file>
 
@@ -17442,7 +16443,7 @@
               </a:spcAft>
             </a:pPr>
             <a:r>
-              <a:rPr lang="en-US" sz="1000" dirty="0" smtClean="0">
+              <a:rPr lang="en-US" sz="1000" dirty="0">
                 <a:latin typeface="Book Antiqua" panose="02040602050305030304" pitchFamily="18" charset="0"/>
                 <a:ea typeface="Calibri" panose="020F0502020204030204" pitchFamily="34" charset="0"/>
                 <a:cs typeface="Times New Roman" panose="02020603050405020304" pitchFamily="18" charset="0"/>
@@ -17514,7 +16515,7 @@
               </a:spcAft>
             </a:pPr>
             <a:r>
-              <a:rPr lang="en-US" sz="1000" dirty="0" smtClean="0">
+              <a:rPr lang="en-US" sz="1000" dirty="0">
                 <a:effectLst/>
                 <a:latin typeface="Book Antiqua" panose="02040602050305030304" pitchFamily="18" charset="0"/>
                 <a:ea typeface="Calibri" panose="020F0502020204030204" pitchFamily="34" charset="0"/>
@@ -17546,14 +16547,11 @@
           <a:lstStyle/>
           <a:p>
             <a:r>
-              <a:rPr lang="en-US" b="1" dirty="0" smtClean="0">
+              <a:rPr lang="en-US" b="1" dirty="0">
                 <a:latin typeface="Book Antiqua" pitchFamily="18" charset="0"/>
               </a:rPr>
               <a:t>Neural Network Architectures</a:t>
             </a:r>
-            <a:endParaRPr lang="en-US" b="1" dirty="0">
-              <a:latin typeface="Book Antiqua" pitchFamily="18" charset="0"/>
-            </a:endParaRPr>
           </a:p>
         </p:txBody>
       </p:sp>
@@ -17583,19 +16581,19 @@
               <a:buNone/>
             </a:pPr>
             <a:r>
-              <a:rPr lang="en-US" sz="2400" b="1" u="sng" dirty="0" smtClean="0">
+              <a:rPr lang="en-US" sz="2400" b="1" u="sng" dirty="0">
                 <a:latin typeface="Book Antiqua" pitchFamily="18" charset="0"/>
               </a:rPr>
               <a:t>Example:</a:t>
             </a:r>
             <a:r>
-              <a:rPr lang="en-US" sz="2400" dirty="0" smtClean="0">
+              <a:rPr lang="en-US" sz="2400" dirty="0">
                 <a:latin typeface="Book Antiqua" pitchFamily="18" charset="0"/>
               </a:rPr>
               <a:t> </a:t>
             </a:r>
             <a:r>
-              <a:rPr lang="en-US" sz="2400" i="1" dirty="0" smtClean="0">
+              <a:rPr lang="en-US" sz="2400" i="1" dirty="0">
                 <a:latin typeface="Book Antiqua" pitchFamily="18" charset="0"/>
               </a:rPr>
               <a:t>Consider following Neural Network and compute its output using activation function F(x)=2x-1. Weights of synaptic links  are provided above each link.</a:t>
@@ -17613,7 +16611,7 @@
             <a:pPr marL="0" indent="0" algn="just">
               <a:buNone/>
             </a:pPr>
-            <a:endParaRPr lang="en-US" sz="2400" i="1" dirty="0" smtClean="0">
+            <a:endParaRPr lang="en-US" sz="2400" i="1" dirty="0">
               <a:latin typeface="Book Antiqua" pitchFamily="18" charset="0"/>
             </a:endParaRPr>
           </a:p>
@@ -17629,7 +16627,7 @@
             <a:pPr marL="0" indent="0" algn="just">
               <a:buNone/>
             </a:pPr>
-            <a:endParaRPr lang="en-US" sz="2400" i="1" dirty="0" smtClean="0">
+            <a:endParaRPr lang="en-US" sz="2400" i="1" dirty="0">
               <a:latin typeface="Book Antiqua" pitchFamily="18" charset="0"/>
             </a:endParaRPr>
           </a:p>
@@ -17638,7 +16636,7 @@
               <a:buNone/>
             </a:pPr>
             <a:r>
-              <a:rPr lang="en-US" sz="2400" b="1" i="1" u="sng" dirty="0" smtClean="0">
+              <a:rPr lang="en-US" sz="2400" b="1" i="1" u="sng" dirty="0">
                 <a:latin typeface="Book Antiqua" pitchFamily="18" charset="0"/>
               </a:rPr>
               <a:t>For Node 1</a:t>
@@ -17649,7 +16647,7 @@
               <a:buNone/>
             </a:pPr>
             <a:r>
-              <a:rPr lang="en-US" sz="2400" b="1" i="1" dirty="0" smtClean="0">
+              <a:rPr lang="en-US" sz="2400" b="1" i="1" dirty="0">
                 <a:latin typeface="Book Antiqua" pitchFamily="18" charset="0"/>
               </a:rPr>
               <a:t>u1=2*0.8+3*1=4.6	=&gt;	y1=f(u1)=2*4.6-1=8.2</a:t>
@@ -17660,7 +16658,7 @@
               <a:buNone/>
             </a:pPr>
             <a:r>
-              <a:rPr lang="en-US" sz="2400" b="1" i="1" u="sng" dirty="0" smtClean="0">
+              <a:rPr lang="en-US" sz="2400" b="1" i="1" u="sng" dirty="0">
                 <a:latin typeface="Book Antiqua" pitchFamily="18" charset="0"/>
               </a:rPr>
               <a:t>For Node 2</a:t>
@@ -17671,32 +16669,17 @@
               <a:buNone/>
             </a:pPr>
             <a:r>
-              <a:rPr lang="en-US" sz="2400" b="1" i="1" dirty="0" smtClean="0">
-                <a:latin typeface="Book Antiqua" pitchFamily="18" charset="0"/>
-              </a:rPr>
-              <a:t>u2=2*0.4+3*0.6=2.6</a:t>
-            </a:r>
-            <a:r>
               <a:rPr lang="en-US" sz="2400" b="1" i="1" dirty="0">
                 <a:latin typeface="Book Antiqua" pitchFamily="18" charset="0"/>
               </a:rPr>
-              <a:t>	=&gt;	</a:t>
-            </a:r>
-            <a:r>
-              <a:rPr lang="en-US" sz="2400" b="1" i="1" dirty="0" smtClean="0">
-                <a:latin typeface="Book Antiqua" pitchFamily="18" charset="0"/>
-              </a:rPr>
-              <a:t>y2=f(u2)=4.2</a:t>
-            </a:r>
-            <a:endParaRPr lang="en-US" sz="2400" b="1" i="1" dirty="0">
-              <a:latin typeface="Book Antiqua" pitchFamily="18" charset="0"/>
-            </a:endParaRPr>
+              <a:t>u2=2*0.4+3*0.6=2.6	=&gt;	y2=f(u2)=4.2</a:t>
+            </a:r>
           </a:p>
           <a:p>
             <a:pPr marL="0" indent="0" algn="just">
               <a:buNone/>
             </a:pPr>
-            <a:endParaRPr lang="en-US" sz="2400" b="1" i="1" dirty="0" smtClean="0">
+            <a:endParaRPr lang="en-US" sz="2400" b="1" i="1" dirty="0">
               <a:latin typeface="Book Antiqua" pitchFamily="18" charset="0"/>
             </a:endParaRPr>
           </a:p>
@@ -19286,10 +18269,9 @@
           <a:lstStyle/>
           <a:p>
             <a:r>
-              <a:rPr lang="en-US" smtClean="0"/>
+              <a:rPr lang="en-US"/>
               <a:t>Prepared By: Arjun Saud        Neural Network:M.Sc. CSIT I</a:t>
             </a:r>
-            <a:endParaRPr lang="en-US"/>
           </a:p>
         </p:txBody>
       </p:sp>
@@ -19304,13 +18286,6 @@
     <a:masterClrMapping/>
   </p:clrMapOvr>
   <p:transition/>
-  <p:timing>
-    <p:tnLst>
-      <p:par>
-        <p:cTn id="1" dur="indefinite" restart="never" nodeType="tmRoot"/>
-      </p:par>
-    </p:tnLst>
-  </p:timing>
 </p:sld>
 </file>
 
@@ -19347,14 +18322,11 @@
           <a:lstStyle/>
           <a:p>
             <a:r>
-              <a:rPr lang="en-US" b="1" dirty="0" smtClean="0">
+              <a:rPr lang="en-US" b="1" dirty="0">
                 <a:latin typeface="Book Antiqua" pitchFamily="18" charset="0"/>
               </a:rPr>
               <a:t>Neural Network Architectures</a:t>
             </a:r>
-            <a:endParaRPr lang="en-US" b="1" dirty="0">
-              <a:latin typeface="Book Antiqua" pitchFamily="18" charset="0"/>
-            </a:endParaRPr>
           </a:p>
         </p:txBody>
       </p:sp>
@@ -19384,7 +18356,7 @@
               <a:buNone/>
             </a:pPr>
             <a:r>
-              <a:rPr lang="en-US" sz="2400" b="1" i="1" u="sng" dirty="0" smtClean="0">
+              <a:rPr lang="en-US" sz="2400" b="1" i="1" u="sng" dirty="0">
                 <a:latin typeface="Book Antiqua" pitchFamily="18" charset="0"/>
               </a:rPr>
               <a:t>For Node 3</a:t>
@@ -19395,7 +18367,7 @@
               <a:buNone/>
             </a:pPr>
             <a:r>
-              <a:rPr lang="en-US" sz="2400" b="1" i="1" dirty="0" smtClean="0">
+              <a:rPr lang="en-US" sz="2400" b="1" i="1" dirty="0">
                 <a:latin typeface="Book Antiqua" pitchFamily="18" charset="0"/>
               </a:rPr>
               <a:t>u3=8.2*1.2+4.2*0.4=11.51			=&gt;y3=f(u3)=22.04</a:t>
@@ -19406,7 +18378,7 @@
               <a:buNone/>
             </a:pPr>
             <a:r>
-              <a:rPr lang="en-US" sz="2400" b="1" i="1" u="sng" dirty="0" smtClean="0">
+              <a:rPr lang="en-US" sz="2400" b="1" i="1" u="sng" dirty="0">
                 <a:latin typeface="Book Antiqua" pitchFamily="18" charset="0"/>
               </a:rPr>
               <a:t>For Node 4</a:t>
@@ -19417,22 +18389,10 @@
               <a:buNone/>
             </a:pPr>
             <a:r>
-              <a:rPr lang="en-US" sz="2400" b="1" i="1" dirty="0" smtClean="0">
-                <a:latin typeface="Book Antiqua" pitchFamily="18" charset="0"/>
-              </a:rPr>
-              <a:t>u4=8.2*0.7+4.2*0.5=7.84</a:t>
-            </a:r>
-            <a:r>
               <a:rPr lang="en-US" sz="2400" b="1" i="1" dirty="0">
                 <a:latin typeface="Book Antiqua" pitchFamily="18" charset="0"/>
               </a:rPr>
-              <a:t>	</a:t>
-            </a:r>
-            <a:r>
-              <a:rPr lang="en-US" sz="2400" b="1" i="1" dirty="0" smtClean="0">
-                <a:latin typeface="Book Antiqua" pitchFamily="18" charset="0"/>
-              </a:rPr>
-              <a:t>		=&gt;y4=f(u4)=14.68</a:t>
+              <a:t>u4=8.2*0.7+4.2*0.5=7.84			=&gt;y4=f(u4)=14.68</a:t>
             </a:r>
           </a:p>
           <a:p>
@@ -19443,39 +18403,18 @@
               <a:rPr lang="en-US" sz="2400" b="1" i="1" u="sng" dirty="0">
                 <a:latin typeface="Book Antiqua" pitchFamily="18" charset="0"/>
               </a:rPr>
-              <a:t>For Node </a:t>
-            </a:r>
-            <a:r>
-              <a:rPr lang="en-US" sz="2400" b="1" i="1" u="sng" dirty="0" smtClean="0">
-                <a:latin typeface="Book Antiqua" pitchFamily="18" charset="0"/>
-              </a:rPr>
-              <a:t>5</a:t>
-            </a:r>
-            <a:endParaRPr lang="en-US" sz="2400" b="1" i="1" u="sng" dirty="0">
-              <a:latin typeface="Book Antiqua" pitchFamily="18" charset="0"/>
-            </a:endParaRPr>
+              <a:t>For Node 5</a:t>
+            </a:r>
           </a:p>
           <a:p>
             <a:pPr marL="0" indent="0" algn="just">
               <a:buNone/>
             </a:pPr>
             <a:r>
-              <a:rPr lang="en-US" sz="2400" b="1" i="1" dirty="0" smtClean="0">
-                <a:latin typeface="Book Antiqua" pitchFamily="18" charset="0"/>
-              </a:rPr>
-              <a:t>u5=22.04*1.5+14.68*0.5=40.4</a:t>
-            </a:r>
-            <a:r>
               <a:rPr lang="en-US" sz="2400" b="1" i="1" dirty="0">
                 <a:latin typeface="Book Antiqua" pitchFamily="18" charset="0"/>
               </a:rPr>
-              <a:t>	</a:t>
-            </a:r>
-            <a:r>
-              <a:rPr lang="en-US" sz="2400" b="1" i="1" dirty="0" smtClean="0">
-                <a:latin typeface="Book Antiqua" pitchFamily="18" charset="0"/>
-              </a:rPr>
-              <a:t>	=&gt; y5=f(u5)=79.8</a:t>
+              <a:t>u5=22.04*1.5+14.68*0.5=40.4		=&gt; y5=f(u5)=79.8</a:t>
             </a:r>
           </a:p>
           <a:p>
@@ -19491,7 +18430,7 @@
               <a:buNone/>
             </a:pPr>
             <a:r>
-              <a:rPr lang="en-US" sz="2400" b="1" u="sng" dirty="0" smtClean="0">
+              <a:rPr lang="en-US" sz="2400" b="1" u="sng" dirty="0">
                 <a:latin typeface="Book Antiqua" pitchFamily="18" charset="0"/>
               </a:rPr>
               <a:t>Thus,</a:t>
@@ -19502,14 +18441,11 @@
               <a:buNone/>
             </a:pPr>
             <a:r>
-              <a:rPr lang="en-US" sz="2400" b="1" dirty="0" smtClean="0">
+              <a:rPr lang="en-US" sz="2400" b="1" dirty="0">
                 <a:latin typeface="Book Antiqua" pitchFamily="18" charset="0"/>
               </a:rPr>
               <a:t>	Final output of the neural network (y)=79.8 </a:t>
             </a:r>
-            <a:endParaRPr lang="en-US" sz="2400" b="1" dirty="0">
-              <a:latin typeface="Book Antiqua" pitchFamily="18" charset="0"/>
-            </a:endParaRPr>
           </a:p>
           <a:p>
             <a:pPr marL="0" indent="0" algn="just">
@@ -19523,7 +18459,7 @@
             <a:pPr marL="0" indent="0" algn="just">
               <a:buNone/>
             </a:pPr>
-            <a:endParaRPr lang="en-US" sz="2400" b="1" i="1" dirty="0" smtClean="0">
+            <a:endParaRPr lang="en-US" sz="2400" b="1" i="1" dirty="0">
               <a:latin typeface="Book Antiqua" pitchFamily="18" charset="0"/>
             </a:endParaRPr>
           </a:p>
@@ -19569,10 +18505,9 @@
           <a:lstStyle/>
           <a:p>
             <a:r>
-              <a:rPr lang="en-US" smtClean="0"/>
+              <a:rPr lang="en-US"/>
               <a:t>Prepared By: Arjun Saud        Neural Network:M.Sc. CSIT I</a:t>
             </a:r>
-            <a:endParaRPr lang="en-US"/>
           </a:p>
         </p:txBody>
       </p:sp>
@@ -19587,13 +18522,6 @@
     <a:masterClrMapping/>
   </p:clrMapOvr>
   <p:transition/>
-  <p:timing>
-    <p:tnLst>
-      <p:par>
-        <p:cTn id="1" dur="indefinite" restart="never" nodeType="tmRoot"/>
-      </p:par>
-    </p:tnLst>
-  </p:timing>
 </p:sld>
 </file>
 
@@ -19630,14 +18558,11 @@
           <a:lstStyle/>
           <a:p>
             <a:r>
-              <a:rPr lang="en-US" b="1" dirty="0" smtClean="0">
+              <a:rPr lang="en-US" b="1" dirty="0">
                 <a:latin typeface="Book Antiqua" pitchFamily="18" charset="0"/>
               </a:rPr>
               <a:t>Learning Principles</a:t>
             </a:r>
-            <a:endParaRPr lang="en-US" b="1" dirty="0">
-              <a:latin typeface="Book Antiqua" pitchFamily="18" charset="0"/>
-            </a:endParaRPr>
           </a:p>
         </p:txBody>
       </p:sp>
@@ -19665,7 +18590,7 @@
           <a:p>
             <a:pPr algn="just"/>
             <a:r>
-              <a:rPr lang="en-US" sz="2400" dirty="0" smtClean="0">
+              <a:rPr lang="en-US" sz="2400" dirty="0">
                 <a:latin typeface="Book Antiqua" pitchFamily="18" charset="0"/>
               </a:rPr>
               <a:t>Neural networks learns from its environment. Broadly, we cam categorize learning principles in neural networks into two categories.</a:t>
@@ -19674,7 +18599,7 @@
           <a:p>
             <a:pPr lvl="1" algn="just"/>
             <a:r>
-              <a:rPr lang="en-US" sz="2200" dirty="0" smtClean="0">
+              <a:rPr lang="en-US" sz="2200" dirty="0">
                 <a:latin typeface="Book Antiqua" pitchFamily="18" charset="0"/>
               </a:rPr>
               <a:t>Learning with Teacher</a:t>
@@ -19683,7 +18608,7 @@
           <a:p>
             <a:pPr lvl="1" algn="just"/>
             <a:r>
-              <a:rPr lang="en-US" sz="2200" dirty="0" smtClean="0">
+              <a:rPr lang="en-US" sz="2200" dirty="0">
                 <a:latin typeface="Book Antiqua" pitchFamily="18" charset="0"/>
               </a:rPr>
               <a:t>Learning without Teacher</a:t>
@@ -19731,10 +18656,9 @@
           <a:lstStyle/>
           <a:p>
             <a:r>
-              <a:rPr lang="en-US" smtClean="0"/>
+              <a:rPr lang="en-US"/>
               <a:t>Prepared By: Arjun Saud        Neural Network:M.Sc. CSIT I</a:t>
             </a:r>
-            <a:endParaRPr lang="en-US"/>
           </a:p>
         </p:txBody>
       </p:sp>
@@ -19749,13 +18673,6 @@
     <a:masterClrMapping/>
   </p:clrMapOvr>
   <p:transition/>
-  <p:timing>
-    <p:tnLst>
-      <p:par>
-        <p:cTn id="1" dur="indefinite" restart="never" nodeType="tmRoot"/>
-      </p:par>
-    </p:tnLst>
-  </p:timing>
 </p:sld>
 </file>
 
@@ -19826,7 +18743,7 @@
               <a:buNone/>
             </a:pPr>
             <a:r>
-              <a:rPr lang="en-US" sz="2600" b="1" u="sng" dirty="0" smtClean="0">
+              <a:rPr lang="en-US" sz="2600" b="1" u="sng" dirty="0">
                 <a:latin typeface="Book Antiqua" pitchFamily="18" charset="0"/>
               </a:rPr>
               <a:t>Learning with Teacher</a:t>
@@ -19834,47 +18751,29 @@
           </a:p>
           <a:p>
             <a:pPr algn="just"/>
-            <a:r>
-              <a:rPr lang="en-US" sz="2400" dirty="0" smtClean="0">
-                <a:latin typeface="Book Antiqua" pitchFamily="18" charset="0"/>
-              </a:rPr>
-              <a:t>It is also called supervised learning. In this learning paradigm, </a:t>
-            </a:r>
             <a:r>
               <a:rPr lang="en-US" sz="2400" dirty="0">
                 <a:latin typeface="Book Antiqua" pitchFamily="18" charset="0"/>
               </a:rPr>
-              <a:t>we present examples of correct input-output pairs </a:t>
-            </a:r>
-            <a:r>
-              <a:rPr lang="en-US" sz="2400" dirty="0" smtClean="0">
-                <a:latin typeface="Book Antiqua" pitchFamily="18" charset="0"/>
-              </a:rPr>
-              <a:t>to </a:t>
-            </a:r>
+              <a:t>It is also called supervised learning. In this learning paradigm, we present examples of correct input-output pairs to the neural network during the training phase. </a:t>
+            </a:r>
+          </a:p>
+          <a:p>
+            <a:pPr algn="just"/>
             <a:r>
               <a:rPr lang="en-US" sz="2400" dirty="0">
                 <a:latin typeface="Book Antiqua" pitchFamily="18" charset="0"/>
               </a:rPr>
-              <a:t>the neural network during the training phase. </a:t>
-            </a:r>
-            <a:endParaRPr lang="en-US" sz="2400" dirty="0" smtClean="0">
-              <a:latin typeface="Book Antiqua" pitchFamily="18" charset="0"/>
-            </a:endParaRPr>
+              <a:t>This training set of examples is equivalent to the teacher for the neural network. During the training of ANN under supervised learning, the ANN takes input vector and computes output vector. </a:t>
+            </a:r>
           </a:p>
           <a:p>
             <a:pPr algn="just"/>
-            <a:r>
-              <a:rPr lang="en-US" sz="2400" dirty="0" smtClean="0">
-                <a:latin typeface="Book Antiqua" pitchFamily="18" charset="0"/>
-              </a:rPr>
-              <a:t>This training set of examples is equivalent to the teacher for the neural network. During </a:t>
-            </a:r>
             <a:r>
               <a:rPr lang="en-US" sz="2400" dirty="0">
                 <a:latin typeface="Book Antiqua" pitchFamily="18" charset="0"/>
               </a:rPr>
-              <a:t>the training of ANN under supervised learning, the ANN takes input vector and computes output vector. </a:t>
+              <a:t>An error signal is generated, if there is a difference between the computed output and the desired output vector. On the basis of this error signal, the weights are adjusted until the actual output is matched with the desired output.</a:t>
             </a:r>
           </a:p>
           <a:p>
@@ -19883,36 +18782,9 @@
               <a:rPr lang="en-US" sz="2400" dirty="0">
                 <a:latin typeface="Book Antiqua" pitchFamily="18" charset="0"/>
               </a:rPr>
-              <a:t>An error signal is generated, if there is a difference between the </a:t>
-            </a:r>
-            <a:r>
-              <a:rPr lang="en-US" sz="2400" dirty="0" smtClean="0">
-                <a:latin typeface="Book Antiqua" pitchFamily="18" charset="0"/>
-              </a:rPr>
-              <a:t>computed </a:t>
-            </a:r>
-            <a:r>
-              <a:rPr lang="en-US" sz="2400" dirty="0">
-                <a:latin typeface="Book Antiqua" pitchFamily="18" charset="0"/>
-              </a:rPr>
-              <a:t>output and the desired output vector. On the basis of this error signal, the weights are adjusted until the actual output is matched with the desired output</a:t>
-            </a:r>
-            <a:r>
-              <a:rPr lang="en-US" sz="2400" dirty="0" smtClean="0">
-                <a:latin typeface="Book Antiqua" pitchFamily="18" charset="0"/>
-              </a:rPr>
-              <a:t>.</a:t>
-            </a:r>
-          </a:p>
-          <a:p>
-            <a:pPr algn="just"/>
-            <a:r>
-              <a:rPr lang="en-US" sz="2400" dirty="0" smtClean="0">
-                <a:latin typeface="Book Antiqua" pitchFamily="18" charset="0"/>
-              </a:rPr>
               <a:t>This form of learning is called error correction learning.</a:t>
             </a:r>
-            <a:endParaRPr lang="en-US" sz="2600" dirty="0" smtClean="0">
+            <a:endParaRPr lang="en-US" sz="2600" dirty="0">
               <a:latin typeface="Book Antiqua" pitchFamily="18" charset="0"/>
             </a:endParaRPr>
           </a:p>
@@ -19958,10 +18830,9 @@
           <a:lstStyle/>
           <a:p>
             <a:r>
-              <a:rPr lang="en-US" smtClean="0"/>
+              <a:rPr lang="en-US"/>
               <a:t>Prepared By: Arjun Saud        Neural Network:M.Sc. CSIT I</a:t>
             </a:r>
-            <a:endParaRPr lang="en-US"/>
           </a:p>
         </p:txBody>
       </p:sp>
@@ -19976,13 +18847,6 @@
     <a:masterClrMapping/>
   </p:clrMapOvr>
   <p:transition/>
-  <p:timing>
-    <p:tnLst>
-      <p:par>
-        <p:cTn id="1" dur="indefinite" restart="never" nodeType="tmRoot"/>
-      </p:par>
-    </p:tnLst>
-  </p:timing>
 </p:sld>
 </file>
 
@@ -20053,7 +18917,7 @@
               <a:buNone/>
             </a:pPr>
             <a:r>
-              <a:rPr lang="en-US" sz="2600" b="1" u="sng" dirty="0" smtClean="0">
+              <a:rPr lang="en-US" sz="2600" b="1" u="sng" dirty="0">
                 <a:latin typeface="Book Antiqua" pitchFamily="18" charset="0"/>
               </a:rPr>
               <a:t>Learning with Teacher</a:t>
@@ -20071,7 +18935,7 @@
             <a:pPr marL="57150" indent="0" algn="just">
               <a:buNone/>
             </a:pPr>
-            <a:endParaRPr lang="en-US" sz="2600" b="1" u="sng" dirty="0" smtClean="0">
+            <a:endParaRPr lang="en-US" sz="2600" b="1" u="sng" dirty="0">
               <a:latin typeface="Book Antiqua" pitchFamily="18" charset="0"/>
             </a:endParaRPr>
           </a:p>
@@ -20087,7 +18951,7 @@
             <a:pPr marL="57150" indent="0" algn="just">
               <a:buNone/>
             </a:pPr>
-            <a:endParaRPr lang="en-US" sz="2600" b="1" u="sng" dirty="0" smtClean="0">
+            <a:endParaRPr lang="en-US" sz="2600" b="1" u="sng" dirty="0">
               <a:latin typeface="Book Antiqua" pitchFamily="18" charset="0"/>
             </a:endParaRPr>
           </a:p>
@@ -20103,7 +18967,7 @@
             <a:pPr marL="57150" indent="0" algn="just">
               <a:buNone/>
             </a:pPr>
-            <a:endParaRPr lang="en-US" sz="2600" b="1" u="sng" dirty="0" smtClean="0">
+            <a:endParaRPr lang="en-US" sz="2600" b="1" u="sng" dirty="0">
               <a:latin typeface="Book Antiqua" pitchFamily="18" charset="0"/>
             </a:endParaRPr>
           </a:p>
@@ -20140,13 +19004,13 @@
             <a:pPr marL="57150" indent="0" algn="just">
               <a:buNone/>
             </a:pPr>
-            <a:endParaRPr lang="en-US" sz="2600" b="1" u="sng" dirty="0" smtClean="0">
+            <a:endParaRPr lang="en-US" sz="2600" b="1" u="sng" dirty="0">
               <a:latin typeface="Book Antiqua" pitchFamily="18" charset="0"/>
             </a:endParaRPr>
           </a:p>
           <a:p>
             <a:pPr algn="just"/>
-            <a:endParaRPr lang="en-US" sz="2600" dirty="0" smtClean="0">
+            <a:endParaRPr lang="en-US" sz="2600" dirty="0">
               <a:latin typeface="Book Antiqua" pitchFamily="18" charset="0"/>
             </a:endParaRPr>
           </a:p>
@@ -20218,10 +19082,9 @@
           <a:lstStyle/>
           <a:p>
             <a:r>
-              <a:rPr lang="en-US" smtClean="0"/>
+              <a:rPr lang="en-US"/>
               <a:t>Prepared By: Arjun Saud        Neural Network:M.Sc. CSIT I</a:t>
             </a:r>
-            <a:endParaRPr lang="en-US"/>
           </a:p>
         </p:txBody>
       </p:sp>
@@ -20236,13 +19099,6 @@
     <a:masterClrMapping/>
   </p:clrMapOvr>
   <p:transition/>
-  <p:timing>
-    <p:tnLst>
-      <p:par>
-        <p:cTn id="1" dur="indefinite" restart="never" nodeType="tmRoot"/>
-      </p:par>
-    </p:tnLst>
-  </p:timing>
 </p:sld>
 </file>
 
@@ -20313,7 +19169,7 @@
               <a:buNone/>
             </a:pPr>
             <a:r>
-              <a:rPr lang="en-US" sz="2600" b="1" u="sng" dirty="0" smtClean="0">
+              <a:rPr lang="en-US" sz="2600" b="1" u="sng" dirty="0">
                 <a:latin typeface="Book Antiqua" pitchFamily="18" charset="0"/>
               </a:rPr>
               <a:t>Learning without Teacher</a:t>
@@ -20322,7 +19178,7 @@
           <a:p>
             <a:pPr algn="just"/>
             <a:r>
-              <a:rPr lang="en-US" sz="2400" dirty="0" smtClean="0">
+              <a:rPr lang="en-US" sz="2400" dirty="0">
                 <a:latin typeface="Book Antiqua" pitchFamily="18" charset="0"/>
               </a:rPr>
               <a:t>In this learning paradigm, we do not provide training set to the neural network to teach it about mapping between input and output.</a:t>
@@ -20331,7 +19187,7 @@
           <a:p>
             <a:pPr algn="just"/>
             <a:r>
-              <a:rPr lang="en-US" sz="2400" dirty="0" smtClean="0">
+              <a:rPr lang="en-US" sz="2400" dirty="0">
                 <a:latin typeface="Book Antiqua" pitchFamily="18" charset="0"/>
               </a:rPr>
               <a:t>There are two types of learning processes under this learning paradigm.</a:t>
@@ -20340,7 +19196,7 @@
           <a:p>
             <a:pPr lvl="1" algn="just"/>
             <a:r>
-              <a:rPr lang="en-US" sz="2200" dirty="0" smtClean="0">
+              <a:rPr lang="en-US" sz="2200" dirty="0">
                 <a:latin typeface="Book Antiqua" pitchFamily="18" charset="0"/>
               </a:rPr>
               <a:t>Unsupervised Learning</a:t>
@@ -20349,7 +19205,7 @@
           <a:p>
             <a:pPr lvl="1" algn="just"/>
             <a:r>
-              <a:rPr lang="en-US" sz="2200" dirty="0" smtClean="0">
+              <a:rPr lang="en-US" sz="2200" dirty="0">
                 <a:latin typeface="Book Antiqua" pitchFamily="18" charset="0"/>
               </a:rPr>
               <a:t>Reinforcement Learning	</a:t>
@@ -20357,7 +19213,7 @@
           </a:p>
           <a:p>
             <a:pPr algn="just"/>
-            <a:endParaRPr lang="en-US" sz="2600" dirty="0" smtClean="0">
+            <a:endParaRPr lang="en-US" sz="2600" dirty="0">
               <a:latin typeface="Book Antiqua" pitchFamily="18" charset="0"/>
             </a:endParaRPr>
           </a:p>
@@ -20403,10 +19259,9 @@
           <a:lstStyle/>
           <a:p>
             <a:r>
-              <a:rPr lang="en-US" smtClean="0"/>
+              <a:rPr lang="en-US"/>
               <a:t>Prepared By: Arjun Saud        Neural Network:M.Sc. CSIT I</a:t>
             </a:r>
-            <a:endParaRPr lang="en-US"/>
           </a:p>
         </p:txBody>
       </p:sp>
@@ -20421,13 +19276,6 @@
     <a:masterClrMapping/>
   </p:clrMapOvr>
   <p:transition/>
-  <p:timing>
-    <p:tnLst>
-      <p:par>
-        <p:cTn id="1" dur="indefinite" restart="never" nodeType="tmRoot"/>
-      </p:par>
-    </p:tnLst>
-  </p:timing>
 </p:sld>
 </file>
 
@@ -20498,7 +19346,7 @@
               <a:buNone/>
             </a:pPr>
             <a:r>
-              <a:rPr lang="en-US" sz="2600" b="1" u="sng" dirty="0" smtClean="0">
+              <a:rPr lang="en-US" sz="2600" b="1" u="sng" dirty="0">
                 <a:latin typeface="Book Antiqua" pitchFamily="18" charset="0"/>
               </a:rPr>
               <a:t>Unsupervised Learning</a:t>
@@ -20519,32 +19367,23 @@
               <a:rPr lang="en-US" sz="2400" dirty="0">
                 <a:latin typeface="Book Antiqua" pitchFamily="18" charset="0"/>
               </a:rPr>
-              <a:t>The neural network then attempts to find structure in the data by extracting useful features and analyzing its structure</a:t>
-            </a:r>
-            <a:r>
-              <a:rPr lang="en-US" sz="2400" dirty="0" smtClean="0">
+              <a:t>The neural network then attempts to find structure in the data by extracting useful features and analyzing its structure.</a:t>
+            </a:r>
+          </a:p>
+          <a:p>
+            <a:pPr algn="just"/>
+            <a:r>
+              <a:rPr lang="en-US" sz="2400" dirty="0">
                 <a:latin typeface="Book Antiqua" pitchFamily="18" charset="0"/>
               </a:rPr>
-              <a:t>.</a:t>
-            </a:r>
-          </a:p>
-          <a:p>
-            <a:pPr algn="just"/>
-            <a:r>
-              <a:rPr lang="en-US" sz="2400" dirty="0" smtClean="0">
-                <a:latin typeface="Book Antiqua" pitchFamily="18" charset="0"/>
-              </a:rPr>
               <a:t>To perform this type of learning, we use competitive learning rule.</a:t>
             </a:r>
-            <a:endParaRPr lang="en-US" sz="2400" dirty="0">
-              <a:latin typeface="Book Antiqua" pitchFamily="18" charset="0"/>
-            </a:endParaRPr>
           </a:p>
           <a:p>
             <a:pPr marL="0" indent="0" algn="just">
               <a:buNone/>
             </a:pPr>
-            <a:endParaRPr lang="en-US" sz="2600" dirty="0" smtClean="0">
+            <a:endParaRPr lang="en-US" sz="2600" dirty="0">
               <a:latin typeface="Book Antiqua" pitchFamily="18" charset="0"/>
             </a:endParaRPr>
           </a:p>
@@ -20552,7 +19391,7 @@
             <a:pPr marL="0" indent="0" algn="just">
               <a:buNone/>
             </a:pPr>
-            <a:endParaRPr lang="en-US" sz="2600" b="1" u="sng" dirty="0" smtClean="0">
+            <a:endParaRPr lang="en-US" sz="2600" b="1" u="sng" dirty="0">
               <a:latin typeface="Book Antiqua" pitchFamily="18" charset="0"/>
             </a:endParaRPr>
           </a:p>
@@ -20598,10 +19437,9 @@
           <a:lstStyle/>
           <a:p>
             <a:r>
-              <a:rPr lang="en-US" smtClean="0"/>
+              <a:rPr lang="en-US"/>
               <a:t>Prepared By: Arjun Saud        Neural Network:M.Sc. CSIT I</a:t>
             </a:r>
-            <a:endParaRPr lang="en-US"/>
           </a:p>
         </p:txBody>
       </p:sp>
@@ -20616,13 +19454,6 @@
     <a:masterClrMapping/>
   </p:clrMapOvr>
   <p:transition/>
-  <p:timing>
-    <p:tnLst>
-      <p:par>
-        <p:cTn id="1" dur="indefinite" restart="never" nodeType="tmRoot"/>
-      </p:par>
-    </p:tnLst>
-  </p:timing>
 </p:sld>
 </file>
 
@@ -20693,17 +19524,11 @@
               <a:buNone/>
             </a:pPr>
             <a:r>
-              <a:rPr lang="en-US" sz="2600" b="1" u="sng" dirty="0" smtClean="0">
+              <a:rPr lang="en-US" sz="2600" b="1" u="sng" dirty="0">
                 <a:latin typeface="Book Antiqua" pitchFamily="18" charset="0"/>
               </a:rPr>
               <a:t>Unsupervised Learning</a:t>
             </a:r>
-          </a:p>
-          <a:p>
-            <a:pPr algn="just"/>
-            <a:endParaRPr lang="en-US" sz="2400" dirty="0" smtClean="0">
-              <a:latin typeface="Book Antiqua" pitchFamily="18" charset="0"/>
-            </a:endParaRPr>
           </a:p>
           <a:p>
             <a:pPr algn="just"/>
@@ -20713,7 +19538,7 @@
           </a:p>
           <a:p>
             <a:pPr algn="just"/>
-            <a:endParaRPr lang="en-US" sz="2400" dirty="0" smtClean="0">
+            <a:endParaRPr lang="en-US" sz="2400" dirty="0">
               <a:latin typeface="Book Antiqua" pitchFamily="18" charset="0"/>
             </a:endParaRPr>
           </a:p>
@@ -20725,6 +19550,12 @@
           </a:p>
           <a:p>
             <a:pPr algn="just"/>
+            <a:endParaRPr lang="en-US" sz="2400" dirty="0">
+              <a:latin typeface="Book Antiqua" pitchFamily="18" charset="0"/>
+            </a:endParaRPr>
+          </a:p>
+          <a:p>
+            <a:pPr algn="just"/>
             <a:r>
               <a:rPr lang="en-US" sz="2400" dirty="0">
                 <a:latin typeface="Book Antiqua" pitchFamily="18" charset="0"/>
@@ -20735,19 +19566,7 @@
               <a:rPr lang="en-US" sz="2400" i="1" dirty="0">
                 <a:latin typeface="Book Antiqua" pitchFamily="18" charset="0"/>
               </a:rPr>
-              <a:t>clustering, </a:t>
-            </a:r>
-            <a:r>
-              <a:rPr lang="en-US" sz="2400" i="1" dirty="0" smtClean="0">
-                <a:latin typeface="Book Antiqua" pitchFamily="18" charset="0"/>
-              </a:rPr>
-              <a:t>dimensionality </a:t>
-            </a:r>
-            <a:r>
-              <a:rPr lang="en-US" sz="2400" i="1" dirty="0">
-                <a:latin typeface="Book Antiqua" pitchFamily="18" charset="0"/>
-              </a:rPr>
-              <a:t>reduction, association mining etc.</a:t>
+              <a:t>clustering, dimensionality reduction, association mining etc.</a:t>
             </a:r>
             <a:endParaRPr lang="en-US" sz="2400" dirty="0">
               <a:latin typeface="Book Antiqua" pitchFamily="18" charset="0"/>
@@ -20763,7 +19582,7 @@
             <a:pPr marL="0" indent="0" algn="just">
               <a:buNone/>
             </a:pPr>
-            <a:endParaRPr lang="en-US" sz="2600" dirty="0" smtClean="0">
+            <a:endParaRPr lang="en-US" sz="2600" dirty="0">
               <a:latin typeface="Book Antiqua" pitchFamily="18" charset="0"/>
             </a:endParaRPr>
           </a:p>
@@ -20771,7 +19590,7 @@
             <a:pPr marL="0" indent="0" algn="just">
               <a:buNone/>
             </a:pPr>
-            <a:endParaRPr lang="en-US" sz="2600" b="1" u="sng" dirty="0" smtClean="0">
+            <a:endParaRPr lang="en-US" sz="2600" b="1" u="sng" dirty="0">
               <a:latin typeface="Book Antiqua" pitchFamily="18" charset="0"/>
             </a:endParaRPr>
           </a:p>
@@ -20843,10 +19662,9 @@
           <a:lstStyle/>
           <a:p>
             <a:r>
-              <a:rPr lang="en-US" smtClean="0"/>
+              <a:rPr lang="en-US"/>
               <a:t>Prepared By: Arjun Saud        Neural Network:M.Sc. CSIT I</a:t>
             </a:r>
-            <a:endParaRPr lang="en-US"/>
           </a:p>
         </p:txBody>
       </p:sp>
@@ -20861,13 +19679,6 @@
     <a:masterClrMapping/>
   </p:clrMapOvr>
   <p:transition/>
-  <p:timing>
-    <p:tnLst>
-      <p:par>
-        <p:cTn id="1" dur="indefinite" restart="never" nodeType="tmRoot"/>
-      </p:par>
-    </p:tnLst>
-  </p:timing>
 </p:sld>
 </file>
 
@@ -20904,14 +19715,11 @@
           <a:lstStyle/>
           <a:p>
             <a:r>
-              <a:rPr lang="en-US" b="1" dirty="0" smtClean="0">
+              <a:rPr lang="en-US" b="1" dirty="0">
                 <a:latin typeface="Book Antiqua" pitchFamily="18" charset="0"/>
               </a:rPr>
               <a:t>Biological Neural Networks</a:t>
             </a:r>
-            <a:endParaRPr lang="en-US" b="1" dirty="0">
-              <a:latin typeface="Book Antiqua" pitchFamily="18" charset="0"/>
-            </a:endParaRPr>
           </a:p>
         </p:txBody>
       </p:sp>
@@ -20944,74 +19752,41 @@
               </a:rPr>
               <a:t>Most living creatures, which have the ability to adapt to a changing environment, need a controlling unit which is able to learn. </a:t>
             </a:r>
-            <a:endParaRPr lang="en-US" sz="2400" dirty="0" smtClean="0">
-              <a:latin typeface="Book Antiqua" panose="02040602050305030304" pitchFamily="18" charset="0"/>
-            </a:endParaRPr>
           </a:p>
           <a:p>
             <a:pPr algn="just"/>
-            <a:r>
-              <a:rPr lang="en-US" sz="2400" dirty="0" smtClean="0">
-                <a:latin typeface="Book Antiqua" panose="02040602050305030304" pitchFamily="18" charset="0"/>
-              </a:rPr>
-              <a:t>Humans have </a:t>
-            </a:r>
             <a:r>
               <a:rPr lang="en-US" sz="2400" dirty="0">
                 <a:latin typeface="Book Antiqua" panose="02040602050305030304" pitchFamily="18" charset="0"/>
               </a:rPr>
-              <a:t>very </a:t>
-            </a:r>
-            <a:r>
-              <a:rPr lang="en-US" sz="2400" dirty="0" smtClean="0">
-                <a:latin typeface="Book Antiqua" panose="02040602050305030304" pitchFamily="18" charset="0"/>
-              </a:rPr>
-              <a:t>complex </a:t>
-            </a:r>
+              <a:t>Humans have very complex networks of highly specialized neurons to perform this task.</a:t>
+            </a:r>
+          </a:p>
+          <a:p>
+            <a:pPr algn="just"/>
             <a:r>
               <a:rPr lang="en-US" sz="2400" dirty="0">
                 <a:latin typeface="Book Antiqua" panose="02040602050305030304" pitchFamily="18" charset="0"/>
               </a:rPr>
-              <a:t>networks of highly specialized neurons to perform this task.</a:t>
-            </a:r>
-          </a:p>
-          <a:p>
-            <a:pPr algn="just"/>
-            <a:r>
-              <a:rPr lang="en-US" sz="2400" dirty="0" smtClean="0">
+              <a:t>Human brain consists of a very large number of neurons, about 10</a:t>
+            </a:r>
+            <a:r>
+              <a:rPr lang="en-US" sz="2400" baseline="30000" dirty="0">
                 <a:latin typeface="Book Antiqua" panose="02040602050305030304" pitchFamily="18" charset="0"/>
               </a:rPr>
-              <a:t>Human </a:t>
+              <a:t>11</a:t>
             </a:r>
             <a:r>
               <a:rPr lang="en-US" sz="2400" dirty="0">
                 <a:latin typeface="Book Antiqua" panose="02040602050305030304" pitchFamily="18" charset="0"/>
               </a:rPr>
-              <a:t>brain consists of a very large number of neurons, about 10</a:t>
-            </a:r>
-            <a:r>
-              <a:rPr lang="en-US" sz="2400" baseline="30000" dirty="0">
-                <a:latin typeface="Book Antiqua" panose="02040602050305030304" pitchFamily="18" charset="0"/>
-              </a:rPr>
-              <a:t>11</a:t>
-            </a:r>
+              <a:t> in average. These can be seen as the basic building bricks for the central nervous system. </a:t>
+            </a:r>
+          </a:p>
+          <a:p>
+            <a:pPr algn="just"/>
             <a:r>
               <a:rPr lang="en-US" sz="2400" dirty="0">
-                <a:latin typeface="Book Antiqua" panose="02040602050305030304" pitchFamily="18" charset="0"/>
-              </a:rPr>
-              <a:t> in average. These can be seen as the basic building bricks for the central nervous </a:t>
-            </a:r>
-            <a:r>
-              <a:rPr lang="en-US" sz="2400" dirty="0" smtClean="0">
-                <a:latin typeface="Book Antiqua" panose="02040602050305030304" pitchFamily="18" charset="0"/>
-              </a:rPr>
-              <a:t>system. </a:t>
-            </a:r>
-          </a:p>
-          <a:p>
-            <a:pPr algn="just"/>
-            <a:r>
-              <a:rPr lang="en-US" sz="2400" dirty="0" smtClean="0">
                 <a:latin typeface="Book Antiqua" panose="02040602050305030304" pitchFamily="18" charset="0"/>
               </a:rPr>
               <a:t>The neurons are interconnected at points called synapses. The complexity of the brain is due to the massive number of highly interconnected simple units working in parallel, with an individual neuron receiving input from up to 10000 others.</a:t>
@@ -21065,10 +19840,9 @@
           <a:lstStyle/>
           <a:p>
             <a:r>
-              <a:rPr lang="en-US" smtClean="0"/>
+              <a:rPr lang="en-US"/>
               <a:t>Prepared By: Arjun Saud        Neural Network:M.Sc. CSIT I</a:t>
             </a:r>
-            <a:endParaRPr lang="en-US"/>
           </a:p>
         </p:txBody>
       </p:sp>
@@ -21083,13 +19857,6 @@
     <a:masterClrMapping/>
   </p:clrMapOvr>
   <p:transition/>
-  <p:timing>
-    <p:tnLst>
-      <p:par>
-        <p:cTn id="1" dur="indefinite" restart="never" nodeType="tmRoot"/>
-      </p:par>
-    </p:tnLst>
-  </p:timing>
 </p:sld>
 </file>
 
@@ -21160,7 +19927,7 @@
               <a:buNone/>
             </a:pPr>
             <a:r>
-              <a:rPr lang="en-US" sz="2600" b="1" u="sng" dirty="0" smtClean="0">
+              <a:rPr lang="en-US" sz="2600" b="1" u="sng" dirty="0">
                 <a:latin typeface="Book Antiqua" pitchFamily="18" charset="0"/>
               </a:rPr>
               <a:t>Reinforcement Learning</a:t>
@@ -21188,7 +19955,7 @@
             <a:pPr marL="0" indent="0" algn="just">
               <a:buNone/>
             </a:pPr>
-            <a:endParaRPr lang="en-US" sz="2600" dirty="0" smtClean="0">
+            <a:endParaRPr lang="en-US" sz="2600" dirty="0">
               <a:latin typeface="Book Antiqua" pitchFamily="18" charset="0"/>
             </a:endParaRPr>
           </a:p>
@@ -21196,7 +19963,7 @@
             <a:pPr marL="0" indent="0" algn="just">
               <a:buNone/>
             </a:pPr>
-            <a:endParaRPr lang="en-US" sz="2600" b="1" u="sng" dirty="0" smtClean="0">
+            <a:endParaRPr lang="en-US" sz="2600" b="1" u="sng" dirty="0">
               <a:latin typeface="Book Antiqua" pitchFamily="18" charset="0"/>
             </a:endParaRPr>
           </a:p>
@@ -21242,10 +20009,9 @@
           <a:lstStyle/>
           <a:p>
             <a:r>
-              <a:rPr lang="en-US" smtClean="0"/>
+              <a:rPr lang="en-US"/>
               <a:t>Prepared By: Arjun Saud        Neural Network:M.Sc. CSIT I</a:t>
             </a:r>
-            <a:endParaRPr lang="en-US"/>
           </a:p>
         </p:txBody>
       </p:sp>
@@ -21260,13 +20026,6 @@
     <a:masterClrMapping/>
   </p:clrMapOvr>
   <p:transition/>
-  <p:timing>
-    <p:tnLst>
-      <p:par>
-        <p:cTn id="1" dur="indefinite" restart="never" nodeType="tmRoot"/>
-      </p:par>
-    </p:tnLst>
-  </p:timing>
 </p:sld>
 </file>
 
@@ -21337,17 +20096,11 @@
               <a:buNone/>
             </a:pPr>
             <a:r>
-              <a:rPr lang="en-US" sz="2600" b="1" u="sng" dirty="0" smtClean="0">
+              <a:rPr lang="en-US" sz="2600" b="1" u="sng" dirty="0">
                 <a:latin typeface="Book Antiqua" pitchFamily="18" charset="0"/>
               </a:rPr>
               <a:t>Reinforcement Learning</a:t>
             </a:r>
-          </a:p>
-          <a:p>
-            <a:pPr algn="just"/>
-            <a:endParaRPr lang="en-US" sz="2400" dirty="0" smtClean="0">
-              <a:latin typeface="Book Antiqua" pitchFamily="18" charset="0"/>
-            </a:endParaRPr>
           </a:p>
           <a:p>
             <a:pPr algn="just"/>
@@ -21357,7 +20110,7 @@
           </a:p>
           <a:p>
             <a:pPr algn="just"/>
-            <a:endParaRPr lang="en-US" sz="2400" dirty="0" smtClean="0">
+            <a:endParaRPr lang="en-US" sz="2400" dirty="0">
               <a:latin typeface="Book Antiqua" pitchFamily="18" charset="0"/>
             </a:endParaRPr>
           </a:p>
@@ -21369,7 +20122,7 @@
           </a:p>
           <a:p>
             <a:pPr algn="just"/>
-            <a:endParaRPr lang="en-US" sz="2400" dirty="0" smtClean="0">
+            <a:endParaRPr lang="en-US" sz="2400" dirty="0">
               <a:latin typeface="Book Antiqua" pitchFamily="18" charset="0"/>
             </a:endParaRPr>
           </a:p>
@@ -21381,6 +20134,12 @@
           </a:p>
           <a:p>
             <a:pPr algn="just"/>
+            <a:endParaRPr lang="en-US" sz="2400" dirty="0">
+              <a:latin typeface="Book Antiqua" pitchFamily="18" charset="0"/>
+            </a:endParaRPr>
+          </a:p>
+          <a:p>
+            <a:pPr algn="just"/>
             <a:r>
               <a:rPr lang="en-US" sz="2400" dirty="0">
                 <a:latin typeface="Book Antiqua" pitchFamily="18" charset="0"/>
@@ -21398,7 +20157,7 @@
             <a:pPr marL="0" indent="0" algn="just">
               <a:buNone/>
             </a:pPr>
-            <a:endParaRPr lang="en-US" sz="2600" dirty="0" smtClean="0">
+            <a:endParaRPr lang="en-US" sz="2600" dirty="0">
               <a:latin typeface="Book Antiqua" pitchFamily="18" charset="0"/>
             </a:endParaRPr>
           </a:p>
@@ -21406,7 +20165,7 @@
             <a:pPr marL="0" indent="0" algn="just">
               <a:buNone/>
             </a:pPr>
-            <a:endParaRPr lang="en-US" sz="2600" b="1" u="sng" dirty="0" smtClean="0">
+            <a:endParaRPr lang="en-US" sz="2600" b="1" u="sng" dirty="0">
               <a:latin typeface="Book Antiqua" pitchFamily="18" charset="0"/>
             </a:endParaRPr>
           </a:p>
@@ -21478,10 +20237,9 @@
           <a:lstStyle/>
           <a:p>
             <a:r>
-              <a:rPr lang="en-US" smtClean="0"/>
+              <a:rPr lang="en-US"/>
               <a:t>Prepared By: Arjun Saud        Neural Network:M.Sc. CSIT I</a:t>
             </a:r>
-            <a:endParaRPr lang="en-US"/>
           </a:p>
         </p:txBody>
       </p:sp>
@@ -21496,13 +20254,6 @@
     <a:masterClrMapping/>
   </p:clrMapOvr>
   <p:transition/>
-  <p:timing>
-    <p:tnLst>
-      <p:par>
-        <p:cTn id="1" dur="indefinite" restart="never" nodeType="tmRoot"/>
-      </p:par>
-    </p:tnLst>
-  </p:timing>
 </p:sld>
 </file>
 
@@ -21539,14 +20290,11 @@
           <a:lstStyle/>
           <a:p>
             <a:r>
-              <a:rPr lang="en-US" b="1" dirty="0" smtClean="0">
+              <a:rPr lang="en-US" b="1" dirty="0">
                 <a:latin typeface="Book Antiqua" pitchFamily="18" charset="0"/>
               </a:rPr>
               <a:t>Pattern Analysis Tasks</a:t>
             </a:r>
-            <a:endParaRPr lang="en-US" b="1" dirty="0">
-              <a:latin typeface="Book Antiqua" pitchFamily="18" charset="0"/>
-            </a:endParaRPr>
           </a:p>
         </p:txBody>
       </p:sp>
@@ -21574,82 +20322,34 @@
           <a:p>
             <a:pPr algn="just"/>
             <a:r>
-              <a:rPr lang="en-US" sz="2600" dirty="0" smtClean="0">
-                <a:latin typeface="Book Antiqua" pitchFamily="18" charset="0"/>
-              </a:rPr>
-              <a:t>We can apply many learning tools and techniques in ANN. Selection </a:t>
-            </a:r>
-            <a:r>
               <a:rPr lang="en-US" sz="2600" dirty="0">
                 <a:latin typeface="Book Antiqua" pitchFamily="18" charset="0"/>
               </a:rPr>
-              <a:t>of particular learning </a:t>
-            </a:r>
-            <a:r>
-              <a:rPr lang="en-US" sz="2600" dirty="0" smtClean="0">
+              <a:t>We can apply many learning tools and techniques in ANN. Selection of particular learning tool and technique depends upon the pattern analysis task to be performed. Some of the major pattern analysis tasks are listed below.</a:t>
+            </a:r>
+          </a:p>
+          <a:p>
+            <a:pPr lvl="1" algn="just"/>
+            <a:r>
+              <a:rPr lang="en-US" sz="2200" dirty="0">
                 <a:latin typeface="Book Antiqua" pitchFamily="18" charset="0"/>
               </a:rPr>
-              <a:t>tool and technique </a:t>
-            </a:r>
-            <a:r>
-              <a:rPr lang="en-US" sz="2600" dirty="0">
+              <a:t>Classification</a:t>
+            </a:r>
+          </a:p>
+          <a:p>
+            <a:pPr lvl="1" algn="just"/>
+            <a:r>
+              <a:rPr lang="en-US" sz="2200" dirty="0">
                 <a:latin typeface="Book Antiqua" pitchFamily="18" charset="0"/>
               </a:rPr>
-              <a:t>depends upon the </a:t>
-            </a:r>
-            <a:r>
-              <a:rPr lang="en-US" sz="2600" dirty="0" smtClean="0">
-                <a:latin typeface="Book Antiqua" pitchFamily="18" charset="0"/>
-              </a:rPr>
-              <a:t>pattern analysis </a:t>
-            </a:r>
-            <a:r>
-              <a:rPr lang="en-US" sz="2600" dirty="0">
-                <a:latin typeface="Book Antiqua" pitchFamily="18" charset="0"/>
-              </a:rPr>
-              <a:t>task to be performed. Some of the major </a:t>
-            </a:r>
-            <a:r>
-              <a:rPr lang="en-US" sz="2600" dirty="0" smtClean="0">
-                <a:latin typeface="Book Antiqua" pitchFamily="18" charset="0"/>
-              </a:rPr>
-              <a:t>pattern analysis tasks </a:t>
-            </a:r>
-            <a:r>
-              <a:rPr lang="en-US" sz="2600" dirty="0">
-                <a:latin typeface="Book Antiqua" pitchFamily="18" charset="0"/>
-              </a:rPr>
-              <a:t>are listed below</a:t>
-            </a:r>
-            <a:r>
-              <a:rPr lang="en-US" sz="2600" dirty="0" smtClean="0">
-                <a:latin typeface="Book Antiqua" pitchFamily="18" charset="0"/>
-              </a:rPr>
-              <a:t>.</a:t>
+              <a:t>Regression</a:t>
             </a:r>
           </a:p>
           <a:p>
             <a:pPr lvl="1" algn="just"/>
             <a:r>
-              <a:rPr lang="en-US" sz="2200" dirty="0" smtClean="0">
-                <a:latin typeface="Book Antiqua" pitchFamily="18" charset="0"/>
-              </a:rPr>
-              <a:t>Classification</a:t>
-            </a:r>
-          </a:p>
-          <a:p>
-            <a:pPr lvl="1" algn="just"/>
-            <a:r>
-              <a:rPr lang="en-US" sz="2200" dirty="0" smtClean="0">
-                <a:latin typeface="Book Antiqua" pitchFamily="18" charset="0"/>
-              </a:rPr>
-              <a:t>Regression</a:t>
-            </a:r>
-          </a:p>
-          <a:p>
-            <a:pPr lvl="1" algn="just"/>
-            <a:r>
-              <a:rPr lang="en-US" sz="2200" dirty="0" smtClean="0">
+              <a:rPr lang="en-US" sz="2200" dirty="0">
                 <a:latin typeface="Book Antiqua" pitchFamily="18" charset="0"/>
               </a:rPr>
               <a:t>Clustering</a:t>
@@ -21697,10 +20397,9 @@
           <a:lstStyle/>
           <a:p>
             <a:r>
-              <a:rPr lang="en-US" smtClean="0"/>
+              <a:rPr lang="en-US"/>
               <a:t>Prepared By: Arjun Saud        Neural Network:M.Sc. CSIT I</a:t>
             </a:r>
-            <a:endParaRPr lang="en-US"/>
           </a:p>
         </p:txBody>
       </p:sp>
@@ -21715,13 +20414,6 @@
     <a:masterClrMapping/>
   </p:clrMapOvr>
   <p:transition/>
-  <p:timing>
-    <p:tnLst>
-      <p:par>
-        <p:cTn id="1" dur="indefinite" restart="never" nodeType="tmRoot"/>
-      </p:par>
-    </p:tnLst>
-  </p:timing>
 </p:sld>
 </file>
 
@@ -21758,14 +20450,11 @@
           <a:lstStyle/>
           <a:p>
             <a:r>
-              <a:rPr lang="en-US" b="1" dirty="0" smtClean="0">
+              <a:rPr lang="en-US" b="1" dirty="0">
                 <a:latin typeface="Book Antiqua" pitchFamily="18" charset="0"/>
               </a:rPr>
               <a:t>Pattern Analysis Tasks</a:t>
             </a:r>
-            <a:endParaRPr lang="en-US" b="1" dirty="0">
-              <a:latin typeface="Book Antiqua" pitchFamily="18" charset="0"/>
-            </a:endParaRPr>
           </a:p>
         </p:txBody>
       </p:sp>
@@ -21804,78 +20493,33 @@
           <a:p>
             <a:pPr algn="just"/>
             <a:r>
-              <a:rPr lang="en-US" sz="2400" dirty="0" smtClean="0">
-                <a:latin typeface="Book Antiqua" panose="02040602050305030304" pitchFamily="18" charset="0"/>
-              </a:rPr>
-              <a:t>Classification </a:t>
-            </a:r>
-            <a:r>
               <a:rPr lang="en-US" sz="2400" dirty="0">
                 <a:latin typeface="Book Antiqua" panose="02040602050305030304" pitchFamily="18" charset="0"/>
               </a:rPr>
-              <a:t>and </a:t>
-            </a:r>
-            <a:r>
-              <a:rPr lang="en-US" sz="2400" dirty="0" smtClean="0">
-                <a:latin typeface="Book Antiqua" panose="02040602050305030304" pitchFamily="18" charset="0"/>
-              </a:rPr>
-              <a:t>Regression </a:t>
-            </a:r>
+              <a:t>Classification and Regression are two major categories of prediction problems which are usually dealt with machine learning. </a:t>
+            </a:r>
+          </a:p>
+          <a:p>
+            <a:pPr algn="just"/>
             <a:r>
               <a:rPr lang="en-US" sz="2400" dirty="0">
                 <a:latin typeface="Book Antiqua" panose="02040602050305030304" pitchFamily="18" charset="0"/>
               </a:rPr>
-              <a:t>are two major categories of prediction problems which are usually dealt with </a:t>
-            </a:r>
-            <a:r>
-              <a:rPr lang="en-US" sz="2400" dirty="0" smtClean="0">
-                <a:latin typeface="Book Antiqua" panose="02040602050305030304" pitchFamily="18" charset="0"/>
-              </a:rPr>
-              <a:t>machine </a:t>
-            </a:r>
+              <a:t>Both of them are supervised learning approaches. Classification is the process of finding or discovering a model or function which helps to predict class label for a given data.</a:t>
+            </a:r>
+          </a:p>
+          <a:p>
+            <a:pPr algn="just"/>
             <a:r>
               <a:rPr lang="en-US" sz="2400" dirty="0">
                 <a:latin typeface="Book Antiqua" panose="02040602050305030304" pitchFamily="18" charset="0"/>
               </a:rPr>
-              <a:t>learning. </a:t>
-            </a:r>
-            <a:endParaRPr lang="en-US" sz="2400" dirty="0" smtClean="0">
-              <a:latin typeface="Book Antiqua" panose="02040602050305030304" pitchFamily="18" charset="0"/>
-            </a:endParaRPr>
+              <a:t>Regression is the process of finding a model or function which is used to predict continuous real-valued output for a given data.</a:t>
+            </a:r>
           </a:p>
           <a:p>
             <a:pPr algn="just"/>
-            <a:r>
-              <a:rPr lang="en-US" sz="2400" dirty="0" smtClean="0">
-                <a:latin typeface="Book Antiqua" panose="02040602050305030304" pitchFamily="18" charset="0"/>
-              </a:rPr>
-              <a:t>Both </a:t>
-            </a:r>
-            <a:r>
-              <a:rPr lang="en-US" sz="2400" dirty="0">
-                <a:latin typeface="Book Antiqua" panose="02040602050305030304" pitchFamily="18" charset="0"/>
-              </a:rPr>
-              <a:t>of them are supervised learning approaches. Classification is the process of finding or discovering a model or function which helps to predict class label for a given data.</a:t>
-            </a:r>
-          </a:p>
-          <a:p>
-            <a:pPr algn="just"/>
-            <a:r>
-              <a:rPr lang="en-US" sz="2400" dirty="0" smtClean="0">
-                <a:latin typeface="Book Antiqua" panose="02040602050305030304" pitchFamily="18" charset="0"/>
-              </a:rPr>
-              <a:t>Regression</a:t>
-            </a:r>
-            <a:r>
-              <a:rPr lang="en-US" sz="2400" dirty="0">
-                <a:latin typeface="Book Antiqua" panose="02040602050305030304" pitchFamily="18" charset="0"/>
-              </a:rPr>
-              <a:t> is the process of finding a model or function which is used to predict continuous real-valued output for a given data.</a:t>
-            </a:r>
-          </a:p>
-          <a:p>
-            <a:pPr algn="just"/>
-            <a:endParaRPr lang="en-US" sz="2200" dirty="0" smtClean="0">
+            <a:endParaRPr lang="en-US" sz="2200" dirty="0">
               <a:latin typeface="Book Antiqua" pitchFamily="18" charset="0"/>
             </a:endParaRPr>
           </a:p>
@@ -21921,10 +20565,9 @@
           <a:lstStyle/>
           <a:p>
             <a:r>
-              <a:rPr lang="en-US" smtClean="0"/>
+              <a:rPr lang="en-US"/>
               <a:t>Prepared By: Arjun Saud        Neural Network:M.Sc. CSIT I</a:t>
             </a:r>
-            <a:endParaRPr lang="en-US"/>
           </a:p>
         </p:txBody>
       </p:sp>
@@ -21939,13 +20582,6 @@
     <a:masterClrMapping/>
   </p:clrMapOvr>
   <p:transition/>
-  <p:timing>
-    <p:tnLst>
-      <p:par>
-        <p:cTn id="1" dur="indefinite" restart="never" nodeType="tmRoot"/>
-      </p:par>
-    </p:tnLst>
-  </p:timing>
 </p:sld>
 </file>
 
@@ -21982,14 +20618,11 @@
           <a:lstStyle/>
           <a:p>
             <a:r>
-              <a:rPr lang="en-US" b="1" dirty="0" smtClean="0">
+              <a:rPr lang="en-US" b="1" dirty="0">
                 <a:latin typeface="Book Antiqua" pitchFamily="18" charset="0"/>
               </a:rPr>
               <a:t>Pattern Analysis Tasks</a:t>
             </a:r>
-            <a:endParaRPr lang="en-US" b="1" dirty="0">
-              <a:latin typeface="Book Antiqua" pitchFamily="18" charset="0"/>
-            </a:endParaRPr>
           </a:p>
         </p:txBody>
       </p:sp>
@@ -22028,16 +20661,10 @@
           <a:p>
             <a:pPr algn="just"/>
             <a:r>
-              <a:rPr lang="en-US" sz="2400" dirty="0" smtClean="0">
-                <a:latin typeface="Book Antiqua" panose="02040602050305030304" pitchFamily="18" charset="0"/>
-              </a:rPr>
-              <a:t>For </a:t>
-            </a:r>
-            <a:r>
               <a:rPr lang="en-US" sz="2400" dirty="0">
                 <a:latin typeface="Book Antiqua" panose="02040602050305030304" pitchFamily="18" charset="0"/>
               </a:rPr>
-              <a:t>example, we can build a classification model to categorize bank loan applications as either </a:t>
+              <a:t>For example, we can build a classification model to categorize bank loan applications as either </a:t>
             </a:r>
             <a:r>
               <a:rPr lang="en-US" sz="2400" i="1" dirty="0">
@@ -22069,7 +20696,7 @@
           </a:p>
           <a:p>
             <a:pPr algn="just"/>
-            <a:endParaRPr lang="en-US" sz="2200" dirty="0" smtClean="0">
+            <a:endParaRPr lang="en-US" sz="2200" dirty="0">
               <a:latin typeface="Book Antiqua" pitchFamily="18" charset="0"/>
             </a:endParaRPr>
           </a:p>
@@ -22115,10 +20742,9 @@
           <a:lstStyle/>
           <a:p>
             <a:r>
-              <a:rPr lang="en-US" smtClean="0"/>
+              <a:rPr lang="en-US"/>
               <a:t>Prepared By: Arjun Saud        Neural Network:M.Sc. CSIT I</a:t>
             </a:r>
-            <a:endParaRPr lang="en-US"/>
           </a:p>
         </p:txBody>
       </p:sp>
@@ -22133,13 +20759,6 @@
     <a:masterClrMapping/>
   </p:clrMapOvr>
   <p:transition/>
-  <p:timing>
-    <p:tnLst>
-      <p:par>
-        <p:cTn id="1" dur="indefinite" restart="never" nodeType="tmRoot"/>
-      </p:par>
-    </p:tnLst>
-  </p:timing>
 </p:sld>
 </file>
 
@@ -22176,14 +20795,11 @@
           <a:lstStyle/>
           <a:p>
             <a:r>
-              <a:rPr lang="en-US" b="1" dirty="0" smtClean="0">
+              <a:rPr lang="en-US" b="1" dirty="0">
                 <a:latin typeface="Book Antiqua" pitchFamily="18" charset="0"/>
               </a:rPr>
               <a:t>Pattern Analysis Tasks</a:t>
             </a:r>
-            <a:endParaRPr lang="en-US" b="1" dirty="0">
-              <a:latin typeface="Book Antiqua" pitchFamily="18" charset="0"/>
-            </a:endParaRPr>
           </a:p>
         </p:txBody>
       </p:sp>
@@ -22222,16 +20838,10 @@
           <a:p>
             <a:pPr algn="just"/>
             <a:r>
-              <a:rPr lang="en-US" sz="2400" dirty="0" smtClean="0">
-                <a:latin typeface="Book Antiqua" panose="02040602050305030304" pitchFamily="18" charset="0"/>
-              </a:rPr>
-              <a:t>The classification and regression </a:t>
-            </a:r>
-            <a:r>
               <a:rPr lang="en-US" sz="2400" dirty="0">
                 <a:latin typeface="Book Antiqua" panose="02040602050305030304" pitchFamily="18" charset="0"/>
               </a:rPr>
-              <a:t>process works in following two steps: Learning Step and Testing Step</a:t>
+              <a:t>The classification and regression process works in following two steps: Learning Step and Testing Step</a:t>
             </a:r>
           </a:p>
           <a:p>
@@ -22246,57 +20856,33 @@
               <a:rPr lang="en-US" sz="2400" dirty="0">
                 <a:latin typeface="Book Antiqua" panose="02040602050305030304" pitchFamily="18" charset="0"/>
               </a:rPr>
-              <a:t>This step is also called training step or training phase. In this step the learning algorithms build a model on the basis of relationship between input and output in the training dataset. This dataset contains input attributes along with </a:t>
-            </a:r>
-            <a:r>
-              <a:rPr lang="en-US" sz="2400" dirty="0" smtClean="0">
-                <a:latin typeface="Book Antiqua" panose="02040602050305030304" pitchFamily="18" charset="0"/>
-              </a:rPr>
-              <a:t>output for </a:t>
-            </a:r>
+              <a:t>This step is also called training step or training phase. In this step the learning algorithms build a model on the basis of relationship between input and output in the training dataset. This dataset contains input attributes along with output for every input tuple.</a:t>
+            </a:r>
+          </a:p>
+          <a:p>
+            <a:pPr algn="just"/>
             <a:r>
               <a:rPr lang="en-US" sz="2400" dirty="0">
                 <a:latin typeface="Book Antiqua" panose="02040602050305030304" pitchFamily="18" charset="0"/>
               </a:rPr>
-              <a:t>every input tuple.</a:t>
-            </a:r>
-          </a:p>
-          <a:p>
-            <a:pPr algn="just"/>
+              <a:t>Because the output of each training tuple </a:t>
+            </a:r>
+            <a:r>
+              <a:rPr lang="en-US" sz="2400" i="1" dirty="0">
+                <a:latin typeface="Book Antiqua" panose="02040602050305030304" pitchFamily="18" charset="0"/>
+              </a:rPr>
+              <a:t>is provided</a:t>
+            </a:r>
             <a:r>
               <a:rPr lang="en-US" sz="2400" dirty="0">
                 <a:latin typeface="Book Antiqua" panose="02040602050305030304" pitchFamily="18" charset="0"/>
               </a:rPr>
-              <a:t>Because the </a:t>
-            </a:r>
-            <a:r>
-              <a:rPr lang="en-US" sz="2400" dirty="0" smtClean="0">
-                <a:latin typeface="Book Antiqua" panose="02040602050305030304" pitchFamily="18" charset="0"/>
-              </a:rPr>
-              <a:t>output of </a:t>
-            </a:r>
-            <a:r>
-              <a:rPr lang="en-US" sz="2400" dirty="0">
-                <a:latin typeface="Book Antiqua" panose="02040602050305030304" pitchFamily="18" charset="0"/>
-              </a:rPr>
-              <a:t>each training tuple </a:t>
-            </a:r>
-            <a:r>
-              <a:rPr lang="en-US" sz="2400" i="1" dirty="0">
-                <a:latin typeface="Book Antiqua" panose="02040602050305030304" pitchFamily="18" charset="0"/>
-              </a:rPr>
-              <a:t>is provided</a:t>
-            </a:r>
-            <a:r>
-              <a:rPr lang="en-US" sz="2400" dirty="0">
-                <a:latin typeface="Book Antiqua" panose="02040602050305030304" pitchFamily="18" charset="0"/>
-              </a:rPr>
               <a:t>, this step is also known as supervised learning </a:t>
             </a:r>
           </a:p>
           <a:p>
             <a:pPr algn="just"/>
-            <a:endParaRPr lang="en-US" sz="2200" dirty="0" smtClean="0">
+            <a:endParaRPr lang="en-US" sz="2200" dirty="0">
               <a:latin typeface="Book Antiqua" pitchFamily="18" charset="0"/>
             </a:endParaRPr>
           </a:p>
@@ -22342,10 +20928,9 @@
           <a:lstStyle/>
           <a:p>
             <a:r>
-              <a:rPr lang="en-US" smtClean="0"/>
+              <a:rPr lang="en-US"/>
               <a:t>Prepared By: Arjun Saud        Neural Network:M.Sc. CSIT I</a:t>
             </a:r>
-            <a:endParaRPr lang="en-US"/>
           </a:p>
         </p:txBody>
       </p:sp>
@@ -22360,13 +20945,6 @@
     <a:masterClrMapping/>
   </p:clrMapOvr>
   <p:transition/>
-  <p:timing>
-    <p:tnLst>
-      <p:par>
-        <p:cTn id="1" dur="indefinite" restart="never" nodeType="tmRoot"/>
-      </p:par>
-    </p:tnLst>
-  </p:timing>
 </p:sld>
 </file>
 
@@ -22403,14 +20981,11 @@
           <a:lstStyle/>
           <a:p>
             <a:r>
-              <a:rPr lang="en-US" b="1" dirty="0" smtClean="0">
+              <a:rPr lang="en-US" b="1" dirty="0">
                 <a:latin typeface="Book Antiqua" pitchFamily="18" charset="0"/>
               </a:rPr>
               <a:t>Pattern Analysis Tasks</a:t>
             </a:r>
-            <a:endParaRPr lang="en-US" b="1" dirty="0">
-              <a:latin typeface="Book Antiqua" pitchFamily="18" charset="0"/>
-            </a:endParaRPr>
           </a:p>
         </p:txBody>
       </p:sp>
@@ -22449,34 +21024,25 @@
           <a:p>
             <a:pPr lvl="0" algn="just"/>
             <a:r>
-              <a:rPr lang="en-US" sz="2400" b="1" dirty="0" smtClean="0">
-                <a:latin typeface="Book Antiqua" panose="02040602050305030304" pitchFamily="18" charset="0"/>
-              </a:rPr>
-              <a:t>Testing </a:t>
-            </a:r>
-            <a:r>
               <a:rPr lang="en-US" sz="2400" b="1" dirty="0">
                 <a:latin typeface="Book Antiqua" panose="02040602050305030304" pitchFamily="18" charset="0"/>
               </a:rPr>
-              <a:t>Step: </a:t>
+              <a:t>Testing Step: </a:t>
             </a:r>
             <a:r>
               <a:rPr lang="en-US" sz="2400" dirty="0">
                 <a:latin typeface="Book Antiqua" panose="02040602050305030304" pitchFamily="18" charset="0"/>
               </a:rPr>
-              <a:t>In this step, the model is used for prediction. Here the test dataset is used to estimate the accuracy of the model. This dataset contains values of input attributes along with </a:t>
-            </a:r>
-            <a:r>
-              <a:rPr lang="en-US" sz="2400" dirty="0" smtClean="0">
-                <a:latin typeface="Book Antiqua" panose="02040602050305030304" pitchFamily="18" charset="0"/>
-              </a:rPr>
-              <a:t>value output </a:t>
-            </a:r>
+              <a:t>In this step, the model is used for prediction. Here the test dataset is used to estimate the accuracy of the model. This dataset contains values of input attributes along with value output attribute. </a:t>
+            </a:r>
+          </a:p>
+          <a:p>
+            <a:pPr lvl="0" algn="just"/>
             <a:r>
               <a:rPr lang="en-US" sz="2400" dirty="0">
                 <a:latin typeface="Book Antiqua" panose="02040602050305030304" pitchFamily="18" charset="0"/>
               </a:rPr>
-              <a:t>attribute. </a:t>
+              <a:t>However, the model only takes values of input attributes and predicts output of each input tuple. </a:t>
             </a:r>
           </a:p>
           <a:p>
@@ -22485,69 +21051,12 @@
               <a:rPr lang="en-US" sz="2400" dirty="0">
                 <a:latin typeface="Book Antiqua" panose="02040602050305030304" pitchFamily="18" charset="0"/>
               </a:rPr>
-              <a:t>However, the model only takes values of input attributes and predicts </a:t>
-            </a:r>
-            <a:r>
-              <a:rPr lang="en-US" sz="2400" dirty="0" smtClean="0">
-                <a:latin typeface="Book Antiqua" panose="02040602050305030304" pitchFamily="18" charset="0"/>
-              </a:rPr>
-              <a:t>output of </a:t>
-            </a:r>
-            <a:r>
-              <a:rPr lang="en-US" sz="2400" dirty="0">
-                <a:latin typeface="Book Antiqua" panose="02040602050305030304" pitchFamily="18" charset="0"/>
-              </a:rPr>
-              <a:t>each input tuple. </a:t>
-            </a:r>
-          </a:p>
-          <a:p>
-            <a:pPr lvl="0" algn="just"/>
-            <a:r>
-              <a:rPr lang="en-US" sz="2400" dirty="0">
-                <a:latin typeface="Book Antiqua" panose="02040602050305030304" pitchFamily="18" charset="0"/>
-              </a:rPr>
-              <a:t>Then, </a:t>
-            </a:r>
-            <a:r>
-              <a:rPr lang="en-US" sz="2400" dirty="0" smtClean="0">
-                <a:latin typeface="Book Antiqua" panose="02040602050305030304" pitchFamily="18" charset="0"/>
-              </a:rPr>
-              <a:t>efficiency measures of the model </a:t>
-            </a:r>
-            <a:r>
-              <a:rPr lang="en-US" sz="2400" dirty="0">
-                <a:latin typeface="Book Antiqua" panose="02040602050305030304" pitchFamily="18" charset="0"/>
-              </a:rPr>
-              <a:t>is computed by looking at predicted </a:t>
-            </a:r>
-            <a:r>
-              <a:rPr lang="en-US" sz="2400" dirty="0" smtClean="0">
-                <a:latin typeface="Book Antiqua" panose="02040602050305030304" pitchFamily="18" charset="0"/>
-              </a:rPr>
-              <a:t>output and </a:t>
-            </a:r>
-            <a:r>
-              <a:rPr lang="en-US" sz="2400" dirty="0">
-                <a:latin typeface="Book Antiqua" panose="02040602050305030304" pitchFamily="18" charset="0"/>
-              </a:rPr>
-              <a:t>actual </a:t>
-            </a:r>
-            <a:r>
-              <a:rPr lang="en-US" sz="2400" dirty="0" smtClean="0">
-                <a:latin typeface="Book Antiqua" panose="02040602050305030304" pitchFamily="18" charset="0"/>
-              </a:rPr>
-              <a:t>output of </a:t>
-            </a:r>
-            <a:r>
-              <a:rPr lang="en-US" sz="2400" dirty="0">
-                <a:latin typeface="Book Antiqua" panose="02040602050305030304" pitchFamily="18" charset="0"/>
-              </a:rPr>
-              <a:t>test dataset.  The model can be applied to the new data tuples if the accuracy is considered acceptable.</a:t>
+              <a:t>Then, efficiency measures of the model is computed by looking at predicted output and actual output of test dataset.  The model can be applied to the new data tuples if the accuracy is considered acceptable.</a:t>
             </a:r>
           </a:p>
           <a:p>
             <a:pPr algn="just"/>
-            <a:endParaRPr lang="en-US" sz="2200" dirty="0" smtClean="0">
+            <a:endParaRPr lang="en-US" sz="2200" dirty="0">
               <a:latin typeface="Book Antiqua" pitchFamily="18" charset="0"/>
             </a:endParaRPr>
           </a:p>
@@ -22593,10 +21102,9 @@
           <a:lstStyle/>
           <a:p>
             <a:r>
-              <a:rPr lang="en-US" smtClean="0"/>
+              <a:rPr lang="en-US"/>
               <a:t>Prepared By: Arjun Saud        Neural Network:M.Sc. CSIT I</a:t>
             </a:r>
-            <a:endParaRPr lang="en-US"/>
           </a:p>
         </p:txBody>
       </p:sp>
@@ -22611,13 +21119,6 @@
     <a:masterClrMapping/>
   </p:clrMapOvr>
   <p:transition/>
-  <p:timing>
-    <p:tnLst>
-      <p:par>
-        <p:cTn id="1" dur="indefinite" restart="never" nodeType="tmRoot"/>
-      </p:par>
-    </p:tnLst>
-  </p:timing>
 </p:sld>
 </file>
 
@@ -22654,14 +21155,11 @@
           <a:lstStyle/>
           <a:p>
             <a:r>
-              <a:rPr lang="en-US" b="1" dirty="0" smtClean="0">
+              <a:rPr lang="en-US" b="1" dirty="0">
                 <a:latin typeface="Book Antiqua" pitchFamily="18" charset="0"/>
               </a:rPr>
               <a:t>Pattern Analysis Tasks</a:t>
             </a:r>
-            <a:endParaRPr lang="en-US" b="1" dirty="0">
-              <a:latin typeface="Book Antiqua" pitchFamily="18" charset="0"/>
-            </a:endParaRPr>
           </a:p>
         </p:txBody>
       </p:sp>
@@ -22691,7 +21189,7 @@
               <a:buNone/>
             </a:pPr>
             <a:r>
-              <a:rPr lang="en-US" sz="2400" b="1" u="sng" dirty="0" smtClean="0">
+              <a:rPr lang="en-US" sz="2400" b="1" u="sng" dirty="0">
                 <a:latin typeface="Book Antiqua" panose="02040602050305030304" pitchFamily="18" charset="0"/>
               </a:rPr>
               <a:t>Clustering</a:t>
@@ -22699,27 +21197,12 @@
           </a:p>
           <a:p>
             <a:pPr algn="just"/>
-            <a:r>
-              <a:rPr lang="en-US" sz="2400" dirty="0" smtClean="0">
-                <a:latin typeface="Book Antiqua" panose="02040602050305030304" pitchFamily="18" charset="0"/>
-              </a:rPr>
-              <a:t>Unlike </a:t>
-            </a:r>
             <a:r>
               <a:rPr lang="en-US" sz="2400" dirty="0">
                 <a:latin typeface="Book Antiqua" panose="02040602050305030304" pitchFamily="18" charset="0"/>
               </a:rPr>
-              <a:t>classification and prediction, which analyze output-labeled data objects, clustering analyzes data objects without consulting a known </a:t>
-            </a:r>
-            <a:r>
-              <a:rPr lang="en-US" sz="2400" dirty="0" smtClean="0">
-                <a:latin typeface="Book Antiqua" panose="02040602050305030304" pitchFamily="18" charset="0"/>
-              </a:rPr>
-              <a:t>output. </a:t>
-            </a:r>
-            <a:endParaRPr lang="en-US" sz="2400" dirty="0">
-              <a:latin typeface="Book Antiqua" panose="02040602050305030304" pitchFamily="18" charset="0"/>
-            </a:endParaRPr>
+              <a:t>Unlike classification and prediction, which analyze output-labeled data objects, clustering analyzes data objects without consulting a known output. </a:t>
+            </a:r>
           </a:p>
           <a:p>
             <a:pPr algn="just"/>
@@ -22727,42 +21210,30 @@
               <a:rPr lang="en-US" sz="2400" dirty="0">
                 <a:latin typeface="Book Antiqua" panose="02040602050305030304" pitchFamily="18" charset="0"/>
               </a:rPr>
-              <a:t>Clustering can be used to generate </a:t>
-            </a:r>
-            <a:r>
-              <a:rPr lang="en-US" sz="2400" dirty="0" smtClean="0">
+              <a:t>Clustering can be used to generate output labels. The objects are clustered or grouped based on the principle of </a:t>
+            </a:r>
+            <a:r>
+              <a:rPr lang="en-US" sz="2400" i="1" dirty="0">
                 <a:latin typeface="Book Antiqua" panose="02040602050305030304" pitchFamily="18" charset="0"/>
               </a:rPr>
-              <a:t>output </a:t>
+              <a:t>maximizing the intra-class similarity and minimizing the interclass similarity</a:t>
             </a:r>
             <a:r>
               <a:rPr lang="en-US" sz="2400" dirty="0">
                 <a:latin typeface="Book Antiqua" panose="02040602050305030304" pitchFamily="18" charset="0"/>
               </a:rPr>
-              <a:t>labels. The objects are clustered or grouped based on the principle of </a:t>
-            </a:r>
-            <a:r>
-              <a:rPr lang="en-US" sz="2400" i="1" dirty="0">
-                <a:latin typeface="Book Antiqua" panose="02040602050305030304" pitchFamily="18" charset="0"/>
-              </a:rPr>
-              <a:t>maximizing the intra-class similarity and minimizing the interclass similarity</a:t>
-            </a:r>
+              <a:t>. </a:t>
+            </a:r>
+          </a:p>
+          <a:p>
+            <a:pPr algn="just"/>
             <a:r>
               <a:rPr lang="en-US" sz="2400" dirty="0">
                 <a:latin typeface="Book Antiqua" panose="02040602050305030304" pitchFamily="18" charset="0"/>
               </a:rPr>
-              <a:t>. </a:t>
-            </a:r>
-          </a:p>
-          <a:p>
-            <a:pPr algn="just"/>
-            <a:r>
-              <a:rPr lang="en-US" sz="2400" dirty="0">
-                <a:latin typeface="Book Antiqua" panose="02040602050305030304" pitchFamily="18" charset="0"/>
-              </a:rPr>
               <a:t>That is, clusters of objects are formed so that objects within a cluster have high similarity in comparison to one another, but are very dissimilar to objects in other clusters</a:t>
             </a:r>
-            <a:endParaRPr lang="en-US" sz="2200" dirty="0" smtClean="0">
+            <a:endParaRPr lang="en-US" sz="2200" dirty="0">
               <a:latin typeface="Book Antiqua" pitchFamily="18" charset="0"/>
             </a:endParaRPr>
           </a:p>
@@ -22808,10 +21279,9 @@
           <a:lstStyle/>
           <a:p>
             <a:r>
-              <a:rPr lang="en-US" smtClean="0"/>
+              <a:rPr lang="en-US"/>
               <a:t>Prepared By: Arjun Saud        Neural Network:M.Sc. CSIT I</a:t>
             </a:r>
-            <a:endParaRPr lang="en-US"/>
           </a:p>
         </p:txBody>
       </p:sp>
@@ -22826,13 +21296,6 @@
     <a:masterClrMapping/>
   </p:clrMapOvr>
   <p:transition/>
-  <p:timing>
-    <p:tnLst>
-      <p:par>
-        <p:cTn id="1" dur="indefinite" restart="never" nodeType="tmRoot"/>
-      </p:par>
-    </p:tnLst>
-  </p:timing>
 </p:sld>
 </file>
 
@@ -22869,14 +21332,11 @@
           <a:lstStyle/>
           <a:p>
             <a:r>
-              <a:rPr lang="en-US" b="1" dirty="0" smtClean="0">
+              <a:rPr lang="en-US" b="1" dirty="0">
                 <a:latin typeface="Book Antiqua" pitchFamily="18" charset="0"/>
               </a:rPr>
               <a:t>Pattern Analysis Tasks</a:t>
             </a:r>
-            <a:endParaRPr lang="en-US" b="1" dirty="0">
-              <a:latin typeface="Book Antiqua" pitchFamily="18" charset="0"/>
-            </a:endParaRPr>
           </a:p>
         </p:txBody>
       </p:sp>
@@ -22915,7 +21375,7 @@
           <a:p>
             <a:pPr algn="just"/>
             <a:r>
-              <a:rPr lang="en-US" sz="2400" smtClean="0">
+              <a:rPr lang="en-US" sz="2400">
                 <a:latin typeface="Book Antiqua" panose="02040602050305030304" pitchFamily="18" charset="0"/>
               </a:rPr>
               <a:t>For </a:t>
@@ -22929,7 +21389,7 @@
           </a:p>
           <a:p>
             <a:pPr algn="just"/>
-            <a:endParaRPr lang="en-US" sz="2200" dirty="0" smtClean="0">
+            <a:endParaRPr lang="en-US" sz="2200" dirty="0">
               <a:latin typeface="Book Antiqua" pitchFamily="18" charset="0"/>
             </a:endParaRPr>
           </a:p>
@@ -22975,10 +21435,9 @@
           <a:lstStyle/>
           <a:p>
             <a:r>
-              <a:rPr lang="en-US" smtClean="0"/>
+              <a:rPr lang="en-US"/>
               <a:t>Prepared By: Arjun Saud        Neural Network:M.Sc. CSIT I</a:t>
             </a:r>
-            <a:endParaRPr lang="en-US"/>
           </a:p>
         </p:txBody>
       </p:sp>
@@ -22993,13 +21452,6 @@
     <a:masterClrMapping/>
   </p:clrMapOvr>
   <p:transition/>
-  <p:timing>
-    <p:tnLst>
-      <p:par>
-        <p:cTn id="1" dur="indefinite" restart="never" nodeType="tmRoot"/>
-      </p:par>
-    </p:tnLst>
-  </p:timing>
 </p:sld>
 </file>
 
@@ -23036,14 +21488,11 @@
           <a:lstStyle/>
           <a:p>
             <a:r>
-              <a:rPr lang="en-US" b="1" dirty="0" smtClean="0">
+              <a:rPr lang="en-US" b="1" dirty="0">
                 <a:latin typeface="Book Antiqua" pitchFamily="18" charset="0"/>
               </a:rPr>
               <a:t>Biological Neural Networks</a:t>
             </a:r>
-            <a:endParaRPr lang="en-US" b="1" dirty="0">
-              <a:latin typeface="Book Antiqua" pitchFamily="18" charset="0"/>
-            </a:endParaRPr>
           </a:p>
         </p:txBody>
       </p:sp>
@@ -23087,10 +21536,9 @@
           <a:lstStyle/>
           <a:p>
             <a:r>
-              <a:rPr lang="en-US" smtClean="0"/>
+              <a:rPr lang="en-US"/>
               <a:t>Prepared By: Arjun Saud        Neural Network:M.Sc. CSIT I</a:t>
             </a:r>
-            <a:endParaRPr lang="en-US"/>
           </a:p>
         </p:txBody>
       </p:sp>
@@ -23129,13 +21577,6 @@
     <a:masterClrMapping/>
   </p:clrMapOvr>
   <p:transition/>
-  <p:timing>
-    <p:tnLst>
-      <p:par>
-        <p:cTn id="1" dur="indefinite" restart="never" nodeType="tmRoot"/>
-      </p:par>
-    </p:tnLst>
-  </p:timing>
 </p:sld>
 </file>
 
@@ -23172,14 +21613,11 @@
           <a:lstStyle/>
           <a:p>
             <a:r>
-              <a:rPr lang="en-US" b="1" dirty="0" smtClean="0">
+              <a:rPr lang="en-US" b="1" dirty="0">
                 <a:latin typeface="Book Antiqua" pitchFamily="18" charset="0"/>
               </a:rPr>
               <a:t>Biological Neural Networks</a:t>
             </a:r>
-            <a:endParaRPr lang="en-US" b="1" dirty="0">
-              <a:latin typeface="Book Antiqua" pitchFamily="18" charset="0"/>
-            </a:endParaRPr>
           </a:p>
         </p:txBody>
       </p:sp>
@@ -23258,17 +21696,8 @@
               <a:rPr lang="en-US" sz="2400" dirty="0">
                 <a:latin typeface="Book Antiqua" pitchFamily="18" charset="0"/>
               </a:rPr>
-              <a:t>synapses between the axon and </a:t>
-            </a:r>
-            <a:r>
-              <a:rPr lang="en-US" sz="2400" dirty="0" smtClean="0">
-                <a:latin typeface="Book Antiqua" pitchFamily="18" charset="0"/>
-              </a:rPr>
-              <a:t>dendrites of other cells.</a:t>
-            </a:r>
-            <a:endParaRPr lang="en-US" sz="2400" dirty="0">
-              <a:latin typeface="Book Antiqua" pitchFamily="18" charset="0"/>
-            </a:endParaRPr>
+              <a:t>synapses between the axon and dendrites of other cells.</a:t>
+            </a:r>
           </a:p>
           <a:p>
             <a:pPr algn="just">
@@ -23344,10 +21773,9 @@
           <a:lstStyle/>
           <a:p>
             <a:r>
-              <a:rPr lang="en-US" smtClean="0"/>
+              <a:rPr lang="en-US"/>
               <a:t>Prepared By: Arjun Saud        Neural Network:M.Sc. CSIT I</a:t>
             </a:r>
-            <a:endParaRPr lang="en-US"/>
           </a:p>
         </p:txBody>
       </p:sp>
@@ -23362,13 +21790,6 @@
     <a:masterClrMapping/>
   </p:clrMapOvr>
   <p:transition/>
-  <p:timing>
-    <p:tnLst>
-      <p:par>
-        <p:cTn id="1" dur="indefinite" restart="never" nodeType="tmRoot"/>
-      </p:par>
-    </p:tnLst>
-  </p:timing>
 </p:sld>
 </file>
 
@@ -23405,14 +21826,11 @@
           <a:lstStyle/>
           <a:p>
             <a:r>
-              <a:rPr lang="en-US" b="1" dirty="0" smtClean="0">
+              <a:rPr lang="en-US" b="1" dirty="0">
                 <a:latin typeface="Book Antiqua" pitchFamily="18" charset="0"/>
               </a:rPr>
               <a:t>Biological Neural Networks</a:t>
             </a:r>
-            <a:endParaRPr lang="en-US" b="1" dirty="0">
-              <a:latin typeface="Book Antiqua" pitchFamily="18" charset="0"/>
-            </a:endParaRPr>
           </a:p>
         </p:txBody>
       </p:sp>
@@ -23443,26 +21861,11 @@
               <a:buChar char="•"/>
             </a:pPr>
             <a:r>
-              <a:rPr lang="en-US" sz="2400" dirty="0" smtClean="0">
-                <a:latin typeface="Book Antiqua" pitchFamily="18" charset="0"/>
-              </a:rPr>
-              <a:t>Signals come </a:t>
-            </a:r>
-            <a:r>
               <a:rPr lang="en-US" sz="2400" dirty="0">
                 <a:latin typeface="Book Antiqua" pitchFamily="18" charset="0"/>
               </a:rPr>
-              <a:t>into the dendrites through the </a:t>
-            </a:r>
-            <a:r>
-              <a:rPr lang="en-US" sz="2400" dirty="0" smtClean="0">
-                <a:latin typeface="Book Antiqua" pitchFamily="18" charset="0"/>
-              </a:rPr>
-              <a:t>synapses of other neurons.</a:t>
-            </a:r>
-            <a:endParaRPr lang="en-US" sz="2400" dirty="0">
-              <a:latin typeface="Book Antiqua" pitchFamily="18" charset="0"/>
-            </a:endParaRPr>
+              <a:t>Signals come into the dendrites through the synapses of other neurons.</a:t>
+            </a:r>
           </a:p>
           <a:p>
             <a:pPr marL="342900" lvl="1" indent="-342900" algn="just">
@@ -23473,17 +21876,8 @@
               <a:rPr lang="en-US" sz="2400" dirty="0">
                 <a:latin typeface="Book Antiqua" pitchFamily="18" charset="0"/>
               </a:rPr>
-              <a:t>All signals from all dendrites are summed up in the cell </a:t>
-            </a:r>
-            <a:r>
-              <a:rPr lang="en-US" sz="2400" dirty="0" smtClean="0">
-                <a:latin typeface="Book Antiqua" pitchFamily="18" charset="0"/>
-              </a:rPr>
-              <a:t>body.</a:t>
-            </a:r>
-            <a:endParaRPr lang="en-US" sz="2400" dirty="0">
-              <a:latin typeface="Book Antiqua" pitchFamily="18" charset="0"/>
-            </a:endParaRPr>
+              <a:t>All signals from all dendrites are summed up in the cell body.</a:t>
+            </a:r>
           </a:p>
           <a:p>
             <a:pPr marL="342900" lvl="1" indent="-342900" algn="just">
@@ -23494,25 +21888,7 @@
               <a:rPr lang="en-US" sz="2400" dirty="0">
                 <a:latin typeface="Book Antiqua" pitchFamily="18" charset="0"/>
               </a:rPr>
-              <a:t>When the sum is larger than a threshold, the neuron fires, and sends out an </a:t>
-            </a:r>
-            <a:r>
-              <a:rPr lang="en-US" sz="2400" dirty="0" smtClean="0">
-                <a:latin typeface="Book Antiqua" pitchFamily="18" charset="0"/>
-              </a:rPr>
-              <a:t>output </a:t>
-            </a:r>
-            <a:r>
-              <a:rPr lang="en-US" sz="2400" dirty="0">
-                <a:latin typeface="Book Antiqua" pitchFamily="18" charset="0"/>
-              </a:rPr>
-              <a:t>signal to other neurons through the axon</a:t>
-            </a:r>
-            <a:r>
-              <a:rPr lang="en-US" sz="2400" dirty="0" smtClean="0">
-                <a:latin typeface="Book Antiqua" pitchFamily="18" charset="0"/>
-              </a:rPr>
-              <a:t>.</a:t>
+              <a:t>When the sum is larger than a threshold, the neuron fires, and sends out an output signal to other neurons through the axon.</a:t>
             </a:r>
           </a:p>
           <a:p>
@@ -23524,43 +21900,7 @@
               <a:rPr lang="en-US" sz="2400" dirty="0">
                 <a:latin typeface="Book Antiqua" pitchFamily="18" charset="0"/>
               </a:rPr>
-              <a:t>The end of the </a:t>
-            </a:r>
-            <a:r>
-              <a:rPr lang="en-US" sz="2400" dirty="0" smtClean="0">
-                <a:latin typeface="Book Antiqua" pitchFamily="18" charset="0"/>
-              </a:rPr>
-              <a:t>axon is divided </a:t>
-            </a:r>
-            <a:r>
-              <a:rPr lang="en-US" sz="2400" dirty="0">
-                <a:latin typeface="Book Antiqua" pitchFamily="18" charset="0"/>
-              </a:rPr>
-              <a:t>in many branches</a:t>
-            </a:r>
-            <a:r>
-              <a:rPr lang="en-US" sz="2400" dirty="0" smtClean="0">
-                <a:latin typeface="Book Antiqua" pitchFamily="18" charset="0"/>
-              </a:rPr>
-              <a:t>, called synapses, which </a:t>
-            </a:r>
-            <a:r>
-              <a:rPr lang="en-US" sz="2400" dirty="0">
-                <a:latin typeface="Book Antiqua" pitchFamily="18" charset="0"/>
-              </a:rPr>
-              <a:t>are then connected to other </a:t>
-            </a:r>
-            <a:r>
-              <a:rPr lang="en-US" sz="2400" dirty="0" smtClean="0">
-                <a:latin typeface="Book Antiqua" pitchFamily="18" charset="0"/>
-              </a:rPr>
-              <a:t>dendrites of other cells</a:t>
-            </a:r>
-            <a:r>
-              <a:rPr lang="en-US" sz="2400" dirty="0">
-                <a:latin typeface="Book Antiqua" pitchFamily="18" charset="0"/>
-              </a:rPr>
-              <a:t>.</a:t>
+              <a:t>The end of the axon is divided in many branches, called synapses, which are then connected to other dendrites of other cells.</a:t>
             </a:r>
           </a:p>
           <a:p>
@@ -23611,10 +21951,9 @@
           <a:lstStyle/>
           <a:p>
             <a:r>
-              <a:rPr lang="en-US" smtClean="0"/>
+              <a:rPr lang="en-US"/>
               <a:t>Prepared By: Arjun Saud        Neural Network:M.Sc. CSIT I</a:t>
             </a:r>
-            <a:endParaRPr lang="en-US"/>
           </a:p>
         </p:txBody>
       </p:sp>
@@ -23629,13 +21968,6 @@
     <a:masterClrMapping/>
   </p:clrMapOvr>
   <p:transition/>
-  <p:timing>
-    <p:tnLst>
-      <p:par>
-        <p:cTn id="1" dur="indefinite" restart="never" nodeType="tmRoot"/>
-      </p:par>
-    </p:tnLst>
-  </p:timing>
 </p:sld>
 </file>
 
@@ -23674,14 +22006,11 @@
           <a:lstStyle/>
           <a:p>
             <a:r>
-              <a:rPr lang="en-US" b="1" dirty="0" smtClean="0">
+              <a:rPr lang="en-US" b="1" dirty="0">
                 <a:latin typeface="Book Antiqua" pitchFamily="18" charset="0"/>
               </a:rPr>
               <a:t>Models of Neuron</a:t>
             </a:r>
-            <a:endParaRPr lang="en-US" b="1" dirty="0">
-              <a:latin typeface="Book Antiqua" pitchFamily="18" charset="0"/>
-            </a:endParaRPr>
           </a:p>
         </p:txBody>
       </p:sp>
@@ -23724,49 +22053,31 @@
               <a:rPr lang="en-US" sz="2400" dirty="0">
                 <a:latin typeface="Book Antiqua" panose="02040602050305030304" pitchFamily="18" charset="0"/>
               </a:rPr>
-              <a:t>is an information-processing unit that is fundamental to the operation of </a:t>
-            </a:r>
-            <a:r>
-              <a:rPr lang="en-US" sz="2400" dirty="0" smtClean="0">
-                <a:latin typeface="Book Antiqua" panose="02040602050305030304" pitchFamily="18" charset="0"/>
-              </a:rPr>
-              <a:t>a neural </a:t>
-            </a:r>
+              <a:t>is an information-processing unit that is fundamental to the operation of a neural network.</a:t>
+            </a:r>
+          </a:p>
+          <a:p>
+            <a:pPr algn="just"/>
             <a:r>
               <a:rPr lang="en-US" sz="2400" dirty="0">
                 <a:latin typeface="Book Antiqua" panose="02040602050305030304" pitchFamily="18" charset="0"/>
               </a:rPr>
-              <a:t>network</a:t>
-            </a:r>
-            <a:r>
-              <a:rPr lang="en-US" sz="2400" dirty="0" smtClean="0">
+              <a:t>Basically, Models of neuron can be divided into two categories:</a:t>
+            </a:r>
+          </a:p>
+          <a:p>
+            <a:pPr lvl="1" algn="just"/>
+            <a:r>
+              <a:rPr lang="en-US" sz="2400" b="1" dirty="0">
                 <a:latin typeface="Book Antiqua" panose="02040602050305030304" pitchFamily="18" charset="0"/>
               </a:rPr>
-              <a:t>.</a:t>
-            </a:r>
-          </a:p>
-          <a:p>
-            <a:pPr algn="just"/>
-            <a:r>
-              <a:rPr lang="en-US" sz="2400" dirty="0" smtClean="0">
-                <a:latin typeface="Book Antiqua" panose="02040602050305030304" pitchFamily="18" charset="0"/>
-              </a:rPr>
-              <a:t>Basically, Models of neuron can be divided into two categories:</a:t>
+              <a:t>Deterministic model of Neuron</a:t>
             </a:r>
           </a:p>
           <a:p>
             <a:pPr lvl="1" algn="just"/>
             <a:r>
-              <a:rPr lang="en-US" sz="2400" b="1" dirty="0" smtClean="0">
-                <a:latin typeface="Book Antiqua" panose="02040602050305030304" pitchFamily="18" charset="0"/>
-              </a:rPr>
-              <a:t>Deterministic model of Neuron</a:t>
-            </a:r>
-          </a:p>
-          <a:p>
-            <a:pPr lvl="1" algn="just"/>
-            <a:r>
-              <a:rPr lang="en-US" sz="2400" b="1" dirty="0" smtClean="0">
+              <a:rPr lang="en-US" sz="2400" b="1" dirty="0">
                 <a:latin typeface="Book Antiqua" panose="02040602050305030304" pitchFamily="18" charset="0"/>
               </a:rPr>
               <a:t>Stochastic model of Neuron</a:t>
@@ -23777,14 +22088,11 @@
               <a:buNone/>
             </a:pPr>
             <a:r>
-              <a:rPr lang="en-US" sz="2400" b="1" dirty="0" smtClean="0">
+              <a:rPr lang="en-US" sz="2400" b="1" dirty="0">
                 <a:latin typeface="Book Antiqua" panose="02040602050305030304" pitchFamily="18" charset="0"/>
               </a:rPr>
               <a:t> </a:t>
             </a:r>
-            <a:endParaRPr lang="en-US" sz="2400" b="1" dirty="0">
-              <a:latin typeface="Book Antiqua" pitchFamily="18" charset="0"/>
-            </a:endParaRPr>
           </a:p>
         </p:txBody>
       </p:sp>
@@ -23858,10 +22166,9 @@
           <a:lstStyle/>
           <a:p>
             <a:r>
-              <a:rPr lang="en-US" smtClean="0"/>
+              <a:rPr lang="en-US"/>
               <a:t>Prepared By: Arjun Saud        Neural Network:M.Sc. CSIT I</a:t>
             </a:r>
-            <a:endParaRPr lang="en-US"/>
           </a:p>
         </p:txBody>
       </p:sp>
@@ -23876,13 +22183,6 @@
     <a:masterClrMapping/>
   </p:clrMapOvr>
   <p:transition/>
-  <p:timing>
-    <p:tnLst>
-      <p:par>
-        <p:cTn id="1" dur="indefinite" restart="never" nodeType="tmRoot"/>
-      </p:par>
-    </p:tnLst>
-  </p:timing>
 </p:sld>
 </file>
 
@@ -23921,14 +22221,11 @@
           <a:lstStyle/>
           <a:p>
             <a:r>
-              <a:rPr lang="en-US" b="1" dirty="0" smtClean="0">
+              <a:rPr lang="en-US" b="1" dirty="0">
                 <a:latin typeface="Book Antiqua" pitchFamily="18" charset="0"/>
               </a:rPr>
               <a:t>Models of Neuron</a:t>
             </a:r>
-            <a:endParaRPr lang="en-US" b="1" dirty="0">
-              <a:latin typeface="Book Antiqua" pitchFamily="18" charset="0"/>
-            </a:endParaRPr>
           </a:p>
         </p:txBody>
       </p:sp>
@@ -23958,7 +22255,7 @@
               <a:buNone/>
             </a:pPr>
             <a:r>
-              <a:rPr lang="en-US" sz="2400" b="1" u="sng" dirty="0" smtClean="0">
+              <a:rPr lang="en-US" sz="2400" b="1" u="sng" dirty="0">
                 <a:latin typeface="Book Antiqua" pitchFamily="18" charset="0"/>
               </a:rPr>
               <a:t>Deterministic Model of Neuron</a:t>
@@ -24066,10 +22363,9 @@
           <a:lstStyle/>
           <a:p>
             <a:r>
-              <a:rPr lang="en-US" smtClean="0"/>
+              <a:rPr lang="en-US"/>
               <a:t>Prepared By: Arjun Saud        Neural Network:M.Sc. CSIT I</a:t>
             </a:r>
-            <a:endParaRPr lang="en-US"/>
           </a:p>
         </p:txBody>
       </p:sp>
@@ -24084,13 +22380,6 @@
     <a:masterClrMapping/>
   </p:clrMapOvr>
   <p:transition/>
-  <p:timing>
-    <p:tnLst>
-      <p:par>
-        <p:cTn id="1" dur="indefinite" restart="never" nodeType="tmRoot"/>
-      </p:par>
-    </p:tnLst>
-  </p:timing>
 </p:sld>
 </file>
 
